--- a/00_System_Architectures_JYI_20201122.pptx
+++ b/00_System_Architectures_JYI_20201122.pptx
@@ -6,6 +6,16 @@
   </p:sldMasterIdLst>
   <p:sldIdLst>
     <p:sldId id="256" r:id="rId2"/>
+    <p:sldId id="260" r:id="rId3"/>
+    <p:sldId id="261" r:id="rId4"/>
+    <p:sldId id="257" r:id="rId5"/>
+    <p:sldId id="264" r:id="rId6"/>
+    <p:sldId id="263" r:id="rId7"/>
+    <p:sldId id="265" r:id="rId8"/>
+    <p:sldId id="262" r:id="rId9"/>
+    <p:sldId id="266" r:id="rId10"/>
+    <p:sldId id="259" r:id="rId11"/>
+    <p:sldId id="258" r:id="rId12"/>
   </p:sldIdLst>
   <p:sldSz cx="12192000" cy="6858000"/>
   <p:notesSz cx="6858000" cy="9144000"/>
@@ -104,6 +114,11 @@
       </a:defRPr>
     </a:lvl9pPr>
   </p:defaultTextStyle>
+  <p:extLst>
+    <p:ext uri="{EFAFB233-063F-42B5-8137-9DF3F51BA10A}">
+      <p15:sldGuideLst xmlns:p15="http://schemas.microsoft.com/office/powerpoint/2012/main"/>
+    </p:ext>
+  </p:extLst>
 </p:presentation>
 </file>
 
@@ -254,7 +269,7 @@
           <a:p>
             <a:fld id="{EE2FABD8-366E-4F35-BC6A-02E6FDD95AAC}" type="datetimeFigureOut">
               <a:rPr lang="en-US" smtClean="0"/>
-              <a:t>11/22/2020</a:t>
+              <a:t>12/30/2020</a:t>
             </a:fld>
             <a:endParaRPr lang="en-US"/>
           </a:p>
@@ -452,7 +467,7 @@
           <a:p>
             <a:fld id="{EE2FABD8-366E-4F35-BC6A-02E6FDD95AAC}" type="datetimeFigureOut">
               <a:rPr lang="en-US" smtClean="0"/>
-              <a:t>11/22/2020</a:t>
+              <a:t>12/30/2020</a:t>
             </a:fld>
             <a:endParaRPr lang="en-US"/>
           </a:p>
@@ -660,7 +675,7 @@
           <a:p>
             <a:fld id="{EE2FABD8-366E-4F35-BC6A-02E6FDD95AAC}" type="datetimeFigureOut">
               <a:rPr lang="en-US" smtClean="0"/>
-              <a:t>11/22/2020</a:t>
+              <a:t>12/30/2020</a:t>
             </a:fld>
             <a:endParaRPr lang="en-US"/>
           </a:p>
@@ -858,7 +873,7 @@
           <a:p>
             <a:fld id="{EE2FABD8-366E-4F35-BC6A-02E6FDD95AAC}" type="datetimeFigureOut">
               <a:rPr lang="en-US" smtClean="0"/>
-              <a:t>11/22/2020</a:t>
+              <a:t>12/30/2020</a:t>
             </a:fld>
             <a:endParaRPr lang="en-US"/>
           </a:p>
@@ -1133,7 +1148,7 @@
           <a:p>
             <a:fld id="{EE2FABD8-366E-4F35-BC6A-02E6FDD95AAC}" type="datetimeFigureOut">
               <a:rPr lang="en-US" smtClean="0"/>
-              <a:t>11/22/2020</a:t>
+              <a:t>12/30/2020</a:t>
             </a:fld>
             <a:endParaRPr lang="en-US"/>
           </a:p>
@@ -1398,7 +1413,7 @@
           <a:p>
             <a:fld id="{EE2FABD8-366E-4F35-BC6A-02E6FDD95AAC}" type="datetimeFigureOut">
               <a:rPr lang="en-US" smtClean="0"/>
-              <a:t>11/22/2020</a:t>
+              <a:t>12/30/2020</a:t>
             </a:fld>
             <a:endParaRPr lang="en-US"/>
           </a:p>
@@ -1810,7 +1825,7 @@
           <a:p>
             <a:fld id="{EE2FABD8-366E-4F35-BC6A-02E6FDD95AAC}" type="datetimeFigureOut">
               <a:rPr lang="en-US" smtClean="0"/>
-              <a:t>11/22/2020</a:t>
+              <a:t>12/30/2020</a:t>
             </a:fld>
             <a:endParaRPr lang="en-US"/>
           </a:p>
@@ -1951,7 +1966,7 @@
           <a:p>
             <a:fld id="{EE2FABD8-366E-4F35-BC6A-02E6FDD95AAC}" type="datetimeFigureOut">
               <a:rPr lang="en-US" smtClean="0"/>
-              <a:t>11/22/2020</a:t>
+              <a:t>12/30/2020</a:t>
             </a:fld>
             <a:endParaRPr lang="en-US"/>
           </a:p>
@@ -2064,7 +2079,7 @@
           <a:p>
             <a:fld id="{EE2FABD8-366E-4F35-BC6A-02E6FDD95AAC}" type="datetimeFigureOut">
               <a:rPr lang="en-US" smtClean="0"/>
-              <a:t>11/22/2020</a:t>
+              <a:t>12/30/2020</a:t>
             </a:fld>
             <a:endParaRPr lang="en-US"/>
           </a:p>
@@ -2375,7 +2390,7 @@
           <a:p>
             <a:fld id="{EE2FABD8-366E-4F35-BC6A-02E6FDD95AAC}" type="datetimeFigureOut">
               <a:rPr lang="en-US" smtClean="0"/>
-              <a:t>11/22/2020</a:t>
+              <a:t>12/30/2020</a:t>
             </a:fld>
             <a:endParaRPr lang="en-US"/>
           </a:p>
@@ -2663,7 +2678,7 @@
           <a:p>
             <a:fld id="{EE2FABD8-366E-4F35-BC6A-02E6FDD95AAC}" type="datetimeFigureOut">
               <a:rPr lang="en-US" smtClean="0"/>
-              <a:t>11/22/2020</a:t>
+              <a:t>12/30/2020</a:t>
             </a:fld>
             <a:endParaRPr lang="en-US"/>
           </a:p>
@@ -2904,7 +2919,7 @@
           <a:p>
             <a:fld id="{EE2FABD8-366E-4F35-BC6A-02E6FDD95AAC}" type="datetimeFigureOut">
               <a:rPr lang="en-US" smtClean="0"/>
-              <a:t>11/22/2020</a:t>
+              <a:t>12/30/2020</a:t>
             </a:fld>
             <a:endParaRPr lang="en-US"/>
           </a:p>
@@ -3335,7 +3350,7 @@
         </p:nvSpPr>
         <p:spPr>
           <a:xfrm>
-            <a:off x="1930399" y="1896533"/>
+            <a:off x="1708458" y="3530025"/>
             <a:ext cx="914400" cy="914400"/>
           </a:xfrm>
           <a:prstGeom prst="rect">
@@ -3384,7 +3399,7 @@
         </p:nvSpPr>
         <p:spPr>
           <a:xfrm>
-            <a:off x="3479800" y="1896533"/>
+            <a:off x="3257859" y="3530025"/>
             <a:ext cx="1608667" cy="914400"/>
           </a:xfrm>
           <a:prstGeom prst="rect">
@@ -3433,7 +3448,7 @@
         </p:nvSpPr>
         <p:spPr>
           <a:xfrm>
-            <a:off x="10064044" y="1885244"/>
+            <a:off x="9842103" y="3518736"/>
             <a:ext cx="914400" cy="914400"/>
           </a:xfrm>
           <a:prstGeom prst="rect">
@@ -3482,7 +3497,7 @@
         </p:nvSpPr>
         <p:spPr>
           <a:xfrm>
-            <a:off x="7967138" y="1885244"/>
+            <a:off x="7745197" y="3518736"/>
             <a:ext cx="1608667" cy="914400"/>
           </a:xfrm>
           <a:prstGeom prst="rect">
@@ -3531,7 +3546,7 @@
         </p:nvSpPr>
         <p:spPr>
           <a:xfrm>
-            <a:off x="5723469" y="1896533"/>
+            <a:off x="5501528" y="3530025"/>
             <a:ext cx="1608667" cy="914400"/>
           </a:xfrm>
           <a:prstGeom prst="rect">
@@ -3580,7 +3595,7 @@
         </p:nvSpPr>
         <p:spPr>
           <a:xfrm>
-            <a:off x="4566354" y="423333"/>
+            <a:off x="4344413" y="2056825"/>
             <a:ext cx="1326446" cy="914400"/>
           </a:xfrm>
           <a:prstGeom prst="rect">
@@ -3629,7 +3644,7 @@
         </p:nvSpPr>
         <p:spPr>
           <a:xfrm>
-            <a:off x="6815670" y="423333"/>
+            <a:off x="6593729" y="2056825"/>
             <a:ext cx="1326446" cy="914400"/>
           </a:xfrm>
           <a:prstGeom prst="rect">
@@ -3664,10 +3679,1912 @@
           </a:p>
         </p:txBody>
       </p:sp>
+      <p:cxnSp>
+        <p:nvCxnSpPr>
+          <p:cNvPr id="3" name="Straight Arrow Connector 2">
+            <a:extLst>
+              <a:ext uri="{FF2B5EF4-FFF2-40B4-BE49-F238E27FC236}">
+                <a16:creationId xmlns:a16="http://schemas.microsoft.com/office/drawing/2014/main" id="{0D1E89D0-960E-4591-A8AE-6319EDB43D3C}"/>
+              </a:ext>
+            </a:extLst>
+          </p:cNvPr>
+          <p:cNvCxnSpPr>
+            <a:stCxn id="9" idx="2"/>
+            <a:endCxn id="4" idx="0"/>
+          </p:cNvCxnSpPr>
+          <p:nvPr/>
+        </p:nvCxnSpPr>
+        <p:spPr>
+          <a:xfrm flipH="1">
+            <a:off x="2165658" y="2971225"/>
+            <a:ext cx="2841978" cy="558800"/>
+          </a:xfrm>
+          <a:prstGeom prst="straightConnector1">
+            <a:avLst/>
+          </a:prstGeom>
+          <a:ln>
+            <a:tailEnd type="triangle"/>
+          </a:ln>
+        </p:spPr>
+        <p:style>
+          <a:lnRef idx="1">
+            <a:schemeClr val="accent1"/>
+          </a:lnRef>
+          <a:fillRef idx="0">
+            <a:schemeClr val="accent1"/>
+          </a:fillRef>
+          <a:effectRef idx="0">
+            <a:schemeClr val="accent1"/>
+          </a:effectRef>
+          <a:fontRef idx="minor">
+            <a:schemeClr val="tx1"/>
+          </a:fontRef>
+        </p:style>
+      </p:cxnSp>
+      <p:cxnSp>
+        <p:nvCxnSpPr>
+          <p:cNvPr id="12" name="Straight Arrow Connector 11">
+            <a:extLst>
+              <a:ext uri="{FF2B5EF4-FFF2-40B4-BE49-F238E27FC236}">
+                <a16:creationId xmlns:a16="http://schemas.microsoft.com/office/drawing/2014/main" id="{7A6F00FE-A6DD-4EC0-B7D6-905954FC0C00}"/>
+              </a:ext>
+            </a:extLst>
+          </p:cNvPr>
+          <p:cNvCxnSpPr>
+            <a:stCxn id="9" idx="2"/>
+            <a:endCxn id="5" idx="0"/>
+          </p:cNvCxnSpPr>
+          <p:nvPr/>
+        </p:nvCxnSpPr>
+        <p:spPr>
+          <a:xfrm flipH="1">
+            <a:off x="4062193" y="2971225"/>
+            <a:ext cx="945443" cy="558800"/>
+          </a:xfrm>
+          <a:prstGeom prst="straightConnector1">
+            <a:avLst/>
+          </a:prstGeom>
+          <a:ln>
+            <a:tailEnd type="triangle"/>
+          </a:ln>
+        </p:spPr>
+        <p:style>
+          <a:lnRef idx="1">
+            <a:schemeClr val="accent1"/>
+          </a:lnRef>
+          <a:fillRef idx="0">
+            <a:schemeClr val="accent1"/>
+          </a:fillRef>
+          <a:effectRef idx="0">
+            <a:schemeClr val="accent1"/>
+          </a:effectRef>
+          <a:fontRef idx="minor">
+            <a:schemeClr val="tx1"/>
+          </a:fontRef>
+        </p:style>
+      </p:cxnSp>
+      <p:cxnSp>
+        <p:nvCxnSpPr>
+          <p:cNvPr id="14" name="Straight Arrow Connector 13">
+            <a:extLst>
+              <a:ext uri="{FF2B5EF4-FFF2-40B4-BE49-F238E27FC236}">
+                <a16:creationId xmlns:a16="http://schemas.microsoft.com/office/drawing/2014/main" id="{45F302D7-7273-4528-A599-C0B275B4C43D}"/>
+              </a:ext>
+            </a:extLst>
+          </p:cNvPr>
+          <p:cNvCxnSpPr>
+            <a:stCxn id="9" idx="2"/>
+            <a:endCxn id="8" idx="0"/>
+          </p:cNvCxnSpPr>
+          <p:nvPr/>
+        </p:nvCxnSpPr>
+        <p:spPr>
+          <a:xfrm>
+            <a:off x="5007636" y="2971225"/>
+            <a:ext cx="1298226" cy="558800"/>
+          </a:xfrm>
+          <a:prstGeom prst="straightConnector1">
+            <a:avLst/>
+          </a:prstGeom>
+          <a:ln>
+            <a:tailEnd type="triangle"/>
+          </a:ln>
+        </p:spPr>
+        <p:style>
+          <a:lnRef idx="1">
+            <a:schemeClr val="accent1"/>
+          </a:lnRef>
+          <a:fillRef idx="0">
+            <a:schemeClr val="accent1"/>
+          </a:fillRef>
+          <a:effectRef idx="0">
+            <a:schemeClr val="accent1"/>
+          </a:effectRef>
+          <a:fontRef idx="minor">
+            <a:schemeClr val="tx1"/>
+          </a:fontRef>
+        </p:style>
+      </p:cxnSp>
+      <p:cxnSp>
+        <p:nvCxnSpPr>
+          <p:cNvPr id="16" name="Straight Arrow Connector 15">
+            <a:extLst>
+              <a:ext uri="{FF2B5EF4-FFF2-40B4-BE49-F238E27FC236}">
+                <a16:creationId xmlns:a16="http://schemas.microsoft.com/office/drawing/2014/main" id="{CA913E24-9349-4119-8180-81D06ADB2936}"/>
+              </a:ext>
+            </a:extLst>
+          </p:cNvPr>
+          <p:cNvCxnSpPr>
+            <a:stCxn id="9" idx="2"/>
+            <a:endCxn id="7" idx="0"/>
+          </p:cNvCxnSpPr>
+          <p:nvPr/>
+        </p:nvCxnSpPr>
+        <p:spPr>
+          <a:xfrm>
+            <a:off x="5007636" y="2971225"/>
+            <a:ext cx="3541895" cy="547511"/>
+          </a:xfrm>
+          <a:prstGeom prst="straightConnector1">
+            <a:avLst/>
+          </a:prstGeom>
+          <a:ln>
+            <a:tailEnd type="triangle"/>
+          </a:ln>
+        </p:spPr>
+        <p:style>
+          <a:lnRef idx="1">
+            <a:schemeClr val="accent1"/>
+          </a:lnRef>
+          <a:fillRef idx="0">
+            <a:schemeClr val="accent1"/>
+          </a:fillRef>
+          <a:effectRef idx="0">
+            <a:schemeClr val="accent1"/>
+          </a:effectRef>
+          <a:fontRef idx="minor">
+            <a:schemeClr val="tx1"/>
+          </a:fontRef>
+        </p:style>
+      </p:cxnSp>
+      <p:cxnSp>
+        <p:nvCxnSpPr>
+          <p:cNvPr id="18" name="Straight Arrow Connector 17">
+            <a:extLst>
+              <a:ext uri="{FF2B5EF4-FFF2-40B4-BE49-F238E27FC236}">
+                <a16:creationId xmlns:a16="http://schemas.microsoft.com/office/drawing/2014/main" id="{B5A4410D-6F80-43B0-A2C8-A9C67EFA5EFD}"/>
+              </a:ext>
+            </a:extLst>
+          </p:cNvPr>
+          <p:cNvCxnSpPr>
+            <a:stCxn id="9" idx="2"/>
+            <a:endCxn id="6" idx="0"/>
+          </p:cNvCxnSpPr>
+          <p:nvPr/>
+        </p:nvCxnSpPr>
+        <p:spPr>
+          <a:xfrm>
+            <a:off x="5007636" y="2971225"/>
+            <a:ext cx="5291667" cy="547511"/>
+          </a:xfrm>
+          <a:prstGeom prst="straightConnector1">
+            <a:avLst/>
+          </a:prstGeom>
+          <a:ln>
+            <a:tailEnd type="triangle"/>
+          </a:ln>
+        </p:spPr>
+        <p:style>
+          <a:lnRef idx="1">
+            <a:schemeClr val="accent1"/>
+          </a:lnRef>
+          <a:fillRef idx="0">
+            <a:schemeClr val="accent1"/>
+          </a:fillRef>
+          <a:effectRef idx="0">
+            <a:schemeClr val="accent1"/>
+          </a:effectRef>
+          <a:fontRef idx="minor">
+            <a:schemeClr val="tx1"/>
+          </a:fontRef>
+        </p:style>
+      </p:cxnSp>
+      <p:cxnSp>
+        <p:nvCxnSpPr>
+          <p:cNvPr id="20" name="Straight Arrow Connector 19">
+            <a:extLst>
+              <a:ext uri="{FF2B5EF4-FFF2-40B4-BE49-F238E27FC236}">
+                <a16:creationId xmlns:a16="http://schemas.microsoft.com/office/drawing/2014/main" id="{9B52825C-E7A4-40A8-BA11-A040F79582FC}"/>
+              </a:ext>
+            </a:extLst>
+          </p:cNvPr>
+          <p:cNvCxnSpPr>
+            <a:cxnSpLocks/>
+            <a:stCxn id="10" idx="2"/>
+            <a:endCxn id="4" idx="0"/>
+          </p:cNvCxnSpPr>
+          <p:nvPr/>
+        </p:nvCxnSpPr>
+        <p:spPr>
+          <a:xfrm flipH="1">
+            <a:off x="2165658" y="2971225"/>
+            <a:ext cx="5091294" cy="558800"/>
+          </a:xfrm>
+          <a:prstGeom prst="straightConnector1">
+            <a:avLst/>
+          </a:prstGeom>
+          <a:ln>
+            <a:tailEnd type="triangle"/>
+          </a:ln>
+        </p:spPr>
+        <p:style>
+          <a:lnRef idx="1">
+            <a:schemeClr val="accent1"/>
+          </a:lnRef>
+          <a:fillRef idx="0">
+            <a:schemeClr val="accent1"/>
+          </a:fillRef>
+          <a:effectRef idx="0">
+            <a:schemeClr val="accent1"/>
+          </a:effectRef>
+          <a:fontRef idx="minor">
+            <a:schemeClr val="tx1"/>
+          </a:fontRef>
+        </p:style>
+      </p:cxnSp>
+      <p:cxnSp>
+        <p:nvCxnSpPr>
+          <p:cNvPr id="23" name="Straight Arrow Connector 22">
+            <a:extLst>
+              <a:ext uri="{FF2B5EF4-FFF2-40B4-BE49-F238E27FC236}">
+                <a16:creationId xmlns:a16="http://schemas.microsoft.com/office/drawing/2014/main" id="{8360DBD2-F13C-40AA-826E-1962B5DB892F}"/>
+              </a:ext>
+            </a:extLst>
+          </p:cNvPr>
+          <p:cNvCxnSpPr>
+            <a:stCxn id="10" idx="2"/>
+            <a:endCxn id="5" idx="0"/>
+          </p:cNvCxnSpPr>
+          <p:nvPr/>
+        </p:nvCxnSpPr>
+        <p:spPr>
+          <a:xfrm flipH="1">
+            <a:off x="4062193" y="2971225"/>
+            <a:ext cx="3194759" cy="558800"/>
+          </a:xfrm>
+          <a:prstGeom prst="straightConnector1">
+            <a:avLst/>
+          </a:prstGeom>
+          <a:ln>
+            <a:tailEnd type="triangle"/>
+          </a:ln>
+        </p:spPr>
+        <p:style>
+          <a:lnRef idx="1">
+            <a:schemeClr val="accent1"/>
+          </a:lnRef>
+          <a:fillRef idx="0">
+            <a:schemeClr val="accent1"/>
+          </a:fillRef>
+          <a:effectRef idx="0">
+            <a:schemeClr val="accent1"/>
+          </a:effectRef>
+          <a:fontRef idx="minor">
+            <a:schemeClr val="tx1"/>
+          </a:fontRef>
+        </p:style>
+      </p:cxnSp>
+      <p:cxnSp>
+        <p:nvCxnSpPr>
+          <p:cNvPr id="25" name="Straight Arrow Connector 24">
+            <a:extLst>
+              <a:ext uri="{FF2B5EF4-FFF2-40B4-BE49-F238E27FC236}">
+                <a16:creationId xmlns:a16="http://schemas.microsoft.com/office/drawing/2014/main" id="{B640673D-F015-4251-86BF-16DE366BF0E8}"/>
+              </a:ext>
+            </a:extLst>
+          </p:cNvPr>
+          <p:cNvCxnSpPr>
+            <a:stCxn id="10" idx="2"/>
+            <a:endCxn id="8" idx="0"/>
+          </p:cNvCxnSpPr>
+          <p:nvPr/>
+        </p:nvCxnSpPr>
+        <p:spPr>
+          <a:xfrm flipH="1">
+            <a:off x="6305862" y="2971225"/>
+            <a:ext cx="951090" cy="558800"/>
+          </a:xfrm>
+          <a:prstGeom prst="straightConnector1">
+            <a:avLst/>
+          </a:prstGeom>
+          <a:ln>
+            <a:tailEnd type="triangle"/>
+          </a:ln>
+        </p:spPr>
+        <p:style>
+          <a:lnRef idx="1">
+            <a:schemeClr val="accent1"/>
+          </a:lnRef>
+          <a:fillRef idx="0">
+            <a:schemeClr val="accent1"/>
+          </a:fillRef>
+          <a:effectRef idx="0">
+            <a:schemeClr val="accent1"/>
+          </a:effectRef>
+          <a:fontRef idx="minor">
+            <a:schemeClr val="tx1"/>
+          </a:fontRef>
+        </p:style>
+      </p:cxnSp>
+      <p:cxnSp>
+        <p:nvCxnSpPr>
+          <p:cNvPr id="27" name="Straight Arrow Connector 26">
+            <a:extLst>
+              <a:ext uri="{FF2B5EF4-FFF2-40B4-BE49-F238E27FC236}">
+                <a16:creationId xmlns:a16="http://schemas.microsoft.com/office/drawing/2014/main" id="{A12C0595-D101-43B5-A605-623D00C3A3C9}"/>
+              </a:ext>
+            </a:extLst>
+          </p:cNvPr>
+          <p:cNvCxnSpPr>
+            <a:stCxn id="10" idx="2"/>
+            <a:endCxn id="7" idx="0"/>
+          </p:cNvCxnSpPr>
+          <p:nvPr/>
+        </p:nvCxnSpPr>
+        <p:spPr>
+          <a:xfrm>
+            <a:off x="7256952" y="2971225"/>
+            <a:ext cx="1292579" cy="547511"/>
+          </a:xfrm>
+          <a:prstGeom prst="straightConnector1">
+            <a:avLst/>
+          </a:prstGeom>
+          <a:ln>
+            <a:tailEnd type="triangle"/>
+          </a:ln>
+        </p:spPr>
+        <p:style>
+          <a:lnRef idx="1">
+            <a:schemeClr val="accent1"/>
+          </a:lnRef>
+          <a:fillRef idx="0">
+            <a:schemeClr val="accent1"/>
+          </a:fillRef>
+          <a:effectRef idx="0">
+            <a:schemeClr val="accent1"/>
+          </a:effectRef>
+          <a:fontRef idx="minor">
+            <a:schemeClr val="tx1"/>
+          </a:fontRef>
+        </p:style>
+      </p:cxnSp>
+      <p:cxnSp>
+        <p:nvCxnSpPr>
+          <p:cNvPr id="29" name="Straight Arrow Connector 28">
+            <a:extLst>
+              <a:ext uri="{FF2B5EF4-FFF2-40B4-BE49-F238E27FC236}">
+                <a16:creationId xmlns:a16="http://schemas.microsoft.com/office/drawing/2014/main" id="{7176B41A-6F62-4680-88DA-EF8F82C0503F}"/>
+              </a:ext>
+            </a:extLst>
+          </p:cNvPr>
+          <p:cNvCxnSpPr>
+            <a:stCxn id="10" idx="2"/>
+            <a:endCxn id="6" idx="0"/>
+          </p:cNvCxnSpPr>
+          <p:nvPr/>
+        </p:nvCxnSpPr>
+        <p:spPr>
+          <a:xfrm>
+            <a:off x="7256952" y="2971225"/>
+            <a:ext cx="3042351" cy="547511"/>
+          </a:xfrm>
+          <a:prstGeom prst="straightConnector1">
+            <a:avLst/>
+          </a:prstGeom>
+          <a:ln>
+            <a:tailEnd type="triangle"/>
+          </a:ln>
+        </p:spPr>
+        <p:style>
+          <a:lnRef idx="1">
+            <a:schemeClr val="accent1"/>
+          </a:lnRef>
+          <a:fillRef idx="0">
+            <a:schemeClr val="accent1"/>
+          </a:fillRef>
+          <a:effectRef idx="0">
+            <a:schemeClr val="accent1"/>
+          </a:effectRef>
+          <a:fontRef idx="minor">
+            <a:schemeClr val="tx1"/>
+          </a:fontRef>
+        </p:style>
+      </p:cxnSp>
     </p:spTree>
     <p:extLst>
       <p:ext uri="{BB962C8B-B14F-4D97-AF65-F5344CB8AC3E}">
         <p14:creationId xmlns:p14="http://schemas.microsoft.com/office/powerpoint/2010/main" val="4016628955"/>
+      </p:ext>
+    </p:extLst>
+  </p:cSld>
+  <p:clrMapOvr>
+    <a:masterClrMapping/>
+  </p:clrMapOvr>
+</p:sld>
+</file>
+
+<file path=ppt/slides/slide10.xml><?xml version="1.0" encoding="utf-8"?>
+<p:sld xmlns:a="http://schemas.openxmlformats.org/drawingml/2006/main" xmlns:r="http://schemas.openxmlformats.org/officeDocument/2006/relationships" xmlns:p="http://schemas.openxmlformats.org/presentationml/2006/main">
+  <p:cSld>
+    <p:spTree>
+      <p:nvGrpSpPr>
+        <p:cNvPr id="1" name=""/>
+        <p:cNvGrpSpPr/>
+        <p:nvPr/>
+      </p:nvGrpSpPr>
+      <p:grpSpPr>
+        <a:xfrm>
+          <a:off x="0" y="0"/>
+          <a:ext cx="0" cy="0"/>
+          <a:chOff x="0" y="0"/>
+          <a:chExt cx="0" cy="0"/>
+        </a:xfrm>
+      </p:grpSpPr>
+      <p:sp>
+        <p:nvSpPr>
+          <p:cNvPr id="2" name="Title 1">
+            <a:extLst>
+              <a:ext uri="{FF2B5EF4-FFF2-40B4-BE49-F238E27FC236}">
+                <a16:creationId xmlns:a16="http://schemas.microsoft.com/office/drawing/2014/main" id="{43E8FFE8-261E-46FA-A844-EB7203BDE840}"/>
+              </a:ext>
+            </a:extLst>
+          </p:cNvPr>
+          <p:cNvSpPr>
+            <a:spLocks noGrp="1"/>
+          </p:cNvSpPr>
+          <p:nvPr>
+            <p:ph type="title"/>
+          </p:nvPr>
+        </p:nvSpPr>
+        <p:spPr/>
+        <p:txBody>
+          <a:bodyPr/>
+          <a:lstStyle/>
+          <a:p>
+            <a:r>
+              <a:rPr lang="en-US" dirty="0"/>
+              <a:t>Getting started</a:t>
+            </a:r>
+          </a:p>
+        </p:txBody>
+      </p:sp>
+      <p:sp>
+        <p:nvSpPr>
+          <p:cNvPr id="3" name="Content Placeholder 2">
+            <a:extLst>
+              <a:ext uri="{FF2B5EF4-FFF2-40B4-BE49-F238E27FC236}">
+                <a16:creationId xmlns:a16="http://schemas.microsoft.com/office/drawing/2014/main" id="{2A1D20CA-D564-4DAE-BA26-5297EA2B871F}"/>
+              </a:ext>
+            </a:extLst>
+          </p:cNvPr>
+          <p:cNvSpPr>
+            <a:spLocks noGrp="1"/>
+          </p:cNvSpPr>
+          <p:nvPr>
+            <p:ph idx="1"/>
+          </p:nvPr>
+        </p:nvSpPr>
+        <p:spPr/>
+        <p:txBody>
+          <a:bodyPr/>
+          <a:lstStyle/>
+          <a:p>
+            <a:r>
+              <a:rPr lang="en-US" dirty="0" err="1"/>
+              <a:t>Main_dec.m</a:t>
+            </a:r>
+            <a:endParaRPr lang="en-US" dirty="0"/>
+          </a:p>
+        </p:txBody>
+      </p:sp>
+    </p:spTree>
+    <p:extLst>
+      <p:ext uri="{BB962C8B-B14F-4D97-AF65-F5344CB8AC3E}">
+        <p14:creationId xmlns:p14="http://schemas.microsoft.com/office/powerpoint/2010/main" val="1644539672"/>
+      </p:ext>
+    </p:extLst>
+  </p:cSld>
+  <p:clrMapOvr>
+    <a:masterClrMapping/>
+  </p:clrMapOvr>
+</p:sld>
+</file>
+
+<file path=ppt/slides/slide11.xml><?xml version="1.0" encoding="utf-8"?>
+<p:sld xmlns:a="http://schemas.openxmlformats.org/drawingml/2006/main" xmlns:r="http://schemas.openxmlformats.org/officeDocument/2006/relationships" xmlns:p="http://schemas.openxmlformats.org/presentationml/2006/main">
+  <p:cSld>
+    <p:spTree>
+      <p:nvGrpSpPr>
+        <p:cNvPr id="1" name=""/>
+        <p:cNvGrpSpPr/>
+        <p:nvPr/>
+      </p:nvGrpSpPr>
+      <p:grpSpPr>
+        <a:xfrm>
+          <a:off x="0" y="0"/>
+          <a:ext cx="0" cy="0"/>
+          <a:chOff x="0" y="0"/>
+          <a:chExt cx="0" cy="0"/>
+        </a:xfrm>
+      </p:grpSpPr>
+      <p:sp>
+        <p:nvSpPr>
+          <p:cNvPr id="2" name="Title 1">
+            <a:extLst>
+              <a:ext uri="{FF2B5EF4-FFF2-40B4-BE49-F238E27FC236}">
+                <a16:creationId xmlns:a16="http://schemas.microsoft.com/office/drawing/2014/main" id="{BDE4527E-6A3F-42FC-A69E-AD1407BFB929}"/>
+              </a:ext>
+            </a:extLst>
+          </p:cNvPr>
+          <p:cNvSpPr>
+            <a:spLocks noGrp="1"/>
+          </p:cNvSpPr>
+          <p:nvPr>
+            <p:ph type="title"/>
+          </p:nvPr>
+        </p:nvSpPr>
+        <p:spPr/>
+        <p:txBody>
+          <a:bodyPr/>
+          <a:lstStyle/>
+          <a:p>
+            <a:r>
+              <a:rPr lang="en-US" dirty="0"/>
+              <a:t>Getting started – testing different solvers</a:t>
+            </a:r>
+          </a:p>
+        </p:txBody>
+      </p:sp>
+      <p:sp>
+        <p:nvSpPr>
+          <p:cNvPr id="3" name="Content Placeholder 2">
+            <a:extLst>
+              <a:ext uri="{FF2B5EF4-FFF2-40B4-BE49-F238E27FC236}">
+                <a16:creationId xmlns:a16="http://schemas.microsoft.com/office/drawing/2014/main" id="{B2C5E1BB-A632-42A8-A117-1EDE84452497}"/>
+              </a:ext>
+            </a:extLst>
+          </p:cNvPr>
+          <p:cNvSpPr>
+            <a:spLocks noGrp="1"/>
+          </p:cNvSpPr>
+          <p:nvPr>
+            <p:ph idx="1"/>
+          </p:nvPr>
+        </p:nvSpPr>
+        <p:spPr/>
+        <p:txBody>
+          <a:bodyPr>
+            <a:normAutofit lnSpcReduction="10000"/>
+          </a:bodyPr>
+          <a:lstStyle/>
+          <a:p>
+            <a:r>
+              <a:rPr lang="en-US" dirty="0"/>
+              <a:t>Choose virus type: </a:t>
+            </a:r>
+            <a:r>
+              <a:rPr lang="en-US" dirty="0" err="1"/>
+              <a:t>Params.virusID</a:t>
+            </a:r>
+            <a:r>
+              <a:rPr lang="en-US" dirty="0"/>
+              <a:t> = ‘MHV-1]</a:t>
+            </a:r>
+          </a:p>
+          <a:p>
+            <a:r>
+              <a:rPr lang="en-US" dirty="0"/>
+              <a:t>Choose mixing matrix size: </a:t>
+            </a:r>
+            <a:r>
+              <a:rPr lang="en-US" dirty="0" err="1"/>
+              <a:t>Params.MatSize</a:t>
+            </a:r>
+            <a:r>
+              <a:rPr lang="en-US" dirty="0"/>
+              <a:t> = [3,7]</a:t>
+            </a:r>
+          </a:p>
+          <a:p>
+            <a:r>
+              <a:rPr lang="en-US" dirty="0"/>
+              <a:t>Choose trail experiment index: </a:t>
+            </a:r>
+            <a:r>
+              <a:rPr lang="en-US" dirty="0" err="1"/>
+              <a:t>Params.trialInd</a:t>
+            </a:r>
+            <a:r>
+              <a:rPr lang="en-US" dirty="0"/>
+              <a:t> = 1</a:t>
+            </a:r>
+          </a:p>
+          <a:p>
+            <a:r>
+              <a:rPr lang="en-US" dirty="0"/>
+              <a:t>Choose number of adaptive request: </a:t>
+            </a:r>
+            <a:r>
+              <a:rPr lang="en-US" dirty="0" err="1"/>
+              <a:t>Params.stageNum</a:t>
+            </a:r>
+            <a:r>
+              <a:rPr lang="en-US" dirty="0"/>
+              <a:t>=2</a:t>
+            </a:r>
+          </a:p>
+          <a:p>
+            <a:endParaRPr lang="en-US" dirty="0"/>
+          </a:p>
+          <a:p>
+            <a:pPr marL="0" indent="0">
+              <a:buNone/>
+            </a:pPr>
+            <a:r>
+              <a:rPr lang="en-US" dirty="0"/>
+              <a:t>Adjustable variable</a:t>
+            </a:r>
+          </a:p>
+          <a:p>
+            <a:r>
+              <a:rPr lang="en-US" dirty="0"/>
+              <a:t>Choose optimization solver: </a:t>
+            </a:r>
+            <a:r>
+              <a:rPr lang="en-US" dirty="0" err="1"/>
+              <a:t>Params.solver</a:t>
+            </a:r>
+            <a:r>
+              <a:rPr lang="en-US" dirty="0"/>
+              <a:t> = ‘EXHAUSTIVE’, or ‘OBO_MM’, or ‘MISMATCHRATIO_SUCC’</a:t>
+            </a:r>
+          </a:p>
+          <a:p>
+            <a:r>
+              <a:rPr lang="en-US" dirty="0"/>
+              <a:t>Run the program</a:t>
+            </a:r>
+          </a:p>
+        </p:txBody>
+      </p:sp>
+    </p:spTree>
+    <p:extLst>
+      <p:ext uri="{BB962C8B-B14F-4D97-AF65-F5344CB8AC3E}">
+        <p14:creationId xmlns:p14="http://schemas.microsoft.com/office/powerpoint/2010/main" val="398195165"/>
+      </p:ext>
+    </p:extLst>
+  </p:cSld>
+  <p:clrMapOvr>
+    <a:masterClrMapping/>
+  </p:clrMapOvr>
+</p:sld>
+</file>
+
+<file path=ppt/slides/slide2.xml><?xml version="1.0" encoding="utf-8"?>
+<p:sld xmlns:a="http://schemas.openxmlformats.org/drawingml/2006/main" xmlns:r="http://schemas.openxmlformats.org/officeDocument/2006/relationships" xmlns:p="http://schemas.openxmlformats.org/presentationml/2006/main">
+  <p:cSld>
+    <p:spTree>
+      <p:nvGrpSpPr>
+        <p:cNvPr id="1" name=""/>
+        <p:cNvGrpSpPr/>
+        <p:nvPr/>
+      </p:nvGrpSpPr>
+      <p:grpSpPr>
+        <a:xfrm>
+          <a:off x="0" y="0"/>
+          <a:ext cx="0" cy="0"/>
+          <a:chOff x="0" y="0"/>
+          <a:chExt cx="0" cy="0"/>
+        </a:xfrm>
+      </p:grpSpPr>
+      <p:sp>
+        <p:nvSpPr>
+          <p:cNvPr id="2" name="Title 1">
+            <a:extLst>
+              <a:ext uri="{FF2B5EF4-FFF2-40B4-BE49-F238E27FC236}">
+                <a16:creationId xmlns:a16="http://schemas.microsoft.com/office/drawing/2014/main" id="{7AB7EF42-8149-4455-9F79-5BB417095738}"/>
+              </a:ext>
+            </a:extLst>
+          </p:cNvPr>
+          <p:cNvSpPr>
+            <a:spLocks noGrp="1"/>
+          </p:cNvSpPr>
+          <p:nvPr>
+            <p:ph type="title"/>
+          </p:nvPr>
+        </p:nvSpPr>
+        <p:spPr/>
+        <p:txBody>
+          <a:bodyPr/>
+          <a:lstStyle/>
+          <a:p>
+            <a:r>
+              <a:rPr lang="en-US" dirty="0"/>
+              <a:t>System parameters</a:t>
+            </a:r>
+          </a:p>
+        </p:txBody>
+      </p:sp>
+      <p:sp>
+        <p:nvSpPr>
+          <p:cNvPr id="3" name="Content Placeholder 2">
+            <a:extLst>
+              <a:ext uri="{FF2B5EF4-FFF2-40B4-BE49-F238E27FC236}">
+                <a16:creationId xmlns:a16="http://schemas.microsoft.com/office/drawing/2014/main" id="{1C6EDABE-6D47-4807-AC40-990DAB9AA321}"/>
+              </a:ext>
+            </a:extLst>
+          </p:cNvPr>
+          <p:cNvSpPr>
+            <a:spLocks noGrp="1"/>
+          </p:cNvSpPr>
+          <p:nvPr>
+            <p:ph idx="1"/>
+          </p:nvPr>
+        </p:nvSpPr>
+        <p:spPr/>
+        <p:txBody>
+          <a:bodyPr/>
+          <a:lstStyle/>
+          <a:p>
+            <a:endParaRPr lang="en-US"/>
+          </a:p>
+        </p:txBody>
+      </p:sp>
+    </p:spTree>
+    <p:extLst>
+      <p:ext uri="{BB962C8B-B14F-4D97-AF65-F5344CB8AC3E}">
+        <p14:creationId xmlns:p14="http://schemas.microsoft.com/office/powerpoint/2010/main" val="2456976685"/>
+      </p:ext>
+    </p:extLst>
+  </p:cSld>
+  <p:clrMapOvr>
+    <a:masterClrMapping/>
+  </p:clrMapOvr>
+</p:sld>
+</file>
+
+<file path=ppt/slides/slide3.xml><?xml version="1.0" encoding="utf-8"?>
+<p:sld xmlns:a="http://schemas.openxmlformats.org/drawingml/2006/main" xmlns:r="http://schemas.openxmlformats.org/officeDocument/2006/relationships" xmlns:p="http://schemas.openxmlformats.org/presentationml/2006/main">
+  <p:cSld>
+    <p:spTree>
+      <p:nvGrpSpPr>
+        <p:cNvPr id="1" name=""/>
+        <p:cNvGrpSpPr/>
+        <p:nvPr/>
+      </p:nvGrpSpPr>
+      <p:grpSpPr>
+        <a:xfrm>
+          <a:off x="0" y="0"/>
+          <a:ext cx="0" cy="0"/>
+          <a:chOff x="0" y="0"/>
+          <a:chExt cx="0" cy="0"/>
+        </a:xfrm>
+      </p:grpSpPr>
+      <p:sp>
+        <p:nvSpPr>
+          <p:cNvPr id="2" name="Title 1">
+            <a:extLst>
+              <a:ext uri="{FF2B5EF4-FFF2-40B4-BE49-F238E27FC236}">
+                <a16:creationId xmlns:a16="http://schemas.microsoft.com/office/drawing/2014/main" id="{EB75A05C-2D5F-4C09-BF51-08683BC939E4}"/>
+              </a:ext>
+            </a:extLst>
+          </p:cNvPr>
+          <p:cNvSpPr>
+            <a:spLocks noGrp="1"/>
+          </p:cNvSpPr>
+          <p:nvPr>
+            <p:ph type="title"/>
+          </p:nvPr>
+        </p:nvSpPr>
+        <p:spPr/>
+        <p:txBody>
+          <a:bodyPr/>
+          <a:lstStyle/>
+          <a:p>
+            <a:r>
+              <a:rPr lang="en-US" dirty="0"/>
+              <a:t>Algorithmic parameters</a:t>
+            </a:r>
+          </a:p>
+        </p:txBody>
+      </p:sp>
+      <p:sp>
+        <p:nvSpPr>
+          <p:cNvPr id="3" name="Content Placeholder 2">
+            <a:extLst>
+              <a:ext uri="{FF2B5EF4-FFF2-40B4-BE49-F238E27FC236}">
+                <a16:creationId xmlns:a16="http://schemas.microsoft.com/office/drawing/2014/main" id="{4743B598-B8FF-4534-BDFD-9A5F47447788}"/>
+              </a:ext>
+            </a:extLst>
+          </p:cNvPr>
+          <p:cNvSpPr>
+            <a:spLocks noGrp="1"/>
+          </p:cNvSpPr>
+          <p:nvPr>
+            <p:ph idx="1"/>
+          </p:nvPr>
+        </p:nvSpPr>
+        <p:spPr/>
+        <p:txBody>
+          <a:bodyPr/>
+          <a:lstStyle/>
+          <a:p>
+            <a:endParaRPr lang="en-US"/>
+          </a:p>
+        </p:txBody>
+      </p:sp>
+    </p:spTree>
+    <p:extLst>
+      <p:ext uri="{BB962C8B-B14F-4D97-AF65-F5344CB8AC3E}">
+        <p14:creationId xmlns:p14="http://schemas.microsoft.com/office/powerpoint/2010/main" val="2612211029"/>
+      </p:ext>
+    </p:extLst>
+  </p:cSld>
+  <p:clrMapOvr>
+    <a:masterClrMapping/>
+  </p:clrMapOvr>
+</p:sld>
+</file>
+
+<file path=ppt/slides/slide4.xml><?xml version="1.0" encoding="utf-8"?>
+<p:sld xmlns:a="http://schemas.openxmlformats.org/drawingml/2006/main" xmlns:r="http://schemas.openxmlformats.org/officeDocument/2006/relationships" xmlns:p="http://schemas.openxmlformats.org/presentationml/2006/main">
+  <p:cSld>
+    <p:spTree>
+      <p:nvGrpSpPr>
+        <p:cNvPr id="1" name=""/>
+        <p:cNvGrpSpPr/>
+        <p:nvPr/>
+      </p:nvGrpSpPr>
+      <p:grpSpPr>
+        <a:xfrm>
+          <a:off x="0" y="0"/>
+          <a:ext cx="0" cy="0"/>
+          <a:chOff x="0" y="0"/>
+          <a:chExt cx="0" cy="0"/>
+        </a:xfrm>
+      </p:grpSpPr>
+      <p:sp>
+        <p:nvSpPr>
+          <p:cNvPr id="14" name="Rectangle 13">
+            <a:extLst>
+              <a:ext uri="{FF2B5EF4-FFF2-40B4-BE49-F238E27FC236}">
+                <a16:creationId xmlns:a16="http://schemas.microsoft.com/office/drawing/2014/main" id="{2E21845F-7C18-4B15-A96A-3C09195E5521}"/>
+              </a:ext>
+            </a:extLst>
+          </p:cNvPr>
+          <p:cNvSpPr/>
+          <p:nvPr/>
+        </p:nvSpPr>
+        <p:spPr>
+          <a:xfrm>
+            <a:off x="4304551" y="2405849"/>
+            <a:ext cx="5842626" cy="3000652"/>
+          </a:xfrm>
+          <a:prstGeom prst="rect">
+            <a:avLst/>
+          </a:prstGeom>
+          <a:solidFill>
+            <a:schemeClr val="bg1"/>
+          </a:solidFill>
+          <a:ln w="25400">
+            <a:solidFill>
+              <a:schemeClr val="accent4">
+                <a:shade val="50000"/>
+              </a:schemeClr>
+            </a:solidFill>
+            <a:prstDash val="sysDash"/>
+            <a:miter lim="800000"/>
+          </a:ln>
+        </p:spPr>
+        <p:style>
+          <a:lnRef idx="2">
+            <a:schemeClr val="accent4">
+              <a:shade val="50000"/>
+            </a:schemeClr>
+          </a:lnRef>
+          <a:fillRef idx="1">
+            <a:schemeClr val="accent4"/>
+          </a:fillRef>
+          <a:effectRef idx="0">
+            <a:schemeClr val="accent4"/>
+          </a:effectRef>
+          <a:fontRef idx="minor">
+            <a:schemeClr val="lt1"/>
+          </a:fontRef>
+        </p:style>
+        <p:txBody>
+          <a:bodyPr rtlCol="0" anchor="ctr"/>
+          <a:lstStyle/>
+          <a:p>
+            <a:pPr algn="ctr"/>
+            <a:endParaRPr lang="en-US"/>
+          </a:p>
+        </p:txBody>
+      </p:sp>
+      <p:sp>
+        <p:nvSpPr>
+          <p:cNvPr id="2" name="Title 1">
+            <a:extLst>
+              <a:ext uri="{FF2B5EF4-FFF2-40B4-BE49-F238E27FC236}">
+                <a16:creationId xmlns:a16="http://schemas.microsoft.com/office/drawing/2014/main" id="{A79847BC-DD80-4D08-BF1C-1732E3BA53F8}"/>
+              </a:ext>
+            </a:extLst>
+          </p:cNvPr>
+          <p:cNvSpPr>
+            <a:spLocks noGrp="1"/>
+          </p:cNvSpPr>
+          <p:nvPr>
+            <p:ph type="title"/>
+          </p:nvPr>
+        </p:nvSpPr>
+        <p:spPr/>
+        <p:txBody>
+          <a:bodyPr/>
+          <a:lstStyle/>
+          <a:p>
+            <a:r>
+              <a:rPr lang="en-US" dirty="0"/>
+              <a:t>Data import module</a:t>
+            </a:r>
+          </a:p>
+        </p:txBody>
+      </p:sp>
+      <p:sp>
+        <p:nvSpPr>
+          <p:cNvPr id="5" name="Rectangle 4">
+            <a:extLst>
+              <a:ext uri="{FF2B5EF4-FFF2-40B4-BE49-F238E27FC236}">
+                <a16:creationId xmlns:a16="http://schemas.microsoft.com/office/drawing/2014/main" id="{72888F74-F321-44E8-826A-9187B5C20428}"/>
+              </a:ext>
+            </a:extLst>
+          </p:cNvPr>
+          <p:cNvSpPr/>
+          <p:nvPr/>
+        </p:nvSpPr>
+        <p:spPr>
+          <a:xfrm>
+            <a:off x="2592033" y="3530025"/>
+            <a:ext cx="1608667" cy="914400"/>
+          </a:xfrm>
+          <a:prstGeom prst="rect">
+            <a:avLst/>
+          </a:prstGeom>
+        </p:spPr>
+        <p:style>
+          <a:lnRef idx="2">
+            <a:schemeClr val="accent1">
+              <a:shade val="50000"/>
+            </a:schemeClr>
+          </a:lnRef>
+          <a:fillRef idx="1">
+            <a:schemeClr val="accent1"/>
+          </a:fillRef>
+          <a:effectRef idx="0">
+            <a:schemeClr val="accent1"/>
+          </a:effectRef>
+          <a:fontRef idx="minor">
+            <a:schemeClr val="lt1"/>
+          </a:fontRef>
+        </p:style>
+        <p:txBody>
+          <a:bodyPr rtlCol="0" anchor="ctr"/>
+          <a:lstStyle/>
+          <a:p>
+            <a:pPr algn="ctr"/>
+            <a:r>
+              <a:rPr lang="en-US" dirty="0"/>
+              <a:t>1</a:t>
+            </a:r>
+            <a:r>
+              <a:rPr lang="en-US" baseline="30000" dirty="0"/>
+              <a:t>st</a:t>
+            </a:r>
+            <a:r>
+              <a:rPr lang="en-US" dirty="0"/>
+              <a:t> stage data import</a:t>
+            </a:r>
+          </a:p>
+        </p:txBody>
+      </p:sp>
+      <p:sp>
+        <p:nvSpPr>
+          <p:cNvPr id="6" name="Rectangle 5">
+            <a:extLst>
+              <a:ext uri="{FF2B5EF4-FFF2-40B4-BE49-F238E27FC236}">
+                <a16:creationId xmlns:a16="http://schemas.microsoft.com/office/drawing/2014/main" id="{8BC452FA-D8B8-4DE8-BDBC-489449C41413}"/>
+              </a:ext>
+            </a:extLst>
+          </p:cNvPr>
+          <p:cNvSpPr/>
+          <p:nvPr/>
+        </p:nvSpPr>
+        <p:spPr>
+          <a:xfrm>
+            <a:off x="4670889" y="3530025"/>
+            <a:ext cx="1608667" cy="914400"/>
+          </a:xfrm>
+          <a:prstGeom prst="rect">
+            <a:avLst/>
+          </a:prstGeom>
+        </p:spPr>
+        <p:style>
+          <a:lnRef idx="2">
+            <a:schemeClr val="accent1">
+              <a:shade val="50000"/>
+            </a:schemeClr>
+          </a:lnRef>
+          <a:fillRef idx="1">
+            <a:schemeClr val="accent1"/>
+          </a:fillRef>
+          <a:effectRef idx="0">
+            <a:schemeClr val="accent1"/>
+          </a:effectRef>
+          <a:fontRef idx="minor">
+            <a:schemeClr val="lt1"/>
+          </a:fontRef>
+        </p:style>
+        <p:txBody>
+          <a:bodyPr rtlCol="0" anchor="ctr"/>
+          <a:lstStyle/>
+          <a:p>
+            <a:pPr algn="ctr"/>
+            <a:r>
+              <a:rPr lang="en-US" dirty="0"/>
+              <a:t>2</a:t>
+            </a:r>
+            <a:r>
+              <a:rPr lang="en-US" baseline="30000" dirty="0"/>
+              <a:t>nd</a:t>
+            </a:r>
+            <a:r>
+              <a:rPr lang="en-US" dirty="0"/>
+              <a:t> stage data import</a:t>
+            </a:r>
+          </a:p>
+        </p:txBody>
+      </p:sp>
+      <p:sp>
+        <p:nvSpPr>
+          <p:cNvPr id="7" name="Rectangle 6">
+            <a:extLst>
+              <a:ext uri="{FF2B5EF4-FFF2-40B4-BE49-F238E27FC236}">
+                <a16:creationId xmlns:a16="http://schemas.microsoft.com/office/drawing/2014/main" id="{CDFCE978-55B4-4B0E-9CD0-D6DC5F9F05B8}"/>
+              </a:ext>
+            </a:extLst>
+          </p:cNvPr>
+          <p:cNvSpPr/>
+          <p:nvPr/>
+        </p:nvSpPr>
+        <p:spPr>
+          <a:xfrm>
+            <a:off x="8186358" y="3530025"/>
+            <a:ext cx="1608667" cy="914400"/>
+          </a:xfrm>
+          <a:prstGeom prst="rect">
+            <a:avLst/>
+          </a:prstGeom>
+        </p:spPr>
+        <p:style>
+          <a:lnRef idx="2">
+            <a:schemeClr val="accent1">
+              <a:shade val="50000"/>
+            </a:schemeClr>
+          </a:lnRef>
+          <a:fillRef idx="1">
+            <a:schemeClr val="accent1"/>
+          </a:fillRef>
+          <a:effectRef idx="0">
+            <a:schemeClr val="accent1"/>
+          </a:effectRef>
+          <a:fontRef idx="minor">
+            <a:schemeClr val="lt1"/>
+          </a:fontRef>
+        </p:style>
+        <p:txBody>
+          <a:bodyPr rtlCol="0" anchor="ctr"/>
+          <a:lstStyle/>
+          <a:p>
+            <a:pPr algn="ctr"/>
+            <a:r>
+              <a:rPr lang="en-US" dirty="0"/>
+              <a:t>n</a:t>
+            </a:r>
+            <a:r>
+              <a:rPr lang="en-US" baseline="30000" dirty="0"/>
+              <a:t>th</a:t>
+            </a:r>
+            <a:r>
+              <a:rPr lang="en-US" dirty="0"/>
+              <a:t> stage data import</a:t>
+            </a:r>
+          </a:p>
+        </p:txBody>
+      </p:sp>
+      <p:sp>
+        <p:nvSpPr>
+          <p:cNvPr id="9" name="TextBox 8">
+            <a:extLst>
+              <a:ext uri="{FF2B5EF4-FFF2-40B4-BE49-F238E27FC236}">
+                <a16:creationId xmlns:a16="http://schemas.microsoft.com/office/drawing/2014/main" id="{78783070-9685-41C5-941B-13E022F1F268}"/>
+              </a:ext>
+            </a:extLst>
+          </p:cNvPr>
+          <p:cNvSpPr txBox="1"/>
+          <p:nvPr/>
+        </p:nvSpPr>
+        <p:spPr>
+          <a:xfrm>
+            <a:off x="7074305" y="3802559"/>
+            <a:ext cx="343364" cy="369332"/>
+          </a:xfrm>
+          <a:prstGeom prst="rect">
+            <a:avLst/>
+          </a:prstGeom>
+          <a:noFill/>
+        </p:spPr>
+        <p:txBody>
+          <a:bodyPr wrap="none" rtlCol="0">
+            <a:spAutoFit/>
+          </a:bodyPr>
+          <a:lstStyle/>
+          <a:p>
+            <a:r>
+              <a:rPr lang="en-US" dirty="0"/>
+              <a:t>…</a:t>
+            </a:r>
+          </a:p>
+        </p:txBody>
+      </p:sp>
+      <p:sp>
+        <p:nvSpPr>
+          <p:cNvPr id="11" name="TextBox 10">
+            <a:extLst>
+              <a:ext uri="{FF2B5EF4-FFF2-40B4-BE49-F238E27FC236}">
+                <a16:creationId xmlns:a16="http://schemas.microsoft.com/office/drawing/2014/main" id="{99E2858E-11F5-49DE-AAAB-0C9F34EB8501}"/>
+              </a:ext>
+            </a:extLst>
+          </p:cNvPr>
+          <p:cNvSpPr txBox="1"/>
+          <p:nvPr/>
+        </p:nvSpPr>
+        <p:spPr>
+          <a:xfrm>
+            <a:off x="7579179" y="3838607"/>
+            <a:ext cx="300082" cy="369332"/>
+          </a:xfrm>
+          <a:prstGeom prst="rect">
+            <a:avLst/>
+          </a:prstGeom>
+          <a:noFill/>
+        </p:spPr>
+        <p:txBody>
+          <a:bodyPr wrap="none" rtlCol="0">
+            <a:spAutoFit/>
+          </a:bodyPr>
+          <a:lstStyle/>
+          <a:p>
+            <a:r>
+              <a:rPr lang="en-US" dirty="0"/>
+              <a:t>+</a:t>
+            </a:r>
+          </a:p>
+        </p:txBody>
+      </p:sp>
+      <p:sp>
+        <p:nvSpPr>
+          <p:cNvPr id="12" name="TextBox 11">
+            <a:extLst>
+              <a:ext uri="{FF2B5EF4-FFF2-40B4-BE49-F238E27FC236}">
+                <a16:creationId xmlns:a16="http://schemas.microsoft.com/office/drawing/2014/main" id="{260D447F-5B90-4D04-AB62-090698E93480}"/>
+              </a:ext>
+            </a:extLst>
+          </p:cNvPr>
+          <p:cNvSpPr txBox="1"/>
+          <p:nvPr/>
+        </p:nvSpPr>
+        <p:spPr>
+          <a:xfrm>
+            <a:off x="6612713" y="3846334"/>
+            <a:ext cx="300082" cy="369332"/>
+          </a:xfrm>
+          <a:prstGeom prst="rect">
+            <a:avLst/>
+          </a:prstGeom>
+          <a:noFill/>
+        </p:spPr>
+        <p:txBody>
+          <a:bodyPr wrap="none" rtlCol="0">
+            <a:spAutoFit/>
+          </a:bodyPr>
+          <a:lstStyle/>
+          <a:p>
+            <a:r>
+              <a:rPr lang="en-US" dirty="0"/>
+              <a:t>+</a:t>
+            </a:r>
+          </a:p>
+        </p:txBody>
+      </p:sp>
+      <p:sp>
+        <p:nvSpPr>
+          <p:cNvPr id="13" name="TextBox 12">
+            <a:extLst>
+              <a:ext uri="{FF2B5EF4-FFF2-40B4-BE49-F238E27FC236}">
+                <a16:creationId xmlns:a16="http://schemas.microsoft.com/office/drawing/2014/main" id="{945D3566-7CDE-4D84-B681-3805783B6E7D}"/>
+              </a:ext>
+            </a:extLst>
+          </p:cNvPr>
+          <p:cNvSpPr txBox="1"/>
+          <p:nvPr/>
+        </p:nvSpPr>
+        <p:spPr>
+          <a:xfrm>
+            <a:off x="4304551" y="3838607"/>
+            <a:ext cx="300082" cy="369332"/>
+          </a:xfrm>
+          <a:prstGeom prst="rect">
+            <a:avLst/>
+          </a:prstGeom>
+          <a:noFill/>
+        </p:spPr>
+        <p:txBody>
+          <a:bodyPr wrap="none" rtlCol="0">
+            <a:spAutoFit/>
+          </a:bodyPr>
+          <a:lstStyle/>
+          <a:p>
+            <a:r>
+              <a:rPr lang="en-US" dirty="0"/>
+              <a:t>+</a:t>
+            </a:r>
+          </a:p>
+        </p:txBody>
+      </p:sp>
+    </p:spTree>
+    <p:extLst>
+      <p:ext uri="{BB962C8B-B14F-4D97-AF65-F5344CB8AC3E}">
+        <p14:creationId xmlns:p14="http://schemas.microsoft.com/office/powerpoint/2010/main" val="3155476456"/>
+      </p:ext>
+    </p:extLst>
+  </p:cSld>
+  <p:clrMapOvr>
+    <a:masterClrMapping/>
+  </p:clrMapOvr>
+</p:sld>
+</file>
+
+<file path=ppt/slides/slide5.xml><?xml version="1.0" encoding="utf-8"?>
+<p:sld xmlns:a="http://schemas.openxmlformats.org/drawingml/2006/main" xmlns:r="http://schemas.openxmlformats.org/officeDocument/2006/relationships" xmlns:p="http://schemas.openxmlformats.org/presentationml/2006/main">
+  <p:cSld>
+    <p:spTree>
+      <p:nvGrpSpPr>
+        <p:cNvPr id="1" name=""/>
+        <p:cNvGrpSpPr/>
+        <p:nvPr/>
+      </p:nvGrpSpPr>
+      <p:grpSpPr>
+        <a:xfrm>
+          <a:off x="0" y="0"/>
+          <a:ext cx="0" cy="0"/>
+          <a:chOff x="0" y="0"/>
+          <a:chExt cx="0" cy="0"/>
+        </a:xfrm>
+      </p:grpSpPr>
+      <p:sp>
+        <p:nvSpPr>
+          <p:cNvPr id="2" name="Title 1">
+            <a:extLst>
+              <a:ext uri="{FF2B5EF4-FFF2-40B4-BE49-F238E27FC236}">
+                <a16:creationId xmlns:a16="http://schemas.microsoft.com/office/drawing/2014/main" id="{6220B603-D171-4E7A-88CA-3BBF79360ADA}"/>
+              </a:ext>
+            </a:extLst>
+          </p:cNvPr>
+          <p:cNvSpPr>
+            <a:spLocks noGrp="1"/>
+          </p:cNvSpPr>
+          <p:nvPr>
+            <p:ph type="title"/>
+          </p:nvPr>
+        </p:nvSpPr>
+        <p:spPr/>
+        <p:txBody>
+          <a:bodyPr/>
+          <a:lstStyle/>
+          <a:p>
+            <a:r>
+              <a:rPr lang="en-US" dirty="0"/>
+              <a:t>Data components for importing</a:t>
+            </a:r>
+          </a:p>
+        </p:txBody>
+      </p:sp>
+      <p:sp>
+        <p:nvSpPr>
+          <p:cNvPr id="3" name="Content Placeholder 2">
+            <a:extLst>
+              <a:ext uri="{FF2B5EF4-FFF2-40B4-BE49-F238E27FC236}">
+                <a16:creationId xmlns:a16="http://schemas.microsoft.com/office/drawing/2014/main" id="{31ED9DDA-C51C-480B-8AC0-6E0AA7A37E8E}"/>
+              </a:ext>
+            </a:extLst>
+          </p:cNvPr>
+          <p:cNvSpPr>
+            <a:spLocks noGrp="1"/>
+          </p:cNvSpPr>
+          <p:nvPr>
+            <p:ph idx="1"/>
+          </p:nvPr>
+        </p:nvSpPr>
+        <p:spPr/>
+        <p:txBody>
+          <a:bodyPr/>
+          <a:lstStyle/>
+          <a:p>
+            <a:r>
+              <a:rPr lang="en-US" dirty="0"/>
+              <a:t>Pooling test data</a:t>
+            </a:r>
+          </a:p>
+          <a:p>
+            <a:endParaRPr lang="en-US" dirty="0"/>
+          </a:p>
+          <a:p>
+            <a:r>
+              <a:rPr lang="en-US" dirty="0"/>
+              <a:t>Standard curve data</a:t>
+            </a:r>
+          </a:p>
+        </p:txBody>
+      </p:sp>
+    </p:spTree>
+    <p:extLst>
+      <p:ext uri="{BB962C8B-B14F-4D97-AF65-F5344CB8AC3E}">
+        <p14:creationId xmlns:p14="http://schemas.microsoft.com/office/powerpoint/2010/main" val="3714965446"/>
+      </p:ext>
+    </p:extLst>
+  </p:cSld>
+  <p:clrMapOvr>
+    <a:masterClrMapping/>
+  </p:clrMapOvr>
+</p:sld>
+</file>
+
+<file path=ppt/slides/slide6.xml><?xml version="1.0" encoding="utf-8"?>
+<p:sld xmlns:a="http://schemas.openxmlformats.org/drawingml/2006/main" xmlns:r="http://schemas.openxmlformats.org/officeDocument/2006/relationships" xmlns:p="http://schemas.openxmlformats.org/presentationml/2006/main">
+  <p:cSld>
+    <p:spTree>
+      <p:nvGrpSpPr>
+        <p:cNvPr id="1" name=""/>
+        <p:cNvGrpSpPr/>
+        <p:nvPr/>
+      </p:nvGrpSpPr>
+      <p:grpSpPr>
+        <a:xfrm>
+          <a:off x="0" y="0"/>
+          <a:ext cx="0" cy="0"/>
+          <a:chOff x="0" y="0"/>
+          <a:chExt cx="0" cy="0"/>
+        </a:xfrm>
+      </p:grpSpPr>
+      <p:sp>
+        <p:nvSpPr>
+          <p:cNvPr id="2" name="Title 1">
+            <a:extLst>
+              <a:ext uri="{FF2B5EF4-FFF2-40B4-BE49-F238E27FC236}">
+                <a16:creationId xmlns:a16="http://schemas.microsoft.com/office/drawing/2014/main" id="{35177D0C-A25B-4ED6-AB20-FB5396564F5F}"/>
+              </a:ext>
+            </a:extLst>
+          </p:cNvPr>
+          <p:cNvSpPr>
+            <a:spLocks noGrp="1"/>
+          </p:cNvSpPr>
+          <p:nvPr>
+            <p:ph type="title"/>
+          </p:nvPr>
+        </p:nvSpPr>
+        <p:spPr/>
+        <p:txBody>
+          <a:bodyPr/>
+          <a:lstStyle/>
+          <a:p>
+            <a:r>
+              <a:rPr lang="en-US" dirty="0"/>
+              <a:t>Data components for importing</a:t>
+            </a:r>
+          </a:p>
+        </p:txBody>
+      </p:sp>
+      <p:sp>
+        <p:nvSpPr>
+          <p:cNvPr id="3" name="Content Placeholder 2">
+            <a:extLst>
+              <a:ext uri="{FF2B5EF4-FFF2-40B4-BE49-F238E27FC236}">
+                <a16:creationId xmlns:a16="http://schemas.microsoft.com/office/drawing/2014/main" id="{C4622965-9A3D-4D37-AB4E-941FCDC66BF0}"/>
+              </a:ext>
+            </a:extLst>
+          </p:cNvPr>
+          <p:cNvSpPr>
+            <a:spLocks noGrp="1"/>
+          </p:cNvSpPr>
+          <p:nvPr>
+            <p:ph idx="1"/>
+          </p:nvPr>
+        </p:nvSpPr>
+        <p:spPr/>
+        <p:txBody>
+          <a:bodyPr>
+            <a:normAutofit fontScale="85000" lnSpcReduction="20000"/>
+          </a:bodyPr>
+          <a:lstStyle/>
+          <a:p>
+            <a:r>
+              <a:rPr lang="en-US" dirty="0"/>
+              <a:t>Pooling test data</a:t>
+            </a:r>
+          </a:p>
+          <a:p>
+            <a:pPr>
+              <a:buFontTx/>
+              <a:buChar char="-"/>
+            </a:pPr>
+            <a:r>
+              <a:rPr lang="en-US" dirty="0"/>
+              <a:t>Naming: virusID_Trial-trialIndex_Stage-stageIndex_Encoded_KWALDSTEIN_TimeStamp.xlsx</a:t>
+            </a:r>
+          </a:p>
+          <a:p>
+            <a:pPr>
+              <a:buFontTx/>
+              <a:buChar char="-"/>
+            </a:pPr>
+            <a:r>
+              <a:rPr lang="en-US" dirty="0"/>
+              <a:t>Each trial corresponds to an experiment</a:t>
+            </a:r>
+          </a:p>
+          <a:p>
+            <a:pPr>
+              <a:buFontTx/>
+              <a:buChar char="-"/>
+            </a:pPr>
+            <a:r>
+              <a:rPr lang="en-US" dirty="0"/>
+              <a:t>Each stage corresponds to a request</a:t>
+            </a:r>
+          </a:p>
+          <a:p>
+            <a:pPr>
+              <a:buFontTx/>
+              <a:buChar char="-"/>
+            </a:pPr>
+            <a:r>
+              <a:rPr lang="en-US" dirty="0"/>
+              <a:t>For requests made in the same trial (or experiment), the time stamps are the same</a:t>
+            </a:r>
+          </a:p>
+          <a:p>
+            <a:pPr marL="0" indent="0">
+              <a:buNone/>
+            </a:pPr>
+            <a:r>
+              <a:rPr lang="en-US" dirty="0"/>
+              <a:t>Ex: MHV-1_Trial-1_Stage-1_Encoded_KWALDSTEIN_202010042110.xlsx</a:t>
+            </a:r>
+          </a:p>
+          <a:p>
+            <a:pPr marL="0" indent="0">
+              <a:buNone/>
+            </a:pPr>
+            <a:r>
+              <a:rPr lang="en-US" dirty="0"/>
+              <a:t>Ex: MHV-1_Trial-1_Stage-2_Encoded_KWALDSTEIN_202010042110.xlsx</a:t>
+            </a:r>
+          </a:p>
+          <a:p>
+            <a:pPr marL="0" indent="0">
+              <a:buNone/>
+            </a:pPr>
+            <a:r>
+              <a:rPr lang="en-US" dirty="0"/>
+              <a:t>Ex: MHV-1_Trial-1_Stage-3_Encoded_KWALDSTEIN_202010042110.xlsx</a:t>
+            </a:r>
+          </a:p>
+          <a:p>
+            <a:pPr marL="0" indent="0">
+              <a:buNone/>
+            </a:pPr>
+            <a:r>
+              <a:rPr lang="en-US" dirty="0"/>
+              <a:t>Ex: COVID-19_Trial-1_Stage-1_Encoded_KWALDSTEIN_202010281100.xlsx</a:t>
+            </a:r>
+          </a:p>
+          <a:p>
+            <a:pPr marL="0" indent="0">
+              <a:buNone/>
+            </a:pPr>
+            <a:r>
+              <a:rPr lang="en-US" dirty="0"/>
+              <a:t>Ex: COVID-19_Trial-1_Stage-2_Encoded_KWALDSTEIN_202010281100.xlsx</a:t>
+            </a:r>
+          </a:p>
+          <a:p>
+            <a:endParaRPr lang="en-US" dirty="0"/>
+          </a:p>
+        </p:txBody>
+      </p:sp>
+    </p:spTree>
+    <p:extLst>
+      <p:ext uri="{BB962C8B-B14F-4D97-AF65-F5344CB8AC3E}">
+        <p14:creationId xmlns:p14="http://schemas.microsoft.com/office/powerpoint/2010/main" val="3193818353"/>
+      </p:ext>
+    </p:extLst>
+  </p:cSld>
+  <p:clrMapOvr>
+    <a:masterClrMapping/>
+  </p:clrMapOvr>
+</p:sld>
+</file>
+
+<file path=ppt/slides/slide7.xml><?xml version="1.0" encoding="utf-8"?>
+<p:sld xmlns:a="http://schemas.openxmlformats.org/drawingml/2006/main" xmlns:r="http://schemas.openxmlformats.org/officeDocument/2006/relationships" xmlns:p="http://schemas.openxmlformats.org/presentationml/2006/main">
+  <p:cSld>
+    <p:spTree>
+      <p:nvGrpSpPr>
+        <p:cNvPr id="1" name=""/>
+        <p:cNvGrpSpPr/>
+        <p:nvPr/>
+      </p:nvGrpSpPr>
+      <p:grpSpPr>
+        <a:xfrm>
+          <a:off x="0" y="0"/>
+          <a:ext cx="0" cy="0"/>
+          <a:chOff x="0" y="0"/>
+          <a:chExt cx="0" cy="0"/>
+        </a:xfrm>
+      </p:grpSpPr>
+      <p:sp>
+        <p:nvSpPr>
+          <p:cNvPr id="2" name="Title 1">
+            <a:extLst>
+              <a:ext uri="{FF2B5EF4-FFF2-40B4-BE49-F238E27FC236}">
+                <a16:creationId xmlns:a16="http://schemas.microsoft.com/office/drawing/2014/main" id="{D904A5BA-DEA9-4823-9E3E-52BBD9524B22}"/>
+              </a:ext>
+            </a:extLst>
+          </p:cNvPr>
+          <p:cNvSpPr>
+            <a:spLocks noGrp="1"/>
+          </p:cNvSpPr>
+          <p:nvPr>
+            <p:ph type="title"/>
+          </p:nvPr>
+        </p:nvSpPr>
+        <p:spPr/>
+        <p:txBody>
+          <a:bodyPr/>
+          <a:lstStyle/>
+          <a:p>
+            <a:r>
+              <a:rPr lang="en-US" dirty="0"/>
+              <a:t>Data components for importing</a:t>
+            </a:r>
+          </a:p>
+        </p:txBody>
+      </p:sp>
+      <p:sp>
+        <p:nvSpPr>
+          <p:cNvPr id="3" name="Content Placeholder 2">
+            <a:extLst>
+              <a:ext uri="{FF2B5EF4-FFF2-40B4-BE49-F238E27FC236}">
+                <a16:creationId xmlns:a16="http://schemas.microsoft.com/office/drawing/2014/main" id="{2BD91B59-007F-4715-B52B-C3BC332EAD66}"/>
+              </a:ext>
+            </a:extLst>
+          </p:cNvPr>
+          <p:cNvSpPr>
+            <a:spLocks noGrp="1"/>
+          </p:cNvSpPr>
+          <p:nvPr>
+            <p:ph idx="1"/>
+          </p:nvPr>
+        </p:nvSpPr>
+        <p:spPr/>
+        <p:txBody>
+          <a:bodyPr>
+            <a:normAutofit fontScale="85000" lnSpcReduction="20000"/>
+          </a:bodyPr>
+          <a:lstStyle/>
+          <a:p>
+            <a:r>
+              <a:rPr lang="en-US" dirty="0"/>
+              <a:t>Standard data</a:t>
+            </a:r>
+          </a:p>
+          <a:p>
+            <a:pPr>
+              <a:buFontTx/>
+              <a:buChar char="-"/>
+            </a:pPr>
+            <a:r>
+              <a:rPr lang="en-US" dirty="0"/>
+              <a:t>Naming: virusID_Trial-trialIndex_Stage-stageIndex_StdCurve_KWALDSTEIN_TimeStamp.xlsx</a:t>
+            </a:r>
+          </a:p>
+          <a:p>
+            <a:pPr>
+              <a:buFontTx/>
+              <a:buChar char="-"/>
+            </a:pPr>
+            <a:r>
+              <a:rPr lang="en-US" dirty="0"/>
+              <a:t>Each trial corresponds to an experiment</a:t>
+            </a:r>
+          </a:p>
+          <a:p>
+            <a:pPr>
+              <a:buFontTx/>
+              <a:buChar char="-"/>
+            </a:pPr>
+            <a:r>
+              <a:rPr lang="en-US" dirty="0"/>
+              <a:t>Each stage corresponds to a request</a:t>
+            </a:r>
+          </a:p>
+          <a:p>
+            <a:pPr>
+              <a:buFontTx/>
+              <a:buChar char="-"/>
+            </a:pPr>
+            <a:r>
+              <a:rPr lang="en-US" dirty="0"/>
+              <a:t>For requests made in the same trial (or experiment), the time stamps are the same</a:t>
+            </a:r>
+          </a:p>
+          <a:p>
+            <a:pPr marL="0" indent="0">
+              <a:buNone/>
+            </a:pPr>
+            <a:r>
+              <a:rPr lang="en-US" dirty="0"/>
+              <a:t>Ex: MHV-1_Trial-1_Stage-1_StdCurve_KWALDSTEIN_202010042110.xlsx</a:t>
+            </a:r>
+          </a:p>
+          <a:p>
+            <a:pPr marL="0" indent="0">
+              <a:buNone/>
+            </a:pPr>
+            <a:r>
+              <a:rPr lang="en-US" dirty="0"/>
+              <a:t>Ex: MHV-1_Trial-1_Stage-2_StdCurve _KWALDSTEIN_202010042110.xlsx</a:t>
+            </a:r>
+          </a:p>
+          <a:p>
+            <a:pPr marL="0" indent="0">
+              <a:buNone/>
+            </a:pPr>
+            <a:r>
+              <a:rPr lang="en-US" dirty="0"/>
+              <a:t>Ex: MHV-1_Trial-1_Stage-3_StdCurve _KWALDSTEIN_202010042110.xlsx</a:t>
+            </a:r>
+          </a:p>
+          <a:p>
+            <a:pPr marL="0" indent="0">
+              <a:buNone/>
+            </a:pPr>
+            <a:r>
+              <a:rPr lang="en-US" dirty="0"/>
+              <a:t>Ex: COVID-19_Trial-1_Stage-1_StdCurve _KWALDSTEIN_202010281100.xlsx</a:t>
+            </a:r>
+          </a:p>
+          <a:p>
+            <a:pPr marL="0" indent="0">
+              <a:buNone/>
+            </a:pPr>
+            <a:r>
+              <a:rPr lang="en-US" dirty="0"/>
+              <a:t>Ex: COVID-19_Trial-1_Stage-2_StdCurve _KWALDSTEIN_202010281100.xlsx</a:t>
+            </a:r>
+          </a:p>
+          <a:p>
+            <a:endParaRPr lang="en-US" dirty="0"/>
+          </a:p>
+          <a:p>
+            <a:endParaRPr lang="en-US" dirty="0"/>
+          </a:p>
+        </p:txBody>
+      </p:sp>
+    </p:spTree>
+    <p:extLst>
+      <p:ext uri="{BB962C8B-B14F-4D97-AF65-F5344CB8AC3E}">
+        <p14:creationId xmlns:p14="http://schemas.microsoft.com/office/powerpoint/2010/main" val="2003395014"/>
+      </p:ext>
+    </p:extLst>
+  </p:cSld>
+  <p:clrMapOvr>
+    <a:masterClrMapping/>
+  </p:clrMapOvr>
+</p:sld>
+</file>
+
+<file path=ppt/slides/slide8.xml><?xml version="1.0" encoding="utf-8"?>
+<p:sld xmlns:a="http://schemas.openxmlformats.org/drawingml/2006/main" xmlns:r="http://schemas.openxmlformats.org/officeDocument/2006/relationships" xmlns:p="http://schemas.openxmlformats.org/presentationml/2006/main">
+  <p:cSld>
+    <p:spTree>
+      <p:nvGrpSpPr>
+        <p:cNvPr id="1" name=""/>
+        <p:cNvGrpSpPr/>
+        <p:nvPr/>
+      </p:nvGrpSpPr>
+      <p:grpSpPr>
+        <a:xfrm>
+          <a:off x="0" y="0"/>
+          <a:ext cx="0" cy="0"/>
+          <a:chOff x="0" y="0"/>
+          <a:chExt cx="0" cy="0"/>
+        </a:xfrm>
+      </p:grpSpPr>
+      <p:sp>
+        <p:nvSpPr>
+          <p:cNvPr id="2" name="Title 1">
+            <a:extLst>
+              <a:ext uri="{FF2B5EF4-FFF2-40B4-BE49-F238E27FC236}">
+                <a16:creationId xmlns:a16="http://schemas.microsoft.com/office/drawing/2014/main" id="{0563E1D1-3FE5-49BB-970A-FD40C4648D45}"/>
+              </a:ext>
+            </a:extLst>
+          </p:cNvPr>
+          <p:cNvSpPr>
+            <a:spLocks noGrp="1"/>
+          </p:cNvSpPr>
+          <p:nvPr>
+            <p:ph type="title"/>
+          </p:nvPr>
+        </p:nvSpPr>
+        <p:spPr/>
+        <p:txBody>
+          <a:bodyPr/>
+          <a:lstStyle/>
+          <a:p>
+            <a:r>
+              <a:rPr lang="en-US" dirty="0"/>
+              <a:t>Decoding module</a:t>
+            </a:r>
+          </a:p>
+        </p:txBody>
+      </p:sp>
+      <p:sp>
+        <p:nvSpPr>
+          <p:cNvPr id="3" name="Content Placeholder 2">
+            <a:extLst>
+              <a:ext uri="{FF2B5EF4-FFF2-40B4-BE49-F238E27FC236}">
+                <a16:creationId xmlns:a16="http://schemas.microsoft.com/office/drawing/2014/main" id="{A511EF38-186B-4F57-87F1-8C9CF4D0519F}"/>
+              </a:ext>
+            </a:extLst>
+          </p:cNvPr>
+          <p:cNvSpPr>
+            <a:spLocks noGrp="1"/>
+          </p:cNvSpPr>
+          <p:nvPr>
+            <p:ph idx="1"/>
+          </p:nvPr>
+        </p:nvSpPr>
+        <p:spPr/>
+        <p:txBody>
+          <a:bodyPr/>
+          <a:lstStyle/>
+          <a:p>
+            <a:r>
+              <a:rPr lang="en-US" dirty="0"/>
+              <a:t>Optimizers </a:t>
+            </a:r>
+          </a:p>
+        </p:txBody>
+      </p:sp>
+    </p:spTree>
+    <p:extLst>
+      <p:ext uri="{BB962C8B-B14F-4D97-AF65-F5344CB8AC3E}">
+        <p14:creationId xmlns:p14="http://schemas.microsoft.com/office/powerpoint/2010/main" val="2617573021"/>
+      </p:ext>
+    </p:extLst>
+  </p:cSld>
+  <p:clrMapOvr>
+    <a:masterClrMapping/>
+  </p:clrMapOvr>
+</p:sld>
+</file>
+
+<file path=ppt/slides/slide9.xml><?xml version="1.0" encoding="utf-8"?>
+<p:sld xmlns:a="http://schemas.openxmlformats.org/drawingml/2006/main" xmlns:r="http://schemas.openxmlformats.org/officeDocument/2006/relationships" xmlns:p="http://schemas.openxmlformats.org/presentationml/2006/main">
+  <p:cSld>
+    <p:spTree>
+      <p:nvGrpSpPr>
+        <p:cNvPr id="1" name=""/>
+        <p:cNvGrpSpPr/>
+        <p:nvPr/>
+      </p:nvGrpSpPr>
+      <p:grpSpPr>
+        <a:xfrm>
+          <a:off x="0" y="0"/>
+          <a:ext cx="0" cy="0"/>
+          <a:chOff x="0" y="0"/>
+          <a:chExt cx="0" cy="0"/>
+        </a:xfrm>
+      </p:grpSpPr>
+      <p:sp>
+        <p:nvSpPr>
+          <p:cNvPr id="2" name="Title 1">
+            <a:extLst>
+              <a:ext uri="{FF2B5EF4-FFF2-40B4-BE49-F238E27FC236}">
+                <a16:creationId xmlns:a16="http://schemas.microsoft.com/office/drawing/2014/main" id="{84C60BDA-C2DB-422D-A2F2-8CC8F98F437F}"/>
+              </a:ext>
+            </a:extLst>
+          </p:cNvPr>
+          <p:cNvSpPr>
+            <a:spLocks noGrp="1"/>
+          </p:cNvSpPr>
+          <p:nvPr>
+            <p:ph type="title"/>
+          </p:nvPr>
+        </p:nvSpPr>
+        <p:spPr/>
+        <p:txBody>
+          <a:bodyPr/>
+          <a:lstStyle/>
+          <a:p>
+            <a:r>
+              <a:rPr lang="en-US" dirty="0"/>
+              <a:t>Data components for exporting</a:t>
+            </a:r>
+          </a:p>
+        </p:txBody>
+      </p:sp>
+      <p:sp>
+        <p:nvSpPr>
+          <p:cNvPr id="3" name="Content Placeholder 2">
+            <a:extLst>
+              <a:ext uri="{FF2B5EF4-FFF2-40B4-BE49-F238E27FC236}">
+                <a16:creationId xmlns:a16="http://schemas.microsoft.com/office/drawing/2014/main" id="{D0C3DAC5-E197-44BE-8C43-A8C0FE537360}"/>
+              </a:ext>
+            </a:extLst>
+          </p:cNvPr>
+          <p:cNvSpPr>
+            <a:spLocks noGrp="1"/>
+          </p:cNvSpPr>
+          <p:nvPr>
+            <p:ph idx="1"/>
+          </p:nvPr>
+        </p:nvSpPr>
+        <p:spPr/>
+        <p:txBody>
+          <a:bodyPr/>
+          <a:lstStyle/>
+          <a:p>
+            <a:r>
+              <a:rPr lang="en-US" dirty="0"/>
+              <a:t>Qualitative data or sample status</a:t>
+            </a:r>
+          </a:p>
+          <a:p>
+            <a:endParaRPr lang="en-US" dirty="0"/>
+          </a:p>
+          <a:p>
+            <a:r>
+              <a:rPr lang="en-US" dirty="0"/>
+              <a:t>Quantitative data or sample virus load</a:t>
+            </a:r>
+          </a:p>
+        </p:txBody>
+      </p:sp>
+    </p:spTree>
+    <p:extLst>
+      <p:ext uri="{BB962C8B-B14F-4D97-AF65-F5344CB8AC3E}">
+        <p14:creationId xmlns:p14="http://schemas.microsoft.com/office/powerpoint/2010/main" val="1528692084"/>
       </p:ext>
     </p:extLst>
   </p:cSld>

--- a/00_System_Architectures_JYI_20201122.pptx
+++ b/00_System_Architectures_JYI_20201122.pptx
@@ -4,18 +4,37 @@
   <p:sldMasterIdLst>
     <p:sldMasterId id="2147483648" r:id="rId1"/>
   </p:sldMasterIdLst>
+  <p:notesMasterIdLst>
+    <p:notesMasterId r:id="rId29"/>
+  </p:notesMasterIdLst>
   <p:sldIdLst>
     <p:sldId id="256" r:id="rId2"/>
     <p:sldId id="260" r:id="rId3"/>
     <p:sldId id="261" r:id="rId4"/>
-    <p:sldId id="257" r:id="rId5"/>
-    <p:sldId id="264" r:id="rId6"/>
-    <p:sldId id="263" r:id="rId7"/>
-    <p:sldId id="265" r:id="rId8"/>
-    <p:sldId id="262" r:id="rId9"/>
-    <p:sldId id="266" r:id="rId10"/>
-    <p:sldId id="259" r:id="rId11"/>
-    <p:sldId id="258" r:id="rId12"/>
+    <p:sldId id="282" r:id="rId5"/>
+    <p:sldId id="257" r:id="rId6"/>
+    <p:sldId id="281" r:id="rId7"/>
+    <p:sldId id="264" r:id="rId8"/>
+    <p:sldId id="263" r:id="rId9"/>
+    <p:sldId id="265" r:id="rId10"/>
+    <p:sldId id="267" r:id="rId11"/>
+    <p:sldId id="268" r:id="rId12"/>
+    <p:sldId id="270" r:id="rId13"/>
+    <p:sldId id="269" r:id="rId14"/>
+    <p:sldId id="271" r:id="rId15"/>
+    <p:sldId id="272" r:id="rId16"/>
+    <p:sldId id="275" r:id="rId17"/>
+    <p:sldId id="273" r:id="rId18"/>
+    <p:sldId id="274" r:id="rId19"/>
+    <p:sldId id="277" r:id="rId20"/>
+    <p:sldId id="276" r:id="rId21"/>
+    <p:sldId id="278" r:id="rId22"/>
+    <p:sldId id="279" r:id="rId23"/>
+    <p:sldId id="280" r:id="rId24"/>
+    <p:sldId id="262" r:id="rId25"/>
+    <p:sldId id="266" r:id="rId26"/>
+    <p:sldId id="259" r:id="rId27"/>
+    <p:sldId id="258" r:id="rId28"/>
   </p:sldIdLst>
   <p:sldSz cx="12192000" cy="6858000"/>
   <p:notesSz cx="6858000" cy="9144000"/>
@@ -122,6 +141,439 @@
 </p:presentation>
 </file>
 
+<file path=ppt/notesMasters/notesMaster1.xml><?xml version="1.0" encoding="utf-8"?>
+<p:notesMaster xmlns:a="http://schemas.openxmlformats.org/drawingml/2006/main" xmlns:r="http://schemas.openxmlformats.org/officeDocument/2006/relationships" xmlns:p="http://schemas.openxmlformats.org/presentationml/2006/main">
+  <p:cSld>
+    <p:bg>
+      <p:bgRef idx="1001">
+        <a:schemeClr val="bg1"/>
+      </p:bgRef>
+    </p:bg>
+    <p:spTree>
+      <p:nvGrpSpPr>
+        <p:cNvPr id="1" name=""/>
+        <p:cNvGrpSpPr/>
+        <p:nvPr/>
+      </p:nvGrpSpPr>
+      <p:grpSpPr>
+        <a:xfrm>
+          <a:off x="0" y="0"/>
+          <a:ext cx="0" cy="0"/>
+          <a:chOff x="0" y="0"/>
+          <a:chExt cx="0" cy="0"/>
+        </a:xfrm>
+      </p:grpSpPr>
+      <p:sp>
+        <p:nvSpPr>
+          <p:cNvPr id="2" name="Header Placeholder 1"/>
+          <p:cNvSpPr>
+            <a:spLocks noGrp="1"/>
+          </p:cNvSpPr>
+          <p:nvPr>
+            <p:ph type="hdr" sz="quarter"/>
+          </p:nvPr>
+        </p:nvSpPr>
+        <p:spPr>
+          <a:xfrm>
+            <a:off x="0" y="0"/>
+            <a:ext cx="2971800" cy="458788"/>
+          </a:xfrm>
+          <a:prstGeom prst="rect">
+            <a:avLst/>
+          </a:prstGeom>
+        </p:spPr>
+        <p:txBody>
+          <a:bodyPr vert="horz" lIns="91440" tIns="45720" rIns="91440" bIns="45720" rtlCol="0"/>
+          <a:lstStyle>
+            <a:lvl1pPr algn="l">
+              <a:defRPr sz="1200"/>
+            </a:lvl1pPr>
+          </a:lstStyle>
+          <a:p>
+            <a:endParaRPr lang="en-US"/>
+          </a:p>
+        </p:txBody>
+      </p:sp>
+      <p:sp>
+        <p:nvSpPr>
+          <p:cNvPr id="3" name="Date Placeholder 2"/>
+          <p:cNvSpPr>
+            <a:spLocks noGrp="1"/>
+          </p:cNvSpPr>
+          <p:nvPr>
+            <p:ph type="dt" idx="1"/>
+          </p:nvPr>
+        </p:nvSpPr>
+        <p:spPr>
+          <a:xfrm>
+            <a:off x="3884613" y="0"/>
+            <a:ext cx="2971800" cy="458788"/>
+          </a:xfrm>
+          <a:prstGeom prst="rect">
+            <a:avLst/>
+          </a:prstGeom>
+        </p:spPr>
+        <p:txBody>
+          <a:bodyPr vert="horz" lIns="91440" tIns="45720" rIns="91440" bIns="45720" rtlCol="0"/>
+          <a:lstStyle>
+            <a:lvl1pPr algn="r">
+              <a:defRPr sz="1200"/>
+            </a:lvl1pPr>
+          </a:lstStyle>
+          <a:p>
+            <a:fld id="{506943F1-BE35-4192-A443-DB6552ADDADA}" type="datetimeFigureOut">
+              <a:rPr lang="en-US" smtClean="0"/>
+              <a:t>1/5/2021</a:t>
+            </a:fld>
+            <a:endParaRPr lang="en-US"/>
+          </a:p>
+        </p:txBody>
+      </p:sp>
+      <p:sp>
+        <p:nvSpPr>
+          <p:cNvPr id="4" name="Slide Image Placeholder 3"/>
+          <p:cNvSpPr>
+            <a:spLocks noGrp="1" noRot="1" noChangeAspect="1"/>
+          </p:cNvSpPr>
+          <p:nvPr>
+            <p:ph type="sldImg" idx="2"/>
+          </p:nvPr>
+        </p:nvSpPr>
+        <p:spPr>
+          <a:xfrm>
+            <a:off x="685800" y="1143000"/>
+            <a:ext cx="5486400" cy="3086100"/>
+          </a:xfrm>
+          <a:prstGeom prst="rect">
+            <a:avLst/>
+          </a:prstGeom>
+          <a:noFill/>
+          <a:ln w="12700">
+            <a:solidFill>
+              <a:prstClr val="black"/>
+            </a:solidFill>
+          </a:ln>
+        </p:spPr>
+        <p:txBody>
+          <a:bodyPr vert="horz" lIns="91440" tIns="45720" rIns="91440" bIns="45720" rtlCol="0" anchor="ctr"/>
+          <a:lstStyle/>
+          <a:p>
+            <a:endParaRPr lang="en-US"/>
+          </a:p>
+        </p:txBody>
+      </p:sp>
+      <p:sp>
+        <p:nvSpPr>
+          <p:cNvPr id="5" name="Notes Placeholder 4"/>
+          <p:cNvSpPr>
+            <a:spLocks noGrp="1"/>
+          </p:cNvSpPr>
+          <p:nvPr>
+            <p:ph type="body" sz="quarter" idx="3"/>
+          </p:nvPr>
+        </p:nvSpPr>
+        <p:spPr>
+          <a:xfrm>
+            <a:off x="685800" y="4400550"/>
+            <a:ext cx="5486400" cy="3600450"/>
+          </a:xfrm>
+          <a:prstGeom prst="rect">
+            <a:avLst/>
+          </a:prstGeom>
+        </p:spPr>
+        <p:txBody>
+          <a:bodyPr vert="horz" lIns="91440" tIns="45720" rIns="91440" bIns="45720" rtlCol="0"/>
+          <a:lstStyle/>
+          <a:p>
+            <a:pPr lvl="0"/>
+            <a:r>
+              <a:rPr lang="en-US"/>
+              <a:t>Click to edit Master text styles</a:t>
+            </a:r>
+          </a:p>
+          <a:p>
+            <a:pPr lvl="1"/>
+            <a:r>
+              <a:rPr lang="en-US"/>
+              <a:t>Second level</a:t>
+            </a:r>
+          </a:p>
+          <a:p>
+            <a:pPr lvl="2"/>
+            <a:r>
+              <a:rPr lang="en-US"/>
+              <a:t>Third level</a:t>
+            </a:r>
+          </a:p>
+          <a:p>
+            <a:pPr lvl="3"/>
+            <a:r>
+              <a:rPr lang="en-US"/>
+              <a:t>Fourth level</a:t>
+            </a:r>
+          </a:p>
+          <a:p>
+            <a:pPr lvl="4"/>
+            <a:r>
+              <a:rPr lang="en-US"/>
+              <a:t>Fifth level</a:t>
+            </a:r>
+          </a:p>
+        </p:txBody>
+      </p:sp>
+      <p:sp>
+        <p:nvSpPr>
+          <p:cNvPr id="6" name="Footer Placeholder 5"/>
+          <p:cNvSpPr>
+            <a:spLocks noGrp="1"/>
+          </p:cNvSpPr>
+          <p:nvPr>
+            <p:ph type="ftr" sz="quarter" idx="4"/>
+          </p:nvPr>
+        </p:nvSpPr>
+        <p:spPr>
+          <a:xfrm>
+            <a:off x="0" y="8685213"/>
+            <a:ext cx="2971800" cy="458787"/>
+          </a:xfrm>
+          <a:prstGeom prst="rect">
+            <a:avLst/>
+          </a:prstGeom>
+        </p:spPr>
+        <p:txBody>
+          <a:bodyPr vert="horz" lIns="91440" tIns="45720" rIns="91440" bIns="45720" rtlCol="0" anchor="b"/>
+          <a:lstStyle>
+            <a:lvl1pPr algn="l">
+              <a:defRPr sz="1200"/>
+            </a:lvl1pPr>
+          </a:lstStyle>
+          <a:p>
+            <a:endParaRPr lang="en-US"/>
+          </a:p>
+        </p:txBody>
+      </p:sp>
+      <p:sp>
+        <p:nvSpPr>
+          <p:cNvPr id="7" name="Slide Number Placeholder 6"/>
+          <p:cNvSpPr>
+            <a:spLocks noGrp="1"/>
+          </p:cNvSpPr>
+          <p:nvPr>
+            <p:ph type="sldNum" sz="quarter" idx="5"/>
+          </p:nvPr>
+        </p:nvSpPr>
+        <p:spPr>
+          <a:xfrm>
+            <a:off x="3884613" y="8685213"/>
+            <a:ext cx="2971800" cy="458787"/>
+          </a:xfrm>
+          <a:prstGeom prst="rect">
+            <a:avLst/>
+          </a:prstGeom>
+        </p:spPr>
+        <p:txBody>
+          <a:bodyPr vert="horz" lIns="91440" tIns="45720" rIns="91440" bIns="45720" rtlCol="0" anchor="b"/>
+          <a:lstStyle>
+            <a:lvl1pPr algn="r">
+              <a:defRPr sz="1200"/>
+            </a:lvl1pPr>
+          </a:lstStyle>
+          <a:p>
+            <a:fld id="{4DC67AA4-5CAF-4CD9-BF45-7629D0E7EDF3}" type="slidenum">
+              <a:rPr lang="en-US" smtClean="0"/>
+              <a:t>‹#›</a:t>
+            </a:fld>
+            <a:endParaRPr lang="en-US"/>
+          </a:p>
+        </p:txBody>
+      </p:sp>
+    </p:spTree>
+    <p:extLst>
+      <p:ext uri="{BB962C8B-B14F-4D97-AF65-F5344CB8AC3E}">
+        <p14:creationId xmlns:p14="http://schemas.microsoft.com/office/powerpoint/2010/main" val="363359394"/>
+      </p:ext>
+    </p:extLst>
+  </p:cSld>
+  <p:clrMap bg1="lt1" tx1="dk1" bg2="lt2" tx2="dk2" accent1="accent1" accent2="accent2" accent3="accent3" accent4="accent4" accent5="accent5" accent6="accent6" hlink="hlink" folHlink="folHlink"/>
+  <p:notesStyle>
+    <a:lvl1pPr marL="0" algn="l" defTabSz="914400" rtl="0" eaLnBrk="1" latinLnBrk="0" hangingPunct="1">
+      <a:defRPr sz="1200" kern="1200">
+        <a:solidFill>
+          <a:schemeClr val="tx1"/>
+        </a:solidFill>
+        <a:latin typeface="+mn-lt"/>
+        <a:ea typeface="+mn-ea"/>
+        <a:cs typeface="+mn-cs"/>
+      </a:defRPr>
+    </a:lvl1pPr>
+    <a:lvl2pPr marL="457200" algn="l" defTabSz="914400" rtl="0" eaLnBrk="1" latinLnBrk="0" hangingPunct="1">
+      <a:defRPr sz="1200" kern="1200">
+        <a:solidFill>
+          <a:schemeClr val="tx1"/>
+        </a:solidFill>
+        <a:latin typeface="+mn-lt"/>
+        <a:ea typeface="+mn-ea"/>
+        <a:cs typeface="+mn-cs"/>
+      </a:defRPr>
+    </a:lvl2pPr>
+    <a:lvl3pPr marL="914400" algn="l" defTabSz="914400" rtl="0" eaLnBrk="1" latinLnBrk="0" hangingPunct="1">
+      <a:defRPr sz="1200" kern="1200">
+        <a:solidFill>
+          <a:schemeClr val="tx1"/>
+        </a:solidFill>
+        <a:latin typeface="+mn-lt"/>
+        <a:ea typeface="+mn-ea"/>
+        <a:cs typeface="+mn-cs"/>
+      </a:defRPr>
+    </a:lvl3pPr>
+    <a:lvl4pPr marL="1371600" algn="l" defTabSz="914400" rtl="0" eaLnBrk="1" latinLnBrk="0" hangingPunct="1">
+      <a:defRPr sz="1200" kern="1200">
+        <a:solidFill>
+          <a:schemeClr val="tx1"/>
+        </a:solidFill>
+        <a:latin typeface="+mn-lt"/>
+        <a:ea typeface="+mn-ea"/>
+        <a:cs typeface="+mn-cs"/>
+      </a:defRPr>
+    </a:lvl4pPr>
+    <a:lvl5pPr marL="1828800" algn="l" defTabSz="914400" rtl="0" eaLnBrk="1" latinLnBrk="0" hangingPunct="1">
+      <a:defRPr sz="1200" kern="1200">
+        <a:solidFill>
+          <a:schemeClr val="tx1"/>
+        </a:solidFill>
+        <a:latin typeface="+mn-lt"/>
+        <a:ea typeface="+mn-ea"/>
+        <a:cs typeface="+mn-cs"/>
+      </a:defRPr>
+    </a:lvl5pPr>
+    <a:lvl6pPr marL="2286000" algn="l" defTabSz="914400" rtl="0" eaLnBrk="1" latinLnBrk="0" hangingPunct="1">
+      <a:defRPr sz="1200" kern="1200">
+        <a:solidFill>
+          <a:schemeClr val="tx1"/>
+        </a:solidFill>
+        <a:latin typeface="+mn-lt"/>
+        <a:ea typeface="+mn-ea"/>
+        <a:cs typeface="+mn-cs"/>
+      </a:defRPr>
+    </a:lvl6pPr>
+    <a:lvl7pPr marL="2743200" algn="l" defTabSz="914400" rtl="0" eaLnBrk="1" latinLnBrk="0" hangingPunct="1">
+      <a:defRPr sz="1200" kern="1200">
+        <a:solidFill>
+          <a:schemeClr val="tx1"/>
+        </a:solidFill>
+        <a:latin typeface="+mn-lt"/>
+        <a:ea typeface="+mn-ea"/>
+        <a:cs typeface="+mn-cs"/>
+      </a:defRPr>
+    </a:lvl7pPr>
+    <a:lvl8pPr marL="3200400" algn="l" defTabSz="914400" rtl="0" eaLnBrk="1" latinLnBrk="0" hangingPunct="1">
+      <a:defRPr sz="1200" kern="1200">
+        <a:solidFill>
+          <a:schemeClr val="tx1"/>
+        </a:solidFill>
+        <a:latin typeface="+mn-lt"/>
+        <a:ea typeface="+mn-ea"/>
+        <a:cs typeface="+mn-cs"/>
+      </a:defRPr>
+    </a:lvl8pPr>
+    <a:lvl9pPr marL="3657600" algn="l" defTabSz="914400" rtl="0" eaLnBrk="1" latinLnBrk="0" hangingPunct="1">
+      <a:defRPr sz="1200" kern="1200">
+        <a:solidFill>
+          <a:schemeClr val="tx1"/>
+        </a:solidFill>
+        <a:latin typeface="+mn-lt"/>
+        <a:ea typeface="+mn-ea"/>
+        <a:cs typeface="+mn-cs"/>
+      </a:defRPr>
+    </a:lvl9pPr>
+  </p:notesStyle>
+</p:notesMaster>
+</file>
+
+<file path=ppt/notesSlides/notesSlide1.xml><?xml version="1.0" encoding="utf-8"?>
+<p:notes xmlns:a="http://schemas.openxmlformats.org/drawingml/2006/main" xmlns:r="http://schemas.openxmlformats.org/officeDocument/2006/relationships" xmlns:p="http://schemas.openxmlformats.org/presentationml/2006/main">
+  <p:cSld>
+    <p:spTree>
+      <p:nvGrpSpPr>
+        <p:cNvPr id="1" name=""/>
+        <p:cNvGrpSpPr/>
+        <p:nvPr/>
+      </p:nvGrpSpPr>
+      <p:grpSpPr>
+        <a:xfrm>
+          <a:off x="0" y="0"/>
+          <a:ext cx="0" cy="0"/>
+          <a:chOff x="0" y="0"/>
+          <a:chExt cx="0" cy="0"/>
+        </a:xfrm>
+      </p:grpSpPr>
+      <p:sp>
+        <p:nvSpPr>
+          <p:cNvPr id="2" name="Slide Image Placeholder 1"/>
+          <p:cNvSpPr>
+            <a:spLocks noGrp="1" noRot="1" noChangeAspect="1"/>
+          </p:cNvSpPr>
+          <p:nvPr>
+            <p:ph type="sldImg"/>
+          </p:nvPr>
+        </p:nvSpPr>
+        <p:spPr/>
+      </p:sp>
+      <p:sp>
+        <p:nvSpPr>
+          <p:cNvPr id="3" name="Notes Placeholder 2"/>
+          <p:cNvSpPr>
+            <a:spLocks noGrp="1"/>
+          </p:cNvSpPr>
+          <p:nvPr>
+            <p:ph type="body" idx="1"/>
+          </p:nvPr>
+        </p:nvSpPr>
+        <p:spPr/>
+        <p:txBody>
+          <a:bodyPr/>
+          <a:lstStyle/>
+          <a:p>
+            <a:endParaRPr lang="en-US" dirty="0"/>
+          </a:p>
+        </p:txBody>
+      </p:sp>
+      <p:sp>
+        <p:nvSpPr>
+          <p:cNvPr id="4" name="Slide Number Placeholder 3"/>
+          <p:cNvSpPr>
+            <a:spLocks noGrp="1"/>
+          </p:cNvSpPr>
+          <p:nvPr>
+            <p:ph type="sldNum" sz="quarter" idx="5"/>
+          </p:nvPr>
+        </p:nvSpPr>
+        <p:spPr/>
+        <p:txBody>
+          <a:bodyPr/>
+          <a:lstStyle/>
+          <a:p>
+            <a:fld id="{4DC67AA4-5CAF-4CD9-BF45-7629D0E7EDF3}" type="slidenum">
+              <a:rPr lang="en-US" smtClean="0"/>
+              <a:t>13</a:t>
+            </a:fld>
+            <a:endParaRPr lang="en-US"/>
+          </a:p>
+        </p:txBody>
+      </p:sp>
+    </p:spTree>
+    <p:extLst>
+      <p:ext uri="{BB962C8B-B14F-4D97-AF65-F5344CB8AC3E}">
+        <p14:creationId xmlns:p14="http://schemas.microsoft.com/office/powerpoint/2010/main" val="3013151933"/>
+      </p:ext>
+    </p:extLst>
+  </p:cSld>
+  <p:clrMapOvr>
+    <a:masterClrMapping/>
+  </p:clrMapOvr>
+</p:notes>
+</file>
+
 <file path=ppt/slideLayouts/slideLayout1.xml><?xml version="1.0" encoding="utf-8"?>
 <p:sldLayout xmlns:a="http://schemas.openxmlformats.org/drawingml/2006/main" xmlns:r="http://schemas.openxmlformats.org/officeDocument/2006/relationships" xmlns:p="http://schemas.openxmlformats.org/presentationml/2006/main" type="title" preserve="1">
   <p:cSld name="Title Slide">
@@ -269,7 +721,7 @@
           <a:p>
             <a:fld id="{EE2FABD8-366E-4F35-BC6A-02E6FDD95AAC}" type="datetimeFigureOut">
               <a:rPr lang="en-US" smtClean="0"/>
-              <a:t>12/30/2020</a:t>
+              <a:t>1/4/2021</a:t>
             </a:fld>
             <a:endParaRPr lang="en-US"/>
           </a:p>
@@ -467,7 +919,7 @@
           <a:p>
             <a:fld id="{EE2FABD8-366E-4F35-BC6A-02E6FDD95AAC}" type="datetimeFigureOut">
               <a:rPr lang="en-US" smtClean="0"/>
-              <a:t>12/30/2020</a:t>
+              <a:t>1/4/2021</a:t>
             </a:fld>
             <a:endParaRPr lang="en-US"/>
           </a:p>
@@ -675,7 +1127,7 @@
           <a:p>
             <a:fld id="{EE2FABD8-366E-4F35-BC6A-02E6FDD95AAC}" type="datetimeFigureOut">
               <a:rPr lang="en-US" smtClean="0"/>
-              <a:t>12/30/2020</a:t>
+              <a:t>1/4/2021</a:t>
             </a:fld>
             <a:endParaRPr lang="en-US"/>
           </a:p>
@@ -873,7 +1325,7 @@
           <a:p>
             <a:fld id="{EE2FABD8-366E-4F35-BC6A-02E6FDD95AAC}" type="datetimeFigureOut">
               <a:rPr lang="en-US" smtClean="0"/>
-              <a:t>12/30/2020</a:t>
+              <a:t>1/4/2021</a:t>
             </a:fld>
             <a:endParaRPr lang="en-US"/>
           </a:p>
@@ -1148,7 +1600,7 @@
           <a:p>
             <a:fld id="{EE2FABD8-366E-4F35-BC6A-02E6FDD95AAC}" type="datetimeFigureOut">
               <a:rPr lang="en-US" smtClean="0"/>
-              <a:t>12/30/2020</a:t>
+              <a:t>1/4/2021</a:t>
             </a:fld>
             <a:endParaRPr lang="en-US"/>
           </a:p>
@@ -1413,7 +1865,7 @@
           <a:p>
             <a:fld id="{EE2FABD8-366E-4F35-BC6A-02E6FDD95AAC}" type="datetimeFigureOut">
               <a:rPr lang="en-US" smtClean="0"/>
-              <a:t>12/30/2020</a:t>
+              <a:t>1/4/2021</a:t>
             </a:fld>
             <a:endParaRPr lang="en-US"/>
           </a:p>
@@ -1825,7 +2277,7 @@
           <a:p>
             <a:fld id="{EE2FABD8-366E-4F35-BC6A-02E6FDD95AAC}" type="datetimeFigureOut">
               <a:rPr lang="en-US" smtClean="0"/>
-              <a:t>12/30/2020</a:t>
+              <a:t>1/4/2021</a:t>
             </a:fld>
             <a:endParaRPr lang="en-US"/>
           </a:p>
@@ -1966,7 +2418,7 @@
           <a:p>
             <a:fld id="{EE2FABD8-366E-4F35-BC6A-02E6FDD95AAC}" type="datetimeFigureOut">
               <a:rPr lang="en-US" smtClean="0"/>
-              <a:t>12/30/2020</a:t>
+              <a:t>1/4/2021</a:t>
             </a:fld>
             <a:endParaRPr lang="en-US"/>
           </a:p>
@@ -2079,7 +2531,7 @@
           <a:p>
             <a:fld id="{EE2FABD8-366E-4F35-BC6A-02E6FDD95AAC}" type="datetimeFigureOut">
               <a:rPr lang="en-US" smtClean="0"/>
-              <a:t>12/30/2020</a:t>
+              <a:t>1/4/2021</a:t>
             </a:fld>
             <a:endParaRPr lang="en-US"/>
           </a:p>
@@ -2390,7 +2842,7 @@
           <a:p>
             <a:fld id="{EE2FABD8-366E-4F35-BC6A-02E6FDD95AAC}" type="datetimeFigureOut">
               <a:rPr lang="en-US" smtClean="0"/>
-              <a:t>12/30/2020</a:t>
+              <a:t>1/4/2021</a:t>
             </a:fld>
             <a:endParaRPr lang="en-US"/>
           </a:p>
@@ -2678,7 +3130,7 @@
           <a:p>
             <a:fld id="{EE2FABD8-366E-4F35-BC6A-02E6FDD95AAC}" type="datetimeFigureOut">
               <a:rPr lang="en-US" smtClean="0"/>
-              <a:t>12/30/2020</a:t>
+              <a:t>1/4/2021</a:t>
             </a:fld>
             <a:endParaRPr lang="en-US"/>
           </a:p>
@@ -2919,7 +3371,7 @@
           <a:p>
             <a:fld id="{EE2FABD8-366E-4F35-BC6A-02E6FDD95AAC}" type="datetimeFigureOut">
               <a:rPr lang="en-US" smtClean="0"/>
-              <a:t>12/30/2020</a:t>
+              <a:t>1/4/2021</a:t>
             </a:fld>
             <a:endParaRPr lang="en-US"/>
           </a:p>
@@ -4135,7 +4587,7 @@
           <p:cNvPr id="2" name="Title 1">
             <a:extLst>
               <a:ext uri="{FF2B5EF4-FFF2-40B4-BE49-F238E27FC236}">
-                <a16:creationId xmlns:a16="http://schemas.microsoft.com/office/drawing/2014/main" id="{43E8FFE8-261E-46FA-A844-EB7203BDE840}"/>
+                <a16:creationId xmlns:a16="http://schemas.microsoft.com/office/drawing/2014/main" id="{3ECD3974-AA23-4BDA-8CF5-1AF5949FA36D}"/>
               </a:ext>
             </a:extLst>
           </p:cNvPr>
@@ -4153,7 +4605,7 @@
           <a:p>
             <a:r>
               <a:rPr lang="en-US" dirty="0"/>
-              <a:t>Getting started</a:t>
+              <a:t>Decoding modules</a:t>
             </a:r>
           </a:p>
         </p:txBody>
@@ -4163,7 +4615,7 @@
           <p:cNvPr id="3" name="Content Placeholder 2">
             <a:extLst>
               <a:ext uri="{FF2B5EF4-FFF2-40B4-BE49-F238E27FC236}">
-                <a16:creationId xmlns:a16="http://schemas.microsoft.com/office/drawing/2014/main" id="{2A1D20CA-D564-4DAE-BA26-5297EA2B871F}"/>
+                <a16:creationId xmlns:a16="http://schemas.microsoft.com/office/drawing/2014/main" id="{01BD23EA-8CA6-47F7-990F-5C6FE5910425}"/>
               </a:ext>
             </a:extLst>
           </p:cNvPr>
@@ -4180,17 +4632,25 @@
           <a:lstStyle/>
           <a:p>
             <a:r>
-              <a:rPr lang="en-US" dirty="0" err="1"/>
-              <a:t>Main_dec.m</a:t>
-            </a:r>
+              <a:rPr lang="en-US" dirty="0"/>
+              <a:t>Qualitative decoding: determine status of individual samples as ‘P’ (positive), ‘N’ (negative), or ‘U’ (potential positive)</a:t>
+            </a:r>
+          </a:p>
+          <a:p>
             <a:endParaRPr lang="en-US" dirty="0"/>
+          </a:p>
+          <a:p>
+            <a:r>
+              <a:rPr lang="en-US" dirty="0"/>
+              <a:t>Quantitative decoding: determine virus load of individual samples</a:t>
+            </a:r>
           </a:p>
         </p:txBody>
       </p:sp>
     </p:spTree>
     <p:extLst>
       <p:ext uri="{BB962C8B-B14F-4D97-AF65-F5344CB8AC3E}">
-        <p14:creationId xmlns:p14="http://schemas.microsoft.com/office/powerpoint/2010/main" val="1644539672"/>
+        <p14:creationId xmlns:p14="http://schemas.microsoft.com/office/powerpoint/2010/main" val="2924506630"/>
       </p:ext>
     </p:extLst>
   </p:cSld>
@@ -4222,7 +4682,7 @@
           <p:cNvPr id="2" name="Title 1">
             <a:extLst>
               <a:ext uri="{FF2B5EF4-FFF2-40B4-BE49-F238E27FC236}">
-                <a16:creationId xmlns:a16="http://schemas.microsoft.com/office/drawing/2014/main" id="{BDE4527E-6A3F-42FC-A69E-AD1407BFB929}"/>
+                <a16:creationId xmlns:a16="http://schemas.microsoft.com/office/drawing/2014/main" id="{7D0F7891-A0A3-4836-809B-FB955448CF59}"/>
               </a:ext>
             </a:extLst>
           </p:cNvPr>
@@ -4240,7 +4700,1009 @@
           <a:p>
             <a:r>
               <a:rPr lang="en-US" dirty="0"/>
-              <a:t>Getting started – testing different solvers</a:t>
+              <a:t>Decoding modules</a:t>
+            </a:r>
+          </a:p>
+        </p:txBody>
+      </p:sp>
+      <mc:AlternateContent xmlns:mc="http://schemas.openxmlformats.org/markup-compatibility/2006">
+        <mc:Choice xmlns:a14="http://schemas.microsoft.com/office/drawing/2010/main" Requires="a14">
+          <p:sp>
+            <p:nvSpPr>
+              <p:cNvPr id="3" name="Content Placeholder 2">
+                <a:extLst>
+                  <a:ext uri="{FF2B5EF4-FFF2-40B4-BE49-F238E27FC236}">
+                    <a16:creationId xmlns:a16="http://schemas.microsoft.com/office/drawing/2014/main" id="{FE904BA0-D51D-495B-9A8A-30E0CE63CDBC}"/>
+                  </a:ext>
+                </a:extLst>
+              </p:cNvPr>
+              <p:cNvSpPr>
+                <a:spLocks noGrp="1"/>
+              </p:cNvSpPr>
+              <p:nvPr>
+                <p:ph idx="1"/>
+              </p:nvPr>
+            </p:nvSpPr>
+            <p:spPr/>
+            <p:txBody>
+              <a:bodyPr/>
+              <a:lstStyle/>
+              <a:p>
+                <a:r>
+                  <a:rPr lang="en-US" dirty="0"/>
+                  <a:t>Qualitative decoding</a:t>
+                </a:r>
+              </a:p>
+              <a:p>
+                <a:pPr>
+                  <a:buFontTx/>
+                  <a:buChar char="-"/>
+                </a:pPr>
+                <a:r>
+                  <a:rPr lang="en-US" dirty="0"/>
+                  <a:t>Base algorithm: algorithm 1 Support representation decoding which gives the following three index sets</a:t>
+                </a:r>
+              </a:p>
+              <a:p>
+                <a:pPr marL="0" indent="0">
+                  <a:buNone/>
+                </a:pPr>
+                <a:r>
+                  <a:rPr lang="en-US" dirty="0"/>
+                  <a:t>   </a:t>
+                </a:r>
+                <a14:m>
+                  <m:oMath xmlns:m="http://schemas.openxmlformats.org/officeDocument/2006/math">
+                    <m:r>
+                      <a:rPr lang="en-US" b="0" i="1" smtClean="0">
+                        <a:latin typeface="Cambria Math" panose="02040503050406030204" pitchFamily="18" charset="0"/>
+                      </a:rPr>
+                      <m:t>𝑈𝑛𝑑</m:t>
+                    </m:r>
+                  </m:oMath>
+                </a14:m>
+                <a:r>
+                  <a:rPr lang="en-US" dirty="0"/>
+                  <a:t>: set of indices of samples whose status are not determined</a:t>
+                </a:r>
+              </a:p>
+              <a:p>
+                <a:pPr marL="0" indent="0">
+                  <a:buNone/>
+                </a:pPr>
+                <a:r>
+                  <a:rPr lang="en-US" dirty="0"/>
+                  <a:t>   </a:t>
+                </a:r>
+                <a14:m>
+                  <m:oMath xmlns:m="http://schemas.openxmlformats.org/officeDocument/2006/math">
+                    <m:r>
+                      <a:rPr lang="en-US" b="0" i="1" smtClean="0">
+                        <a:latin typeface="Cambria Math" panose="02040503050406030204" pitchFamily="18" charset="0"/>
+                      </a:rPr>
+                      <m:t>𝑃𝑜𝑠</m:t>
+                    </m:r>
+                  </m:oMath>
+                </a14:m>
+                <a:r>
+                  <a:rPr lang="en-US" dirty="0"/>
+                  <a:t>: set of indices of samples which must be positive</a:t>
+                </a:r>
+              </a:p>
+              <a:p>
+                <a:pPr marL="0" indent="0">
+                  <a:buNone/>
+                </a:pPr>
+                <a:r>
+                  <a:rPr lang="en-US" dirty="0"/>
+                  <a:t>   </a:t>
+                </a:r>
+                <a14:m>
+                  <m:oMath xmlns:m="http://schemas.openxmlformats.org/officeDocument/2006/math">
+                    <m:r>
+                      <a:rPr lang="en-US" b="0" i="1" smtClean="0">
+                        <a:latin typeface="Cambria Math" panose="02040503050406030204" pitchFamily="18" charset="0"/>
+                      </a:rPr>
+                      <m:t>𝑁𝑒𝑔</m:t>
+                    </m:r>
+                  </m:oMath>
+                </a14:m>
+                <a:r>
+                  <a:rPr lang="en-US" dirty="0"/>
+                  <a:t>: set of indices of samples which must be negative</a:t>
+                </a:r>
+              </a:p>
+              <a:p>
+                <a:pPr marL="0" indent="0">
+                  <a:buNone/>
+                </a:pPr>
+                <a:endParaRPr lang="en-US" dirty="0"/>
+              </a:p>
+            </p:txBody>
+          </p:sp>
+        </mc:Choice>
+        <mc:Fallback>
+          <p:sp>
+            <p:nvSpPr>
+              <p:cNvPr id="3" name="Content Placeholder 2">
+                <a:extLst>
+                  <a:ext uri="{FF2B5EF4-FFF2-40B4-BE49-F238E27FC236}">
+                    <a16:creationId xmlns:a16="http://schemas.microsoft.com/office/drawing/2014/main" id="{FE904BA0-D51D-495B-9A8A-30E0CE63CDBC}"/>
+                  </a:ext>
+                </a:extLst>
+              </p:cNvPr>
+              <p:cNvSpPr>
+                <a:spLocks noGrp="1" noRot="1" noChangeAspect="1" noMove="1" noResize="1" noEditPoints="1" noAdjustHandles="1" noChangeArrowheads="1" noChangeShapeType="1" noTextEdit="1"/>
+              </p:cNvSpPr>
+              <p:nvPr>
+                <p:ph idx="1"/>
+              </p:nvPr>
+            </p:nvSpPr>
+            <p:spPr>
+              <a:blipFill>
+                <a:blip r:embed="rId2"/>
+                <a:stretch>
+                  <a:fillRect l="-1217" t="-2241"/>
+                </a:stretch>
+              </a:blipFill>
+            </p:spPr>
+            <p:txBody>
+              <a:bodyPr/>
+              <a:lstStyle/>
+              <a:p>
+                <a:r>
+                  <a:rPr lang="en-US">
+                    <a:noFill/>
+                  </a:rPr>
+                  <a:t> </a:t>
+                </a:r>
+              </a:p>
+            </p:txBody>
+          </p:sp>
+        </mc:Fallback>
+      </mc:AlternateContent>
+    </p:spTree>
+    <p:extLst>
+      <p:ext uri="{BB962C8B-B14F-4D97-AF65-F5344CB8AC3E}">
+        <p14:creationId xmlns:p14="http://schemas.microsoft.com/office/powerpoint/2010/main" val="966005973"/>
+      </p:ext>
+    </p:extLst>
+  </p:cSld>
+  <p:clrMapOvr>
+    <a:masterClrMapping/>
+  </p:clrMapOvr>
+</p:sld>
+</file>
+
+<file path=ppt/slides/slide12.xml><?xml version="1.0" encoding="utf-8"?>
+<p:sld xmlns:a="http://schemas.openxmlformats.org/drawingml/2006/main" xmlns:r="http://schemas.openxmlformats.org/officeDocument/2006/relationships" xmlns:p="http://schemas.openxmlformats.org/presentationml/2006/main">
+  <p:cSld>
+    <p:spTree>
+      <p:nvGrpSpPr>
+        <p:cNvPr id="1" name=""/>
+        <p:cNvGrpSpPr/>
+        <p:nvPr/>
+      </p:nvGrpSpPr>
+      <p:grpSpPr>
+        <a:xfrm>
+          <a:off x="0" y="0"/>
+          <a:ext cx="0" cy="0"/>
+          <a:chOff x="0" y="0"/>
+          <a:chExt cx="0" cy="0"/>
+        </a:xfrm>
+      </p:grpSpPr>
+      <p:sp>
+        <p:nvSpPr>
+          <p:cNvPr id="2" name="Title 1">
+            <a:extLst>
+              <a:ext uri="{FF2B5EF4-FFF2-40B4-BE49-F238E27FC236}">
+                <a16:creationId xmlns:a16="http://schemas.microsoft.com/office/drawing/2014/main" id="{174F94A1-DA7E-497E-91AA-37D78594A83B}"/>
+              </a:ext>
+            </a:extLst>
+          </p:cNvPr>
+          <p:cNvSpPr>
+            <a:spLocks noGrp="1"/>
+          </p:cNvSpPr>
+          <p:nvPr>
+            <p:ph type="title"/>
+          </p:nvPr>
+        </p:nvSpPr>
+        <p:spPr/>
+        <p:txBody>
+          <a:bodyPr/>
+          <a:lstStyle/>
+          <a:p>
+            <a:r>
+              <a:rPr lang="en-US" dirty="0"/>
+              <a:t>Decoding modules</a:t>
+            </a:r>
+          </a:p>
+        </p:txBody>
+      </p:sp>
+      <p:pic>
+        <p:nvPicPr>
+          <p:cNvPr id="4" name="Picture 3">
+            <a:extLst>
+              <a:ext uri="{FF2B5EF4-FFF2-40B4-BE49-F238E27FC236}">
+                <a16:creationId xmlns:a16="http://schemas.microsoft.com/office/drawing/2014/main" id="{10C4A670-527A-42D6-8996-5399F38E4D06}"/>
+              </a:ext>
+            </a:extLst>
+          </p:cNvPr>
+          <p:cNvPicPr>
+            <a:picLocks noChangeAspect="1"/>
+          </p:cNvPicPr>
+          <p:nvPr/>
+        </p:nvPicPr>
+        <p:blipFill>
+          <a:blip r:embed="rId2"/>
+          <a:stretch>
+            <a:fillRect/>
+          </a:stretch>
+        </p:blipFill>
+        <p:spPr>
+          <a:xfrm>
+            <a:off x="2595562" y="1752600"/>
+            <a:ext cx="7000875" cy="5105400"/>
+          </a:xfrm>
+          <a:prstGeom prst="rect">
+            <a:avLst/>
+          </a:prstGeom>
+        </p:spPr>
+      </p:pic>
+    </p:spTree>
+    <p:extLst>
+      <p:ext uri="{BB962C8B-B14F-4D97-AF65-F5344CB8AC3E}">
+        <p14:creationId xmlns:p14="http://schemas.microsoft.com/office/powerpoint/2010/main" val="2713851268"/>
+      </p:ext>
+    </p:extLst>
+  </p:cSld>
+  <p:clrMapOvr>
+    <a:masterClrMapping/>
+  </p:clrMapOvr>
+</p:sld>
+</file>
+
+<file path=ppt/slides/slide13.xml><?xml version="1.0" encoding="utf-8"?>
+<p:sld xmlns:a="http://schemas.openxmlformats.org/drawingml/2006/main" xmlns:r="http://schemas.openxmlformats.org/officeDocument/2006/relationships" xmlns:p="http://schemas.openxmlformats.org/presentationml/2006/main">
+  <p:cSld>
+    <p:spTree>
+      <p:nvGrpSpPr>
+        <p:cNvPr id="1" name=""/>
+        <p:cNvGrpSpPr/>
+        <p:nvPr/>
+      </p:nvGrpSpPr>
+      <p:grpSpPr>
+        <a:xfrm>
+          <a:off x="0" y="0"/>
+          <a:ext cx="0" cy="0"/>
+          <a:chOff x="0" y="0"/>
+          <a:chExt cx="0" cy="0"/>
+        </a:xfrm>
+      </p:grpSpPr>
+      <p:sp>
+        <p:nvSpPr>
+          <p:cNvPr id="2" name="Title 1">
+            <a:extLst>
+              <a:ext uri="{FF2B5EF4-FFF2-40B4-BE49-F238E27FC236}">
+                <a16:creationId xmlns:a16="http://schemas.microsoft.com/office/drawing/2014/main" id="{6201C8E8-0716-4D84-A6A2-7FB6CCEFC05F}"/>
+              </a:ext>
+            </a:extLst>
+          </p:cNvPr>
+          <p:cNvSpPr>
+            <a:spLocks noGrp="1"/>
+          </p:cNvSpPr>
+          <p:nvPr>
+            <p:ph type="title"/>
+          </p:nvPr>
+        </p:nvSpPr>
+        <p:spPr/>
+        <p:txBody>
+          <a:bodyPr/>
+          <a:lstStyle/>
+          <a:p>
+            <a:r>
+              <a:rPr lang="en-US" dirty="0"/>
+              <a:t>Decoding modules</a:t>
+            </a:r>
+          </a:p>
+        </p:txBody>
+      </p:sp>
+      <mc:AlternateContent xmlns:mc="http://schemas.openxmlformats.org/markup-compatibility/2006">
+        <mc:Choice xmlns:a14="http://schemas.microsoft.com/office/drawing/2010/main" Requires="a14">
+          <p:sp>
+            <p:nvSpPr>
+              <p:cNvPr id="3" name="Content Placeholder 2">
+                <a:extLst>
+                  <a:ext uri="{FF2B5EF4-FFF2-40B4-BE49-F238E27FC236}">
+                    <a16:creationId xmlns:a16="http://schemas.microsoft.com/office/drawing/2014/main" id="{52F590DD-317F-4785-AEAB-C470EFF4811E}"/>
+                  </a:ext>
+                </a:extLst>
+              </p:cNvPr>
+              <p:cNvSpPr>
+                <a:spLocks noGrp="1"/>
+              </p:cNvSpPr>
+              <p:nvPr>
+                <p:ph idx="1"/>
+              </p:nvPr>
+            </p:nvSpPr>
+            <p:spPr/>
+            <p:txBody>
+              <a:bodyPr>
+                <a:normAutofit fontScale="92500" lnSpcReduction="10000"/>
+              </a:bodyPr>
+              <a:lstStyle/>
+              <a:p>
+                <a:r>
+                  <a:rPr lang="en-US" dirty="0"/>
+                  <a:t>Qualitative decoding</a:t>
+                </a:r>
+              </a:p>
+              <a:p>
+                <a:pPr>
+                  <a:buFontTx/>
+                  <a:buChar char="-"/>
+                </a:pPr>
+                <a:r>
+                  <a:rPr lang="en-US" dirty="0"/>
+                  <a:t>One-by-one minimization and maximization decoding which gives</a:t>
+                </a:r>
+              </a:p>
+              <a:p>
+                <a:pPr marL="0" indent="0">
+                  <a:buNone/>
+                </a:pPr>
+                <a:r>
+                  <a:rPr lang="en-US" dirty="0"/>
+                  <a:t>   (1) estimate of upper bound </a:t>
+                </a:r>
+                <a14:m>
+                  <m:oMath xmlns:m="http://schemas.openxmlformats.org/officeDocument/2006/math">
+                    <m:r>
+                      <a:rPr lang="en-US" b="0" i="1" smtClean="0">
+                        <a:latin typeface="Cambria Math" panose="02040503050406030204" pitchFamily="18" charset="0"/>
+                      </a:rPr>
+                      <m:t>𝑈𝑏</m:t>
+                    </m:r>
+                    <m:r>
+                      <a:rPr lang="en-US" b="0" i="1" smtClean="0">
+                        <a:latin typeface="Cambria Math" panose="02040503050406030204" pitchFamily="18" charset="0"/>
+                      </a:rPr>
+                      <m:t>∈</m:t>
+                    </m:r>
+                    <m:sSup>
+                      <m:sSupPr>
+                        <m:ctrlPr>
+                          <a:rPr lang="en-US" b="0" i="1" smtClean="0">
+                            <a:latin typeface="Cambria Math" panose="02040503050406030204" pitchFamily="18" charset="0"/>
+                          </a:rPr>
+                        </m:ctrlPr>
+                      </m:sSupPr>
+                      <m:e>
+                        <m:r>
+                          <a:rPr lang="en-US" b="0" i="1" smtClean="0">
+                            <a:latin typeface="Cambria Math" panose="02040503050406030204" pitchFamily="18" charset="0"/>
+                          </a:rPr>
+                          <m:t>𝑅</m:t>
+                        </m:r>
+                      </m:e>
+                      <m:sup>
+                        <m:r>
+                          <a:rPr lang="en-US" b="0" i="1" smtClean="0">
+                            <a:latin typeface="Cambria Math" panose="02040503050406030204" pitchFamily="18" charset="0"/>
+                          </a:rPr>
+                          <m:t>𝑁</m:t>
+                        </m:r>
+                      </m:sup>
+                    </m:sSup>
+                  </m:oMath>
+                </a14:m>
+                <a:r>
+                  <a:rPr lang="en-US" dirty="0"/>
+                  <a:t> and lower bound </a:t>
+                </a:r>
+                <a14:m>
+                  <m:oMath xmlns:m="http://schemas.openxmlformats.org/officeDocument/2006/math">
+                    <m:r>
+                      <a:rPr lang="en-US" b="0" i="1" smtClean="0">
+                        <a:latin typeface="Cambria Math" panose="02040503050406030204" pitchFamily="18" charset="0"/>
+                      </a:rPr>
+                      <m:t>𝐿</m:t>
+                    </m:r>
+                    <m:r>
+                      <a:rPr lang="en-US" i="1">
+                        <a:latin typeface="Cambria Math" panose="02040503050406030204" pitchFamily="18" charset="0"/>
+                      </a:rPr>
+                      <m:t>𝑏</m:t>
+                    </m:r>
+                    <m:r>
+                      <a:rPr lang="en-US" i="1">
+                        <a:latin typeface="Cambria Math" panose="02040503050406030204" pitchFamily="18" charset="0"/>
+                      </a:rPr>
+                      <m:t>∈</m:t>
+                    </m:r>
+                    <m:sSup>
+                      <m:sSupPr>
+                        <m:ctrlPr>
+                          <a:rPr lang="en-US" i="1">
+                            <a:latin typeface="Cambria Math" panose="02040503050406030204" pitchFamily="18" charset="0"/>
+                          </a:rPr>
+                        </m:ctrlPr>
+                      </m:sSupPr>
+                      <m:e>
+                        <m:r>
+                          <a:rPr lang="en-US" i="1">
+                            <a:latin typeface="Cambria Math" panose="02040503050406030204" pitchFamily="18" charset="0"/>
+                          </a:rPr>
+                          <m:t>𝑅</m:t>
+                        </m:r>
+                      </m:e>
+                      <m:sup>
+                        <m:r>
+                          <a:rPr lang="en-US" i="1">
+                            <a:latin typeface="Cambria Math" panose="02040503050406030204" pitchFamily="18" charset="0"/>
+                          </a:rPr>
+                          <m:t>𝑁</m:t>
+                        </m:r>
+                      </m:sup>
+                    </m:sSup>
+                  </m:oMath>
+                </a14:m>
+                <a:r>
+                  <a:rPr lang="en-US" dirty="0"/>
+                  <a:t> for  each individual sample </a:t>
+                </a:r>
+              </a:p>
+              <a:p>
+                <a:pPr marL="0" indent="0">
+                  <a:buNone/>
+                </a:pPr>
+                <a:r>
+                  <a:rPr lang="en-US" dirty="0"/>
+                  <a:t>   (2) three index sets </a:t>
+                </a:r>
+                <a14:m>
+                  <m:oMath xmlns:m="http://schemas.openxmlformats.org/officeDocument/2006/math">
+                    <m:r>
+                      <a:rPr lang="en-US" b="0" i="1" dirty="0" smtClean="0">
+                        <a:latin typeface="Cambria Math" panose="02040503050406030204" pitchFamily="18" charset="0"/>
+                      </a:rPr>
+                      <m:t>𝑈𝑛𝑑</m:t>
+                    </m:r>
+                    <m:r>
+                      <a:rPr lang="en-US" b="0" i="1" dirty="0" smtClean="0">
+                        <a:latin typeface="Cambria Math" panose="02040503050406030204" pitchFamily="18" charset="0"/>
+                      </a:rPr>
+                      <m:t>,</m:t>
+                    </m:r>
+                    <m:r>
+                      <a:rPr lang="en-US" b="0" i="1" dirty="0" smtClean="0">
+                        <a:latin typeface="Cambria Math" panose="02040503050406030204" pitchFamily="18" charset="0"/>
+                      </a:rPr>
+                      <m:t>𝑃𝑜𝑠</m:t>
+                    </m:r>
+                    <m:r>
+                      <a:rPr lang="en-US" b="0" i="1" dirty="0" smtClean="0">
+                        <a:latin typeface="Cambria Math" panose="02040503050406030204" pitchFamily="18" charset="0"/>
+                      </a:rPr>
+                      <m:t>,</m:t>
+                    </m:r>
+                    <m:r>
+                      <a:rPr lang="en-US" b="0" i="1" dirty="0" smtClean="0">
+                        <a:latin typeface="Cambria Math" panose="02040503050406030204" pitchFamily="18" charset="0"/>
+                      </a:rPr>
+                      <m:t>𝑁𝑒𝑔</m:t>
+                    </m:r>
+                  </m:oMath>
+                </a14:m>
+                <a:endParaRPr lang="en-US" dirty="0"/>
+              </a:p>
+              <a:p>
+                <a:pPr marL="0" indent="0">
+                  <a:buNone/>
+                </a:pPr>
+                <a:r>
+                  <a:rPr lang="en-US" dirty="0"/>
+                  <a:t>         </a:t>
+                </a:r>
+                <a14:m>
+                  <m:oMath xmlns:m="http://schemas.openxmlformats.org/officeDocument/2006/math">
+                    <m:r>
+                      <a:rPr lang="en-US" b="0" i="1" smtClean="0">
+                        <a:latin typeface="Cambria Math" panose="02040503050406030204" pitchFamily="18" charset="0"/>
+                      </a:rPr>
+                      <m:t>𝑃𝑜𝑠</m:t>
+                    </m:r>
+                  </m:oMath>
+                </a14:m>
+                <a:r>
+                  <a:rPr lang="en-US" dirty="0"/>
+                  <a:t>: positive index set of indices of samples whose lower bound is greater than a threshold </a:t>
+                </a:r>
+                <a14:m>
+                  <m:oMath xmlns:m="http://schemas.openxmlformats.org/officeDocument/2006/math">
+                    <m:r>
+                      <a:rPr lang="en-US" b="0" i="1" smtClean="0">
+                        <a:latin typeface="Cambria Math" panose="02040503050406030204" pitchFamily="18" charset="0"/>
+                      </a:rPr>
+                      <m:t>𝜏</m:t>
+                    </m:r>
+                  </m:oMath>
+                </a14:m>
+                <a:r>
+                  <a:rPr lang="en-US" dirty="0"/>
+                  <a:t>, i.e., </a:t>
+                </a:r>
+                <a14:m>
+                  <m:oMath xmlns:m="http://schemas.openxmlformats.org/officeDocument/2006/math">
+                    <m:r>
+                      <a:rPr lang="en-US" b="0" i="1" smtClean="0">
+                        <a:latin typeface="Cambria Math" panose="02040503050406030204" pitchFamily="18" charset="0"/>
+                      </a:rPr>
+                      <m:t>𝑃</m:t>
+                    </m:r>
+                    <m:r>
+                      <a:rPr lang="en-US" b="0" i="1" smtClean="0">
+                        <a:latin typeface="Cambria Math" panose="02040503050406030204" pitchFamily="18" charset="0"/>
+                      </a:rPr>
+                      <m:t>={</m:t>
+                    </m:r>
+                    <m:r>
+                      <a:rPr lang="en-US" b="0" i="1" smtClean="0">
+                        <a:latin typeface="Cambria Math" panose="02040503050406030204" pitchFamily="18" charset="0"/>
+                      </a:rPr>
+                      <m:t>𝑖</m:t>
+                    </m:r>
+                    <m:r>
+                      <a:rPr lang="en-US" b="0" i="1" smtClean="0">
+                        <a:latin typeface="Cambria Math" panose="02040503050406030204" pitchFamily="18" charset="0"/>
+                      </a:rPr>
+                      <m:t>∈</m:t>
+                    </m:r>
+                    <m:d>
+                      <m:dPr>
+                        <m:begChr m:val="["/>
+                        <m:endChr m:val="]"/>
+                        <m:ctrlPr>
+                          <a:rPr lang="en-US" b="0" i="1" smtClean="0">
+                            <a:latin typeface="Cambria Math" panose="02040503050406030204" pitchFamily="18" charset="0"/>
+                          </a:rPr>
+                        </m:ctrlPr>
+                      </m:dPr>
+                      <m:e>
+                        <m:r>
+                          <a:rPr lang="en-US" b="0" i="1" smtClean="0">
+                            <a:latin typeface="Cambria Math" panose="02040503050406030204" pitchFamily="18" charset="0"/>
+                          </a:rPr>
+                          <m:t>𝑁</m:t>
+                        </m:r>
+                      </m:e>
+                    </m:d>
+                    <m:r>
+                      <a:rPr lang="en-US" b="0" i="1" smtClean="0">
+                        <a:latin typeface="Cambria Math" panose="02040503050406030204" pitchFamily="18" charset="0"/>
+                      </a:rPr>
+                      <m:t>:</m:t>
+                    </m:r>
+                    <m:sSub>
+                      <m:sSubPr>
+                        <m:ctrlPr>
+                          <a:rPr lang="en-US" b="0" i="1" smtClean="0">
+                            <a:latin typeface="Cambria Math" panose="02040503050406030204" pitchFamily="18" charset="0"/>
+                          </a:rPr>
+                        </m:ctrlPr>
+                      </m:sSubPr>
+                      <m:e>
+                        <m:d>
+                          <m:dPr>
+                            <m:begChr m:val="["/>
+                            <m:endChr m:val="]"/>
+                            <m:ctrlPr>
+                              <a:rPr lang="en-US" b="0" i="1" smtClean="0">
+                                <a:latin typeface="Cambria Math" panose="02040503050406030204" pitchFamily="18" charset="0"/>
+                              </a:rPr>
+                            </m:ctrlPr>
+                          </m:dPr>
+                          <m:e>
+                            <m:r>
+                              <a:rPr lang="en-US" b="0" i="1" smtClean="0">
+                                <a:latin typeface="Cambria Math" panose="02040503050406030204" pitchFamily="18" charset="0"/>
+                              </a:rPr>
+                              <m:t>𝐿𝐵</m:t>
+                            </m:r>
+                          </m:e>
+                        </m:d>
+                      </m:e>
+                      <m:sub>
+                        <m:r>
+                          <a:rPr lang="en-US" b="0" i="1" smtClean="0">
+                            <a:latin typeface="Cambria Math" panose="02040503050406030204" pitchFamily="18" charset="0"/>
+                          </a:rPr>
+                          <m:t>𝑖</m:t>
+                        </m:r>
+                      </m:sub>
+                    </m:sSub>
+                    <m:r>
+                      <a:rPr lang="en-US" b="0" i="1" smtClean="0">
+                        <a:latin typeface="Cambria Math" panose="02040503050406030204" pitchFamily="18" charset="0"/>
+                      </a:rPr>
+                      <m:t>≥</m:t>
+                    </m:r>
+                    <m:r>
+                      <a:rPr lang="en-US" b="0" i="1" smtClean="0">
+                        <a:latin typeface="Cambria Math" panose="02040503050406030204" pitchFamily="18" charset="0"/>
+                      </a:rPr>
+                      <m:t>𝜏</m:t>
+                    </m:r>
+                    <m:r>
+                      <a:rPr lang="en-US" b="0" i="1" smtClean="0">
+                        <a:latin typeface="Cambria Math" panose="02040503050406030204" pitchFamily="18" charset="0"/>
+                      </a:rPr>
+                      <m:t>}</m:t>
+                    </m:r>
+                  </m:oMath>
+                </a14:m>
+                <a:endParaRPr lang="en-US" dirty="0"/>
+              </a:p>
+              <a:p>
+                <a:pPr marL="0" indent="0">
+                  <a:buNone/>
+                </a:pPr>
+                <a:r>
+                  <a:rPr lang="en-US" dirty="0"/>
+                  <a:t>         </a:t>
+                </a:r>
+                <a14:m>
+                  <m:oMath xmlns:m="http://schemas.openxmlformats.org/officeDocument/2006/math">
+                    <m:r>
+                      <a:rPr lang="en-US" b="0" i="1" smtClean="0">
+                        <a:latin typeface="Cambria Math" panose="02040503050406030204" pitchFamily="18" charset="0"/>
+                      </a:rPr>
+                      <m:t>𝑁𝑒𝑔</m:t>
+                    </m:r>
+                  </m:oMath>
+                </a14:m>
+                <a:r>
+                  <a:rPr lang="en-US" dirty="0"/>
+                  <a:t>: negative index set of indices of samples whose lower bound is greater than a threshold </a:t>
+                </a:r>
+                <a14:m>
+                  <m:oMath xmlns:m="http://schemas.openxmlformats.org/officeDocument/2006/math">
+                    <m:r>
+                      <a:rPr lang="en-US" i="1">
+                        <a:latin typeface="Cambria Math" panose="02040503050406030204" pitchFamily="18" charset="0"/>
+                      </a:rPr>
+                      <m:t>𝜏</m:t>
+                    </m:r>
+                  </m:oMath>
+                </a14:m>
+                <a:r>
+                  <a:rPr lang="en-US" dirty="0"/>
+                  <a:t>, i.e., </a:t>
+                </a:r>
+                <a14:m>
+                  <m:oMath xmlns:m="http://schemas.openxmlformats.org/officeDocument/2006/math">
+                    <m:r>
+                      <a:rPr lang="en-US" b="0" i="1" dirty="0" smtClean="0">
+                        <a:latin typeface="Cambria Math" panose="02040503050406030204" pitchFamily="18" charset="0"/>
+                      </a:rPr>
+                      <m:t>𝑁</m:t>
+                    </m:r>
+                    <m:r>
+                      <a:rPr lang="en-US" i="1">
+                        <a:latin typeface="Cambria Math" panose="02040503050406030204" pitchFamily="18" charset="0"/>
+                      </a:rPr>
+                      <m:t>={</m:t>
+                    </m:r>
+                    <m:r>
+                      <a:rPr lang="en-US" i="1">
+                        <a:latin typeface="Cambria Math" panose="02040503050406030204" pitchFamily="18" charset="0"/>
+                      </a:rPr>
+                      <m:t>𝑖</m:t>
+                    </m:r>
+                    <m:r>
+                      <a:rPr lang="en-US" i="1">
+                        <a:latin typeface="Cambria Math" panose="02040503050406030204" pitchFamily="18" charset="0"/>
+                      </a:rPr>
+                      <m:t>∈</m:t>
+                    </m:r>
+                    <m:d>
+                      <m:dPr>
+                        <m:begChr m:val="["/>
+                        <m:endChr m:val="]"/>
+                        <m:ctrlPr>
+                          <a:rPr lang="en-US" i="1">
+                            <a:latin typeface="Cambria Math" panose="02040503050406030204" pitchFamily="18" charset="0"/>
+                          </a:rPr>
+                        </m:ctrlPr>
+                      </m:dPr>
+                      <m:e>
+                        <m:r>
+                          <a:rPr lang="en-US" i="1">
+                            <a:latin typeface="Cambria Math" panose="02040503050406030204" pitchFamily="18" charset="0"/>
+                          </a:rPr>
+                          <m:t>𝑁</m:t>
+                        </m:r>
+                      </m:e>
+                    </m:d>
+                    <m:r>
+                      <a:rPr lang="en-US" i="1">
+                        <a:latin typeface="Cambria Math" panose="02040503050406030204" pitchFamily="18" charset="0"/>
+                      </a:rPr>
+                      <m:t>:</m:t>
+                    </m:r>
+                    <m:sSub>
+                      <m:sSubPr>
+                        <m:ctrlPr>
+                          <a:rPr lang="en-US" i="1">
+                            <a:latin typeface="Cambria Math" panose="02040503050406030204" pitchFamily="18" charset="0"/>
+                          </a:rPr>
+                        </m:ctrlPr>
+                      </m:sSubPr>
+                      <m:e>
+                        <m:d>
+                          <m:dPr>
+                            <m:begChr m:val="["/>
+                            <m:endChr m:val="]"/>
+                            <m:ctrlPr>
+                              <a:rPr lang="en-US" i="1">
+                                <a:latin typeface="Cambria Math" panose="02040503050406030204" pitchFamily="18" charset="0"/>
+                              </a:rPr>
+                            </m:ctrlPr>
+                          </m:dPr>
+                          <m:e>
+                            <m:r>
+                              <a:rPr lang="en-US" b="0" i="1" smtClean="0">
+                                <a:latin typeface="Cambria Math" panose="02040503050406030204" pitchFamily="18" charset="0"/>
+                              </a:rPr>
+                              <m:t>𝑈</m:t>
+                            </m:r>
+                            <m:r>
+                              <a:rPr lang="en-US" i="1">
+                                <a:latin typeface="Cambria Math" panose="02040503050406030204" pitchFamily="18" charset="0"/>
+                              </a:rPr>
+                              <m:t>𝐵</m:t>
+                            </m:r>
+                          </m:e>
+                        </m:d>
+                      </m:e>
+                      <m:sub>
+                        <m:r>
+                          <a:rPr lang="en-US" i="1">
+                            <a:latin typeface="Cambria Math" panose="02040503050406030204" pitchFamily="18" charset="0"/>
+                          </a:rPr>
+                          <m:t>𝑖</m:t>
+                        </m:r>
+                      </m:sub>
+                    </m:sSub>
+                    <m:r>
+                      <a:rPr lang="en-US" b="0" i="1" smtClean="0">
+                        <a:latin typeface="Cambria Math" panose="02040503050406030204" pitchFamily="18" charset="0"/>
+                      </a:rPr>
+                      <m:t>≤</m:t>
+                    </m:r>
+                    <m:r>
+                      <a:rPr lang="en-US" i="1">
+                        <a:latin typeface="Cambria Math" panose="02040503050406030204" pitchFamily="18" charset="0"/>
+                      </a:rPr>
+                      <m:t>𝜏</m:t>
+                    </m:r>
+                    <m:r>
+                      <a:rPr lang="en-US" i="1">
+                        <a:latin typeface="Cambria Math" panose="02040503050406030204" pitchFamily="18" charset="0"/>
+                      </a:rPr>
+                      <m:t>}</m:t>
+                    </m:r>
+                  </m:oMath>
+                </a14:m>
+                <a:endParaRPr lang="en-US" dirty="0"/>
+              </a:p>
+              <a:p>
+                <a:pPr marL="0" indent="0">
+                  <a:buNone/>
+                </a:pPr>
+                <a:r>
+                  <a:rPr lang="en-US" dirty="0"/>
+                  <a:t>         </a:t>
+                </a:r>
+                <a14:m>
+                  <m:oMath xmlns:m="http://schemas.openxmlformats.org/officeDocument/2006/math">
+                    <m:r>
+                      <a:rPr lang="en-US" b="0" i="1" smtClean="0">
+                        <a:latin typeface="Cambria Math" panose="02040503050406030204" pitchFamily="18" charset="0"/>
+                      </a:rPr>
+                      <m:t>𝑈𝑛𝑑</m:t>
+                    </m:r>
+                  </m:oMath>
+                </a14:m>
+                <a:r>
+                  <a:rPr lang="en-US" dirty="0"/>
+                  <a:t>: set of indices of samples whose status is undetermined, i.e., </a:t>
+                </a:r>
+                <a14:m>
+                  <m:oMath xmlns:m="http://schemas.openxmlformats.org/officeDocument/2006/math">
+                    <m:r>
+                      <a:rPr lang="en-US" b="0" i="1" smtClean="0">
+                        <a:latin typeface="Cambria Math" panose="02040503050406030204" pitchFamily="18" charset="0"/>
+                      </a:rPr>
+                      <m:t>𝑈𝑛𝑑</m:t>
+                    </m:r>
+                    <m:r>
+                      <a:rPr lang="en-US" b="0" i="1" smtClean="0">
+                        <a:latin typeface="Cambria Math" panose="02040503050406030204" pitchFamily="18" charset="0"/>
+                      </a:rPr>
+                      <m:t>=</m:t>
+                    </m:r>
+                    <m:d>
+                      <m:dPr>
+                        <m:begChr m:val="["/>
+                        <m:endChr m:val="]"/>
+                        <m:ctrlPr>
+                          <a:rPr lang="en-US" b="0" i="1" smtClean="0">
+                            <a:latin typeface="Cambria Math" panose="02040503050406030204" pitchFamily="18" charset="0"/>
+                          </a:rPr>
+                        </m:ctrlPr>
+                      </m:dPr>
+                      <m:e>
+                        <m:r>
+                          <a:rPr lang="en-US" b="0" i="1" smtClean="0">
+                            <a:latin typeface="Cambria Math" panose="02040503050406030204" pitchFamily="18" charset="0"/>
+                          </a:rPr>
+                          <m:t>𝑁</m:t>
+                        </m:r>
+                      </m:e>
+                    </m:d>
+                    <m:r>
+                      <a:rPr lang="en-US" b="0" i="1" smtClean="0">
+                        <a:latin typeface="Cambria Math" panose="02040503050406030204" pitchFamily="18" charset="0"/>
+                      </a:rPr>
+                      <m:t>\</m:t>
+                    </m:r>
+                    <m:r>
+                      <m:rPr>
+                        <m:lit/>
+                      </m:rPr>
+                      <a:rPr lang="en-US" b="0" i="1" smtClean="0">
+                        <a:latin typeface="Cambria Math" panose="02040503050406030204" pitchFamily="18" charset="0"/>
+                      </a:rPr>
+                      <m:t>(</m:t>
+                    </m:r>
+                    <m:r>
+                      <a:rPr lang="en-US" b="0" i="1" smtClean="0">
+                        <a:latin typeface="Cambria Math" panose="02040503050406030204" pitchFamily="18" charset="0"/>
+                      </a:rPr>
+                      <m:t>𝑃𝑜𝑠</m:t>
+                    </m:r>
+                    <m:r>
+                      <a:rPr lang="en-US" b="0" i="1" smtClean="0">
+                        <a:latin typeface="Cambria Math" panose="02040503050406030204" pitchFamily="18" charset="0"/>
+                      </a:rPr>
+                      <m:t>∪</m:t>
+                    </m:r>
+                    <m:r>
+                      <a:rPr lang="en-US" b="0" i="1" smtClean="0">
+                        <a:latin typeface="Cambria Math" panose="02040503050406030204" pitchFamily="18" charset="0"/>
+                      </a:rPr>
+                      <m:t>𝑁𝑒𝑔</m:t>
+                    </m:r>
+                    <m:r>
+                      <a:rPr lang="en-US" b="0" i="1" smtClean="0">
+                        <a:latin typeface="Cambria Math" panose="02040503050406030204" pitchFamily="18" charset="0"/>
+                      </a:rPr>
+                      <m:t>)</m:t>
+                    </m:r>
+                  </m:oMath>
+                </a14:m>
+                <a:endParaRPr lang="en-US" dirty="0"/>
+              </a:p>
+              <a:p>
+                <a:pPr marL="0" indent="0">
+                  <a:buNone/>
+                </a:pPr>
+                <a:endParaRPr lang="en-US" dirty="0"/>
+              </a:p>
+              <a:p>
+                <a:pPr marL="0" indent="0">
+                  <a:buNone/>
+                </a:pPr>
+                <a:endParaRPr lang="en-US" dirty="0"/>
+              </a:p>
+            </p:txBody>
+          </p:sp>
+        </mc:Choice>
+        <mc:Fallback>
+          <p:sp>
+            <p:nvSpPr>
+              <p:cNvPr id="3" name="Content Placeholder 2">
+                <a:extLst>
+                  <a:ext uri="{FF2B5EF4-FFF2-40B4-BE49-F238E27FC236}">
+                    <a16:creationId xmlns:a16="http://schemas.microsoft.com/office/drawing/2014/main" id="{52F590DD-317F-4785-AEAB-C470EFF4811E}"/>
+                  </a:ext>
+                </a:extLst>
+              </p:cNvPr>
+              <p:cNvSpPr>
+                <a:spLocks noGrp="1" noRot="1" noChangeAspect="1" noMove="1" noResize="1" noEditPoints="1" noAdjustHandles="1" noChangeArrowheads="1" noChangeShapeType="1" noTextEdit="1"/>
+              </p:cNvSpPr>
+              <p:nvPr>
+                <p:ph idx="1"/>
+              </p:nvPr>
+            </p:nvSpPr>
+            <p:spPr>
+              <a:blipFill>
+                <a:blip r:embed="rId3"/>
+                <a:stretch>
+                  <a:fillRect l="-1101" t="-2801"/>
+                </a:stretch>
+              </a:blipFill>
+            </p:spPr>
+            <p:txBody>
+              <a:bodyPr/>
+              <a:lstStyle/>
+              <a:p>
+                <a:r>
+                  <a:rPr lang="en-US">
+                    <a:noFill/>
+                  </a:rPr>
+                  <a:t> </a:t>
+                </a:r>
+              </a:p>
+            </p:txBody>
+          </p:sp>
+        </mc:Fallback>
+      </mc:AlternateContent>
+    </p:spTree>
+    <p:extLst>
+      <p:ext uri="{BB962C8B-B14F-4D97-AF65-F5344CB8AC3E}">
+        <p14:creationId xmlns:p14="http://schemas.microsoft.com/office/powerpoint/2010/main" val="3792322169"/>
+      </p:ext>
+    </p:extLst>
+  </p:cSld>
+  <p:clrMapOvr>
+    <a:masterClrMapping/>
+  </p:clrMapOvr>
+</p:sld>
+</file>
+
+<file path=ppt/slides/slide14.xml><?xml version="1.0" encoding="utf-8"?>
+<p:sld xmlns:a="http://schemas.openxmlformats.org/drawingml/2006/main" xmlns:r="http://schemas.openxmlformats.org/officeDocument/2006/relationships" xmlns:p="http://schemas.openxmlformats.org/presentationml/2006/main">
+  <p:cSld>
+    <p:spTree>
+      <p:nvGrpSpPr>
+        <p:cNvPr id="1" name=""/>
+        <p:cNvGrpSpPr/>
+        <p:nvPr/>
+      </p:nvGrpSpPr>
+      <p:grpSpPr>
+        <a:xfrm>
+          <a:off x="0" y="0"/>
+          <a:ext cx="0" cy="0"/>
+          <a:chOff x="0" y="0"/>
+          <a:chExt cx="0" cy="0"/>
+        </a:xfrm>
+      </p:grpSpPr>
+      <p:sp>
+        <p:nvSpPr>
+          <p:cNvPr id="2" name="Title 1">
+            <a:extLst>
+              <a:ext uri="{FF2B5EF4-FFF2-40B4-BE49-F238E27FC236}">
+                <a16:creationId xmlns:a16="http://schemas.microsoft.com/office/drawing/2014/main" id="{CF6C7F80-17C8-4D8E-8FC2-B635CE9F0DD1}"/>
+              </a:ext>
+            </a:extLst>
+          </p:cNvPr>
+          <p:cNvSpPr>
+            <a:spLocks noGrp="1"/>
+          </p:cNvSpPr>
+          <p:nvPr>
+            <p:ph type="title"/>
+          </p:nvPr>
+        </p:nvSpPr>
+        <p:spPr/>
+        <p:txBody>
+          <a:bodyPr/>
+          <a:lstStyle/>
+          <a:p>
+            <a:r>
+              <a:rPr lang="en-US" dirty="0"/>
+              <a:t>Decoding modules</a:t>
             </a:r>
           </a:p>
         </p:txBody>
@@ -4250,7 +5712,7 @@
           <p:cNvPr id="3" name="Content Placeholder 2">
             <a:extLst>
               <a:ext uri="{FF2B5EF4-FFF2-40B4-BE49-F238E27FC236}">
-                <a16:creationId xmlns:a16="http://schemas.microsoft.com/office/drawing/2014/main" id="{B2C5E1BB-A632-42A8-A117-1EDE84452497}"/>
+                <a16:creationId xmlns:a16="http://schemas.microsoft.com/office/drawing/2014/main" id="{A9B2E963-F2F4-41A5-9F52-AEE2E837C59B}"/>
               </a:ext>
             </a:extLst>
           </p:cNvPr>
@@ -4263,68 +5725,1670 @@
         </p:nvSpPr>
         <p:spPr/>
         <p:txBody>
-          <a:bodyPr>
-            <a:normAutofit lnSpcReduction="10000"/>
-          </a:bodyPr>
-          <a:lstStyle/>
-          <a:p>
-            <a:r>
-              <a:rPr lang="en-US" dirty="0"/>
-              <a:t>Choose virus type: </a:t>
-            </a:r>
+          <a:bodyPr/>
+          <a:lstStyle/>
+          <a:p>
+            <a:r>
+              <a:rPr lang="en-US" dirty="0"/>
+              <a:t>One-by-one minimization and maximization decoding</a:t>
+            </a:r>
+          </a:p>
+        </p:txBody>
+      </p:sp>
+      <p:pic>
+        <p:nvPicPr>
+          <p:cNvPr id="4" name="Picture 3">
+            <a:extLst>
+              <a:ext uri="{FF2B5EF4-FFF2-40B4-BE49-F238E27FC236}">
+                <a16:creationId xmlns:a16="http://schemas.microsoft.com/office/drawing/2014/main" id="{9EE37DE4-6E3B-49BB-8F63-F7451E43BD78}"/>
+              </a:ext>
+            </a:extLst>
+          </p:cNvPr>
+          <p:cNvPicPr>
+            <a:picLocks noChangeAspect="1"/>
+          </p:cNvPicPr>
+          <p:nvPr/>
+        </p:nvPicPr>
+        <p:blipFill>
+          <a:blip r:embed="rId2"/>
+          <a:stretch>
+            <a:fillRect/>
+          </a:stretch>
+        </p:blipFill>
+        <p:spPr>
+          <a:xfrm>
+            <a:off x="3769519" y="2600325"/>
+            <a:ext cx="4652962" cy="2756300"/>
+          </a:xfrm>
+          <a:prstGeom prst="rect">
+            <a:avLst/>
+          </a:prstGeom>
+        </p:spPr>
+      </p:pic>
+      <p:pic>
+        <p:nvPicPr>
+          <p:cNvPr id="5" name="Picture 4">
+            <a:extLst>
+              <a:ext uri="{FF2B5EF4-FFF2-40B4-BE49-F238E27FC236}">
+                <a16:creationId xmlns:a16="http://schemas.microsoft.com/office/drawing/2014/main" id="{7415AAEC-B2F4-4C3A-A7CE-ADFB9079A46A}"/>
+              </a:ext>
+            </a:extLst>
+          </p:cNvPr>
+          <p:cNvPicPr>
+            <a:picLocks noChangeAspect="1"/>
+          </p:cNvPicPr>
+          <p:nvPr/>
+        </p:nvPicPr>
+        <p:blipFill>
+          <a:blip r:embed="rId3"/>
+          <a:stretch>
+            <a:fillRect/>
+          </a:stretch>
+        </p:blipFill>
+        <p:spPr>
+          <a:xfrm>
+            <a:off x="3769519" y="5671544"/>
+            <a:ext cx="4886325" cy="228600"/>
+          </a:xfrm>
+          <a:prstGeom prst="rect">
+            <a:avLst/>
+          </a:prstGeom>
+        </p:spPr>
+      </p:pic>
+    </p:spTree>
+    <p:extLst>
+      <p:ext uri="{BB962C8B-B14F-4D97-AF65-F5344CB8AC3E}">
+        <p14:creationId xmlns:p14="http://schemas.microsoft.com/office/powerpoint/2010/main" val="162883558"/>
+      </p:ext>
+    </p:extLst>
+  </p:cSld>
+  <p:clrMapOvr>
+    <a:masterClrMapping/>
+  </p:clrMapOvr>
+</p:sld>
+</file>
+
+<file path=ppt/slides/slide15.xml><?xml version="1.0" encoding="utf-8"?>
+<p:sld xmlns:a="http://schemas.openxmlformats.org/drawingml/2006/main" xmlns:r="http://schemas.openxmlformats.org/officeDocument/2006/relationships" xmlns:p="http://schemas.openxmlformats.org/presentationml/2006/main">
+  <p:cSld>
+    <p:spTree>
+      <p:nvGrpSpPr>
+        <p:cNvPr id="1" name=""/>
+        <p:cNvGrpSpPr/>
+        <p:nvPr/>
+      </p:nvGrpSpPr>
+      <p:grpSpPr>
+        <a:xfrm>
+          <a:off x="0" y="0"/>
+          <a:ext cx="0" cy="0"/>
+          <a:chOff x="0" y="0"/>
+          <a:chExt cx="0" cy="0"/>
+        </a:xfrm>
+      </p:grpSpPr>
+      <p:sp>
+        <p:nvSpPr>
+          <p:cNvPr id="2" name="Title 1">
+            <a:extLst>
+              <a:ext uri="{FF2B5EF4-FFF2-40B4-BE49-F238E27FC236}">
+                <a16:creationId xmlns:a16="http://schemas.microsoft.com/office/drawing/2014/main" id="{A691B1A1-97CA-413F-8A4B-0C6D1A2C7878}"/>
+              </a:ext>
+            </a:extLst>
+          </p:cNvPr>
+          <p:cNvSpPr>
+            <a:spLocks noGrp="1"/>
+          </p:cNvSpPr>
+          <p:nvPr>
+            <p:ph type="title"/>
+          </p:nvPr>
+        </p:nvSpPr>
+        <p:spPr/>
+        <p:txBody>
+          <a:bodyPr/>
+          <a:lstStyle/>
+          <a:p>
+            <a:r>
+              <a:rPr lang="en-US" dirty="0"/>
+              <a:t>Decoding modules</a:t>
+            </a:r>
+          </a:p>
+        </p:txBody>
+      </p:sp>
+      <mc:AlternateContent xmlns:mc="http://schemas.openxmlformats.org/markup-compatibility/2006">
+        <mc:Choice xmlns:a14="http://schemas.microsoft.com/office/drawing/2010/main" Requires="a14">
+          <p:sp>
+            <p:nvSpPr>
+              <p:cNvPr id="3" name="Content Placeholder 2">
+                <a:extLst>
+                  <a:ext uri="{FF2B5EF4-FFF2-40B4-BE49-F238E27FC236}">
+                    <a16:creationId xmlns:a16="http://schemas.microsoft.com/office/drawing/2014/main" id="{A535AB8F-CDDC-45A1-8CE8-F5C26B09F5F3}"/>
+                  </a:ext>
+                </a:extLst>
+              </p:cNvPr>
+              <p:cNvSpPr>
+                <a:spLocks noGrp="1"/>
+              </p:cNvSpPr>
+              <p:nvPr>
+                <p:ph idx="1"/>
+              </p:nvPr>
+            </p:nvSpPr>
+            <p:spPr/>
+            <p:txBody>
+              <a:bodyPr>
+                <a:normAutofit fontScale="77500" lnSpcReduction="20000"/>
+              </a:bodyPr>
+              <a:lstStyle/>
+              <a:p>
+                <a:r>
+                  <a:rPr lang="en-US" dirty="0"/>
+                  <a:t>Qualitative decoding</a:t>
+                </a:r>
+              </a:p>
+              <a:p>
+                <a:pPr>
+                  <a:buFontTx/>
+                  <a:buChar char="-"/>
+                </a:pPr>
+                <a:r>
+                  <a:rPr lang="en-US" dirty="0"/>
+                  <a:t>Exhaustive search algorithm</a:t>
+                </a:r>
+              </a:p>
+              <a:p>
+                <a:pPr marL="0" indent="0">
+                  <a:buNone/>
+                </a:pPr>
+                <a:r>
+                  <a:rPr lang="en-US" dirty="0"/>
+                  <a:t>   (1) require the results </a:t>
+                </a:r>
+                <a14:m>
+                  <m:oMath xmlns:m="http://schemas.openxmlformats.org/officeDocument/2006/math">
+                    <m:r>
+                      <a:rPr lang="en-US" b="0" i="1" smtClean="0">
+                        <a:latin typeface="Cambria Math" panose="02040503050406030204" pitchFamily="18" charset="0"/>
+                      </a:rPr>
+                      <m:t>𝑃𝑜𝑠</m:t>
+                    </m:r>
+                    <m:r>
+                      <a:rPr lang="en-US" b="0" i="1" smtClean="0">
+                        <a:latin typeface="Cambria Math" panose="02040503050406030204" pitchFamily="18" charset="0"/>
+                      </a:rPr>
+                      <m:t>,</m:t>
+                    </m:r>
+                    <m:r>
+                      <a:rPr lang="en-US" b="0" i="1" smtClean="0">
+                        <a:latin typeface="Cambria Math" panose="02040503050406030204" pitchFamily="18" charset="0"/>
+                      </a:rPr>
+                      <m:t>𝑁𝑒𝑔</m:t>
+                    </m:r>
+                    <m:r>
+                      <a:rPr lang="en-US" b="0" i="1" smtClean="0">
+                        <a:latin typeface="Cambria Math" panose="02040503050406030204" pitchFamily="18" charset="0"/>
+                      </a:rPr>
+                      <m:t>,</m:t>
+                    </m:r>
+                    <m:r>
+                      <a:rPr lang="en-US" b="0" i="1" smtClean="0">
+                        <a:latin typeface="Cambria Math" panose="02040503050406030204" pitchFamily="18" charset="0"/>
+                      </a:rPr>
+                      <m:t>𝑈𝑛𝑑</m:t>
+                    </m:r>
+                  </m:oMath>
+                </a14:m>
+                <a:r>
+                  <a:rPr lang="en-US" dirty="0"/>
+                  <a:t> from support representation decoding </a:t>
+                </a:r>
+              </a:p>
+              <a:p>
+                <a:pPr marL="0" indent="0">
+                  <a:buNone/>
+                </a:pPr>
+                <a:r>
+                  <a:rPr lang="en-US" dirty="0"/>
+                  <a:t>   (2) take </a:t>
+                </a:r>
+                <a14:m>
+                  <m:oMath xmlns:m="http://schemas.openxmlformats.org/officeDocument/2006/math">
+                    <m:r>
+                      <a:rPr lang="en-US" b="0" i="1" smtClean="0">
+                        <a:latin typeface="Cambria Math" panose="02040503050406030204" pitchFamily="18" charset="0"/>
+                      </a:rPr>
+                      <m:t>𝑃𝑜𝑠</m:t>
+                    </m:r>
+                    <m:r>
+                      <a:rPr lang="en-US" b="0" i="1" smtClean="0">
+                        <a:latin typeface="Cambria Math" panose="02040503050406030204" pitchFamily="18" charset="0"/>
+                      </a:rPr>
+                      <m:t>∪</m:t>
+                    </m:r>
+                    <m:r>
+                      <a:rPr lang="en-US" b="0" i="1" smtClean="0">
+                        <a:latin typeface="Cambria Math" panose="02040503050406030204" pitchFamily="18" charset="0"/>
+                      </a:rPr>
+                      <m:t>𝑈𝑛𝑑</m:t>
+                    </m:r>
+                  </m:oMath>
+                </a14:m>
+                <a:r>
+                  <a:rPr lang="en-US" dirty="0"/>
+                  <a:t> as the set containing the ground truth support set, and  verify exhaustively for each possible support set of each possible cardinality</a:t>
+                </a:r>
+              </a:p>
+              <a:p>
+                <a:pPr marL="0" indent="0">
+                  <a:buNone/>
+                </a:pPr>
+                <a:r>
+                  <a:rPr lang="en-US" dirty="0"/>
+                  <a:t>   (3) give estimate </a:t>
+                </a:r>
+                <a14:m>
+                  <m:oMath xmlns:m="http://schemas.openxmlformats.org/officeDocument/2006/math">
+                    <m:r>
+                      <a:rPr lang="en-US" b="0" i="1" smtClean="0">
+                        <a:latin typeface="Cambria Math" panose="02040503050406030204" pitchFamily="18" charset="0"/>
+                      </a:rPr>
+                      <m:t>𝑉𝑙</m:t>
+                    </m:r>
+                  </m:oMath>
+                </a14:m>
+                <a:r>
+                  <a:rPr lang="en-US" dirty="0"/>
+                  <a:t> of individual samples</a:t>
+                </a:r>
+              </a:p>
+              <a:p>
+                <a:pPr marL="0" indent="0">
+                  <a:buNone/>
+                </a:pPr>
+                <a:r>
+                  <a:rPr lang="en-US" dirty="0"/>
+                  <a:t>   (4) returns the following three index sets</a:t>
+                </a:r>
+              </a:p>
+              <a:p>
+                <a:pPr marL="0" indent="0">
+                  <a:buNone/>
+                </a:pPr>
+                <a:r>
+                  <a:rPr lang="en-US" dirty="0"/>
+                  <a:t>         </a:t>
+                </a:r>
+                <a14:m>
+                  <m:oMath xmlns:m="http://schemas.openxmlformats.org/officeDocument/2006/math">
+                    <m:r>
+                      <a:rPr lang="en-US" b="0" i="1" smtClean="0">
+                        <a:latin typeface="Cambria Math" panose="02040503050406030204" pitchFamily="18" charset="0"/>
+                      </a:rPr>
+                      <m:t>𝑁𝑒𝑔</m:t>
+                    </m:r>
+                    <m:r>
+                      <a:rPr lang="en-US" b="0" i="1" smtClean="0">
+                        <a:latin typeface="Cambria Math" panose="02040503050406030204" pitchFamily="18" charset="0"/>
+                      </a:rPr>
+                      <m:t>′</m:t>
+                    </m:r>
+                  </m:oMath>
+                </a14:m>
+                <a:r>
+                  <a:rPr lang="en-US" dirty="0"/>
+                  <a:t>: set of indices of samples which must be negative, i.e., </a:t>
+                </a:r>
+                <a14:m>
+                  <m:oMath xmlns:m="http://schemas.openxmlformats.org/officeDocument/2006/math">
+                    <m:sSup>
+                      <m:sSupPr>
+                        <m:ctrlPr>
+                          <a:rPr lang="en-US" b="0" i="1" smtClean="0">
+                            <a:latin typeface="Cambria Math" panose="02040503050406030204" pitchFamily="18" charset="0"/>
+                          </a:rPr>
+                        </m:ctrlPr>
+                      </m:sSupPr>
+                      <m:e>
+                        <m:r>
+                          <a:rPr lang="en-US" b="0" i="1" smtClean="0">
+                            <a:latin typeface="Cambria Math" panose="02040503050406030204" pitchFamily="18" charset="0"/>
+                          </a:rPr>
+                          <m:t>𝑁𝑒𝑔</m:t>
+                        </m:r>
+                      </m:e>
+                      <m:sup>
+                        <m:r>
+                          <a:rPr lang="en-US" b="0" i="1" smtClean="0">
+                            <a:latin typeface="Cambria Math" panose="02040503050406030204" pitchFamily="18" charset="0"/>
+                          </a:rPr>
+                          <m:t>′</m:t>
+                        </m:r>
+                      </m:sup>
+                    </m:sSup>
+                    <m:r>
+                      <a:rPr lang="en-US" b="0" i="1" smtClean="0">
+                        <a:latin typeface="Cambria Math" panose="02040503050406030204" pitchFamily="18" charset="0"/>
+                      </a:rPr>
+                      <m:t>=</m:t>
+                    </m:r>
+                    <m:r>
+                      <a:rPr lang="en-US" b="0" i="1" smtClean="0">
+                        <a:latin typeface="Cambria Math" panose="02040503050406030204" pitchFamily="18" charset="0"/>
+                      </a:rPr>
+                      <m:t>𝑁𝑒𝑔</m:t>
+                    </m:r>
+                  </m:oMath>
+                </a14:m>
+                <a:r>
+                  <a:rPr lang="en-US" dirty="0"/>
+                  <a:t> </a:t>
+                </a:r>
+              </a:p>
+              <a:p>
+                <a:pPr marL="0" indent="0">
+                  <a:buNone/>
+                </a:pPr>
+                <a:r>
+                  <a:rPr lang="en-US" dirty="0"/>
+                  <a:t>         </a:t>
+                </a:r>
+                <a14:m>
+                  <m:oMath xmlns:m="http://schemas.openxmlformats.org/officeDocument/2006/math">
+                    <m:r>
+                      <a:rPr lang="en-US" b="0" i="1" smtClean="0">
+                        <a:latin typeface="Cambria Math" panose="02040503050406030204" pitchFamily="18" charset="0"/>
+                      </a:rPr>
+                      <m:t>𝑃𝑜𝑠</m:t>
+                    </m:r>
+                    <m:r>
+                      <a:rPr lang="en-US" b="0" i="1" smtClean="0">
+                        <a:latin typeface="Cambria Math" panose="02040503050406030204" pitchFamily="18" charset="0"/>
+                      </a:rPr>
+                      <m:t>′</m:t>
+                    </m:r>
+                  </m:oMath>
+                </a14:m>
+                <a:r>
+                  <a:rPr lang="en-US" dirty="0"/>
+                  <a:t>: set of indices of samples which must be positive, i.e., </a:t>
+                </a:r>
+                <a14:m>
+                  <m:oMath xmlns:m="http://schemas.openxmlformats.org/officeDocument/2006/math">
+                    <m:sSup>
+                      <m:sSupPr>
+                        <m:ctrlPr>
+                          <a:rPr lang="en-US" b="0" i="1" smtClean="0">
+                            <a:latin typeface="Cambria Math" panose="02040503050406030204" pitchFamily="18" charset="0"/>
+                          </a:rPr>
+                        </m:ctrlPr>
+                      </m:sSupPr>
+                      <m:e>
+                        <m:r>
+                          <a:rPr lang="en-US" b="0" i="1" smtClean="0">
+                            <a:latin typeface="Cambria Math" panose="02040503050406030204" pitchFamily="18" charset="0"/>
+                          </a:rPr>
+                          <m:t>𝑃𝑜𝑠</m:t>
+                        </m:r>
+                      </m:e>
+                      <m:sup>
+                        <m:r>
+                          <a:rPr lang="en-US" b="0" i="1" smtClean="0">
+                            <a:latin typeface="Cambria Math" panose="02040503050406030204" pitchFamily="18" charset="0"/>
+                          </a:rPr>
+                          <m:t>′</m:t>
+                        </m:r>
+                      </m:sup>
+                    </m:sSup>
+                    <m:r>
+                      <a:rPr lang="en-US" b="0" i="1" smtClean="0">
+                        <a:latin typeface="Cambria Math" panose="02040503050406030204" pitchFamily="18" charset="0"/>
+                      </a:rPr>
+                      <m:t>=</m:t>
+                    </m:r>
+                    <m:d>
+                      <m:dPr>
+                        <m:begChr m:val="{"/>
+                        <m:endChr m:val="}"/>
+                        <m:ctrlPr>
+                          <a:rPr lang="en-US" b="0" i="1" smtClean="0">
+                            <a:latin typeface="Cambria Math" panose="02040503050406030204" pitchFamily="18" charset="0"/>
+                          </a:rPr>
+                        </m:ctrlPr>
+                      </m:dPr>
+                      <m:e>
+                        <m:r>
+                          <a:rPr lang="en-US" b="0" i="1" smtClean="0">
+                            <a:latin typeface="Cambria Math" panose="02040503050406030204" pitchFamily="18" charset="0"/>
+                          </a:rPr>
+                          <m:t>𝑖</m:t>
+                        </m:r>
+                        <m:r>
+                          <a:rPr lang="en-US" b="0" i="1" smtClean="0">
+                            <a:latin typeface="Cambria Math" panose="02040503050406030204" pitchFamily="18" charset="0"/>
+                          </a:rPr>
+                          <m:t>∈</m:t>
+                        </m:r>
+                        <m:r>
+                          <a:rPr lang="en-US" b="0" i="1" smtClean="0">
+                            <a:latin typeface="Cambria Math" panose="02040503050406030204" pitchFamily="18" charset="0"/>
+                          </a:rPr>
+                          <m:t>𝑃𝑜𝑠</m:t>
+                        </m:r>
+                        <m:r>
+                          <a:rPr lang="en-US" b="0" i="1" smtClean="0">
+                            <a:latin typeface="Cambria Math" panose="02040503050406030204" pitchFamily="18" charset="0"/>
+                          </a:rPr>
+                          <m:t>∪</m:t>
+                        </m:r>
+                        <m:r>
+                          <a:rPr lang="en-US" b="0" i="1" smtClean="0">
+                            <a:latin typeface="Cambria Math" panose="02040503050406030204" pitchFamily="18" charset="0"/>
+                          </a:rPr>
+                          <m:t>𝑈𝑛𝑑</m:t>
+                        </m:r>
+                        <m:r>
+                          <a:rPr lang="en-US" b="0" i="1" smtClean="0">
+                            <a:latin typeface="Cambria Math" panose="02040503050406030204" pitchFamily="18" charset="0"/>
+                          </a:rPr>
+                          <m:t>:</m:t>
+                        </m:r>
+                        <m:sSub>
+                          <m:sSubPr>
+                            <m:ctrlPr>
+                              <a:rPr lang="en-US" b="0" i="1" smtClean="0">
+                                <a:latin typeface="Cambria Math" panose="02040503050406030204" pitchFamily="18" charset="0"/>
+                              </a:rPr>
+                            </m:ctrlPr>
+                          </m:sSubPr>
+                          <m:e>
+                            <m:d>
+                              <m:dPr>
+                                <m:begChr m:val="["/>
+                                <m:endChr m:val="]"/>
+                                <m:ctrlPr>
+                                  <a:rPr lang="en-US" b="0" i="1" smtClean="0">
+                                    <a:latin typeface="Cambria Math" panose="02040503050406030204" pitchFamily="18" charset="0"/>
+                                  </a:rPr>
+                                </m:ctrlPr>
+                              </m:dPr>
+                              <m:e>
+                                <m:r>
+                                  <a:rPr lang="en-US" b="0" i="1" smtClean="0">
+                                    <a:latin typeface="Cambria Math" panose="02040503050406030204" pitchFamily="18" charset="0"/>
+                                  </a:rPr>
+                                  <m:t>𝑉𝑙</m:t>
+                                </m:r>
+                              </m:e>
+                            </m:d>
+                          </m:e>
+                          <m:sub>
+                            <m:r>
+                              <a:rPr lang="en-US" b="0" i="1" smtClean="0">
+                                <a:latin typeface="Cambria Math" panose="02040503050406030204" pitchFamily="18" charset="0"/>
+                              </a:rPr>
+                              <m:t>𝑖</m:t>
+                            </m:r>
+                          </m:sub>
+                        </m:sSub>
+                        <m:r>
+                          <a:rPr lang="en-US" b="0" i="1" smtClean="0">
+                            <a:latin typeface="Cambria Math" panose="02040503050406030204" pitchFamily="18" charset="0"/>
+                          </a:rPr>
+                          <m:t>&gt;</m:t>
+                        </m:r>
+                        <m:r>
+                          <a:rPr lang="en-US" b="0" i="1" smtClean="0">
+                            <a:latin typeface="Cambria Math" panose="02040503050406030204" pitchFamily="18" charset="0"/>
+                          </a:rPr>
+                          <m:t>𝜏</m:t>
+                        </m:r>
+                      </m:e>
+                    </m:d>
+                  </m:oMath>
+                </a14:m>
+                <a:endParaRPr lang="en-US" b="0" dirty="0"/>
+              </a:p>
+              <a:p>
+                <a:pPr marL="0" indent="0">
+                  <a:buNone/>
+                </a:pPr>
+                <a:r>
+                  <a:rPr lang="en-US" dirty="0"/>
+                  <a:t>         </a:t>
+                </a:r>
+                <a14:m>
+                  <m:oMath xmlns:m="http://schemas.openxmlformats.org/officeDocument/2006/math">
+                    <m:r>
+                      <a:rPr lang="en-US" b="0" i="1" smtClean="0">
+                        <a:latin typeface="Cambria Math" panose="02040503050406030204" pitchFamily="18" charset="0"/>
+                      </a:rPr>
+                      <m:t>𝑈𝑛𝑑</m:t>
+                    </m:r>
+                    <m:r>
+                      <a:rPr lang="en-US" b="0" i="1" smtClean="0">
+                        <a:latin typeface="Cambria Math" panose="02040503050406030204" pitchFamily="18" charset="0"/>
+                      </a:rPr>
+                      <m:t>′</m:t>
+                    </m:r>
+                  </m:oMath>
+                </a14:m>
+                <a:r>
+                  <a:rPr lang="en-US" dirty="0"/>
+                  <a:t>: set of indices of samples whose status is undetermined, i.e., </a:t>
+                </a:r>
+                <a14:m>
+                  <m:oMath xmlns:m="http://schemas.openxmlformats.org/officeDocument/2006/math">
+                    <m:sSup>
+                      <m:sSupPr>
+                        <m:ctrlPr>
+                          <a:rPr lang="en-US" b="0" i="1" smtClean="0">
+                            <a:latin typeface="Cambria Math" panose="02040503050406030204" pitchFamily="18" charset="0"/>
+                          </a:rPr>
+                        </m:ctrlPr>
+                      </m:sSupPr>
+                      <m:e>
+                        <m:r>
+                          <a:rPr lang="en-US" b="0" i="1" smtClean="0">
+                            <a:latin typeface="Cambria Math" panose="02040503050406030204" pitchFamily="18" charset="0"/>
+                          </a:rPr>
+                          <m:t>𝑈𝑛𝑑</m:t>
+                        </m:r>
+                      </m:e>
+                      <m:sup>
+                        <m:r>
+                          <a:rPr lang="en-US" b="0" i="1" smtClean="0">
+                            <a:latin typeface="Cambria Math" panose="02040503050406030204" pitchFamily="18" charset="0"/>
+                          </a:rPr>
+                          <m:t>′</m:t>
+                        </m:r>
+                      </m:sup>
+                    </m:sSup>
+                    <m:r>
+                      <a:rPr lang="en-US" b="0" i="1" smtClean="0">
+                        <a:latin typeface="Cambria Math" panose="02040503050406030204" pitchFamily="18" charset="0"/>
+                      </a:rPr>
+                      <m:t>=</m:t>
+                    </m:r>
+                    <m:d>
+                      <m:dPr>
+                        <m:begChr m:val="["/>
+                        <m:endChr m:val="]"/>
+                        <m:ctrlPr>
+                          <a:rPr lang="en-US" b="0" i="1" smtClean="0">
+                            <a:latin typeface="Cambria Math" panose="02040503050406030204" pitchFamily="18" charset="0"/>
+                          </a:rPr>
+                        </m:ctrlPr>
+                      </m:dPr>
+                      <m:e>
+                        <m:r>
+                          <a:rPr lang="en-US" b="0" i="1" smtClean="0">
+                            <a:latin typeface="Cambria Math" panose="02040503050406030204" pitchFamily="18" charset="0"/>
+                          </a:rPr>
+                          <m:t>𝑁</m:t>
+                        </m:r>
+                      </m:e>
+                    </m:d>
+                    <m:r>
+                      <a:rPr lang="en-US" b="0" i="1" smtClean="0">
+                        <a:latin typeface="Cambria Math" panose="02040503050406030204" pitchFamily="18" charset="0"/>
+                      </a:rPr>
+                      <m:t>\</m:t>
+                    </m:r>
+                    <m:r>
+                      <m:rPr>
+                        <m:lit/>
+                      </m:rPr>
+                      <a:rPr lang="en-US" b="0" i="1" smtClean="0">
+                        <a:latin typeface="Cambria Math" panose="02040503050406030204" pitchFamily="18" charset="0"/>
+                      </a:rPr>
+                      <m:t>(</m:t>
+                    </m:r>
+                    <m:sSup>
+                      <m:sSupPr>
+                        <m:ctrlPr>
+                          <a:rPr lang="en-US" b="0" i="1" smtClean="0">
+                            <a:latin typeface="Cambria Math" panose="02040503050406030204" pitchFamily="18" charset="0"/>
+                          </a:rPr>
+                        </m:ctrlPr>
+                      </m:sSupPr>
+                      <m:e>
+                        <m:r>
+                          <a:rPr lang="en-US" b="0" i="1" smtClean="0">
+                            <a:latin typeface="Cambria Math" panose="02040503050406030204" pitchFamily="18" charset="0"/>
+                          </a:rPr>
+                          <m:t>𝑃𝑜𝑠</m:t>
+                        </m:r>
+                      </m:e>
+                      <m:sup>
+                        <m:r>
+                          <a:rPr lang="en-US" b="0" i="1" smtClean="0">
+                            <a:latin typeface="Cambria Math" panose="02040503050406030204" pitchFamily="18" charset="0"/>
+                          </a:rPr>
+                          <m:t>′</m:t>
+                        </m:r>
+                      </m:sup>
+                    </m:sSup>
+                    <m:r>
+                      <a:rPr lang="en-US" b="0" i="1" smtClean="0">
+                        <a:latin typeface="Cambria Math" panose="02040503050406030204" pitchFamily="18" charset="0"/>
+                      </a:rPr>
+                      <m:t>∪</m:t>
+                    </m:r>
+                    <m:r>
+                      <a:rPr lang="en-US" b="0" i="1" smtClean="0">
+                        <a:latin typeface="Cambria Math" panose="02040503050406030204" pitchFamily="18" charset="0"/>
+                      </a:rPr>
+                      <m:t>𝑁𝑒𝑔</m:t>
+                    </m:r>
+                    <m:r>
+                      <a:rPr lang="en-US" b="0" i="1" smtClean="0">
+                        <a:latin typeface="Cambria Math" panose="02040503050406030204" pitchFamily="18" charset="0"/>
+                      </a:rPr>
+                      <m:t>′)</m:t>
+                    </m:r>
+                  </m:oMath>
+                </a14:m>
+                <a:r>
+                  <a:rPr lang="en-US" dirty="0"/>
+                  <a:t> </a:t>
+                </a:r>
+              </a:p>
+              <a:p>
+                <a:pPr marL="0" indent="0">
+                  <a:buNone/>
+                </a:pPr>
+                <a:r>
+                  <a:rPr lang="en-US" dirty="0"/>
+                  <a:t>         </a:t>
+                </a:r>
+              </a:p>
+            </p:txBody>
+          </p:sp>
+        </mc:Choice>
+        <mc:Fallback>
+          <p:sp>
+            <p:nvSpPr>
+              <p:cNvPr id="3" name="Content Placeholder 2">
+                <a:extLst>
+                  <a:ext uri="{FF2B5EF4-FFF2-40B4-BE49-F238E27FC236}">
+                    <a16:creationId xmlns:a16="http://schemas.microsoft.com/office/drawing/2014/main" id="{A535AB8F-CDDC-45A1-8CE8-F5C26B09F5F3}"/>
+                  </a:ext>
+                </a:extLst>
+              </p:cNvPr>
+              <p:cNvSpPr>
+                <a:spLocks noGrp="1" noRot="1" noChangeAspect="1" noMove="1" noResize="1" noEditPoints="1" noAdjustHandles="1" noChangeArrowheads="1" noChangeShapeType="1" noTextEdit="1"/>
+              </p:cNvSpPr>
+              <p:nvPr>
+                <p:ph idx="1"/>
+              </p:nvPr>
+            </p:nvSpPr>
+            <p:spPr>
+              <a:blipFill>
+                <a:blip r:embed="rId2"/>
+                <a:stretch>
+                  <a:fillRect l="-812" t="-2801"/>
+                </a:stretch>
+              </a:blipFill>
+            </p:spPr>
+            <p:txBody>
+              <a:bodyPr/>
+              <a:lstStyle/>
+              <a:p>
+                <a:r>
+                  <a:rPr lang="en-US">
+                    <a:noFill/>
+                  </a:rPr>
+                  <a:t> </a:t>
+                </a:r>
+              </a:p>
+            </p:txBody>
+          </p:sp>
+        </mc:Fallback>
+      </mc:AlternateContent>
+    </p:spTree>
+    <p:extLst>
+      <p:ext uri="{BB962C8B-B14F-4D97-AF65-F5344CB8AC3E}">
+        <p14:creationId xmlns:p14="http://schemas.microsoft.com/office/powerpoint/2010/main" val="3400653959"/>
+      </p:ext>
+    </p:extLst>
+  </p:cSld>
+  <p:clrMapOvr>
+    <a:masterClrMapping/>
+  </p:clrMapOvr>
+</p:sld>
+</file>
+
+<file path=ppt/slides/slide16.xml><?xml version="1.0" encoding="utf-8"?>
+<p:sld xmlns:a="http://schemas.openxmlformats.org/drawingml/2006/main" xmlns:r="http://schemas.openxmlformats.org/officeDocument/2006/relationships" xmlns:p="http://schemas.openxmlformats.org/presentationml/2006/main">
+  <p:cSld>
+    <p:spTree>
+      <p:nvGrpSpPr>
+        <p:cNvPr id="1" name=""/>
+        <p:cNvGrpSpPr/>
+        <p:nvPr/>
+      </p:nvGrpSpPr>
+      <p:grpSpPr>
+        <a:xfrm>
+          <a:off x="0" y="0"/>
+          <a:ext cx="0" cy="0"/>
+          <a:chOff x="0" y="0"/>
+          <a:chExt cx="0" cy="0"/>
+        </a:xfrm>
+      </p:grpSpPr>
+      <p:sp>
+        <p:nvSpPr>
+          <p:cNvPr id="2" name="Title 1">
+            <a:extLst>
+              <a:ext uri="{FF2B5EF4-FFF2-40B4-BE49-F238E27FC236}">
+                <a16:creationId xmlns:a16="http://schemas.microsoft.com/office/drawing/2014/main" id="{5E762446-EF26-45C9-9747-4165E2DEC795}"/>
+              </a:ext>
+            </a:extLst>
+          </p:cNvPr>
+          <p:cNvSpPr>
+            <a:spLocks noGrp="1"/>
+          </p:cNvSpPr>
+          <p:nvPr>
+            <p:ph type="title"/>
+          </p:nvPr>
+        </p:nvSpPr>
+        <p:spPr/>
+        <p:txBody>
+          <a:bodyPr/>
+          <a:lstStyle/>
+          <a:p>
+            <a:r>
+              <a:rPr lang="en-US" dirty="0"/>
+              <a:t>Decoding modules</a:t>
+            </a:r>
+          </a:p>
+        </p:txBody>
+      </p:sp>
+      <p:sp>
+        <p:nvSpPr>
+          <p:cNvPr id="3" name="Content Placeholder 2">
+            <a:extLst>
+              <a:ext uri="{FF2B5EF4-FFF2-40B4-BE49-F238E27FC236}">
+                <a16:creationId xmlns:a16="http://schemas.microsoft.com/office/drawing/2014/main" id="{EA8F5374-8D2B-49CB-8538-3D44204749CC}"/>
+              </a:ext>
+            </a:extLst>
+          </p:cNvPr>
+          <p:cNvSpPr>
+            <a:spLocks noGrp="1"/>
+          </p:cNvSpPr>
+          <p:nvPr>
+            <p:ph idx="1"/>
+          </p:nvPr>
+        </p:nvSpPr>
+        <p:spPr/>
+        <p:txBody>
+          <a:bodyPr/>
+          <a:lstStyle/>
+          <a:p>
+            <a:r>
+              <a:rPr lang="en-US" dirty="0"/>
+              <a:t>Exhaustive decoding</a:t>
+            </a:r>
+          </a:p>
+        </p:txBody>
+      </p:sp>
+      <p:pic>
+        <p:nvPicPr>
+          <p:cNvPr id="4" name="Picture 3">
+            <a:extLst>
+              <a:ext uri="{FF2B5EF4-FFF2-40B4-BE49-F238E27FC236}">
+                <a16:creationId xmlns:a16="http://schemas.microsoft.com/office/drawing/2014/main" id="{2137042C-1BED-433C-8338-53CA49582562}"/>
+              </a:ext>
+            </a:extLst>
+          </p:cNvPr>
+          <p:cNvPicPr>
+            <a:picLocks noChangeAspect="1"/>
+          </p:cNvPicPr>
+          <p:nvPr/>
+        </p:nvPicPr>
+        <p:blipFill>
+          <a:blip r:embed="rId2"/>
+          <a:stretch>
+            <a:fillRect/>
+          </a:stretch>
+        </p:blipFill>
+        <p:spPr>
+          <a:xfrm>
+            <a:off x="2319337" y="2327275"/>
+            <a:ext cx="7553325" cy="4048125"/>
+          </a:xfrm>
+          <a:prstGeom prst="rect">
+            <a:avLst/>
+          </a:prstGeom>
+        </p:spPr>
+      </p:pic>
+    </p:spTree>
+    <p:extLst>
+      <p:ext uri="{BB962C8B-B14F-4D97-AF65-F5344CB8AC3E}">
+        <p14:creationId xmlns:p14="http://schemas.microsoft.com/office/powerpoint/2010/main" val="623763202"/>
+      </p:ext>
+    </p:extLst>
+  </p:cSld>
+  <p:clrMapOvr>
+    <a:masterClrMapping/>
+  </p:clrMapOvr>
+</p:sld>
+</file>
+
+<file path=ppt/slides/slide17.xml><?xml version="1.0" encoding="utf-8"?>
+<p:sld xmlns:a="http://schemas.openxmlformats.org/drawingml/2006/main" xmlns:r="http://schemas.openxmlformats.org/officeDocument/2006/relationships" xmlns:p="http://schemas.openxmlformats.org/presentationml/2006/main">
+  <p:cSld>
+    <p:spTree>
+      <p:nvGrpSpPr>
+        <p:cNvPr id="1" name=""/>
+        <p:cNvGrpSpPr/>
+        <p:nvPr/>
+      </p:nvGrpSpPr>
+      <p:grpSpPr>
+        <a:xfrm>
+          <a:off x="0" y="0"/>
+          <a:ext cx="0" cy="0"/>
+          <a:chOff x="0" y="0"/>
+          <a:chExt cx="0" cy="0"/>
+        </a:xfrm>
+      </p:grpSpPr>
+      <p:sp>
+        <p:nvSpPr>
+          <p:cNvPr id="2" name="Title 1">
+            <a:extLst>
+              <a:ext uri="{FF2B5EF4-FFF2-40B4-BE49-F238E27FC236}">
+                <a16:creationId xmlns:a16="http://schemas.microsoft.com/office/drawing/2014/main" id="{87462CDB-E3BF-47D4-99C0-99757627A5DE}"/>
+              </a:ext>
+            </a:extLst>
+          </p:cNvPr>
+          <p:cNvSpPr>
+            <a:spLocks noGrp="1"/>
+          </p:cNvSpPr>
+          <p:nvPr>
+            <p:ph type="title"/>
+          </p:nvPr>
+        </p:nvSpPr>
+        <p:spPr/>
+        <p:txBody>
+          <a:bodyPr/>
+          <a:lstStyle/>
+          <a:p>
+            <a:r>
+              <a:rPr lang="en-US" dirty="0"/>
+              <a:t>Decoding modules</a:t>
+            </a:r>
+          </a:p>
+        </p:txBody>
+      </p:sp>
+      <mc:AlternateContent xmlns:mc="http://schemas.openxmlformats.org/markup-compatibility/2006">
+        <mc:Choice xmlns:a14="http://schemas.microsoft.com/office/drawing/2010/main" Requires="a14">
+          <p:sp>
+            <p:nvSpPr>
+              <p:cNvPr id="3" name="Content Placeholder 2">
+                <a:extLst>
+                  <a:ext uri="{FF2B5EF4-FFF2-40B4-BE49-F238E27FC236}">
+                    <a16:creationId xmlns:a16="http://schemas.microsoft.com/office/drawing/2014/main" id="{CDFFB0D0-4C02-421F-B3AE-B5920AA71043}"/>
+                  </a:ext>
+                </a:extLst>
+              </p:cNvPr>
+              <p:cNvSpPr>
+                <a:spLocks noGrp="1"/>
+              </p:cNvSpPr>
+              <p:nvPr>
+                <p:ph idx="1"/>
+              </p:nvPr>
+            </p:nvSpPr>
+            <p:spPr/>
+            <p:txBody>
+              <a:bodyPr>
+                <a:normAutofit fontScale="85000" lnSpcReduction="20000"/>
+              </a:bodyPr>
+              <a:lstStyle/>
+              <a:p>
+                <a:r>
+                  <a:rPr lang="en-US" dirty="0"/>
+                  <a:t>Qualitative decoding</a:t>
+                </a:r>
+              </a:p>
+              <a:p>
+                <a:pPr>
+                  <a:buFontTx/>
+                  <a:buChar char="-"/>
+                </a:pPr>
+                <a:r>
+                  <a:rPr lang="en-US" dirty="0"/>
+                  <a:t>Successive mismatch ratio algorithm</a:t>
+                </a:r>
+              </a:p>
+              <a:p>
+                <a:pPr marL="0" indent="0">
+                  <a:buNone/>
+                </a:pPr>
+                <a:r>
+                  <a:rPr lang="en-US" dirty="0"/>
+                  <a:t>   (1) require the results </a:t>
+                </a:r>
+                <a14:m>
+                  <m:oMath xmlns:m="http://schemas.openxmlformats.org/officeDocument/2006/math">
+                    <m:r>
+                      <a:rPr lang="en-US" b="0" i="1" smtClean="0">
+                        <a:latin typeface="Cambria Math" panose="02040503050406030204" pitchFamily="18" charset="0"/>
+                      </a:rPr>
+                      <m:t>𝑃𝑜𝑠</m:t>
+                    </m:r>
+                    <m:r>
+                      <a:rPr lang="en-US" b="0" i="1" smtClean="0">
+                        <a:latin typeface="Cambria Math" panose="02040503050406030204" pitchFamily="18" charset="0"/>
+                      </a:rPr>
+                      <m:t>,</m:t>
+                    </m:r>
+                    <m:r>
+                      <a:rPr lang="en-US" b="0" i="1" smtClean="0">
+                        <a:latin typeface="Cambria Math" panose="02040503050406030204" pitchFamily="18" charset="0"/>
+                      </a:rPr>
+                      <m:t>𝑁𝑒𝑔</m:t>
+                    </m:r>
+                    <m:r>
+                      <a:rPr lang="en-US" b="0" i="1" smtClean="0">
+                        <a:latin typeface="Cambria Math" panose="02040503050406030204" pitchFamily="18" charset="0"/>
+                      </a:rPr>
+                      <m:t>,</m:t>
+                    </m:r>
+                    <m:r>
+                      <a:rPr lang="en-US" b="0" i="1" smtClean="0">
+                        <a:latin typeface="Cambria Math" panose="02040503050406030204" pitchFamily="18" charset="0"/>
+                      </a:rPr>
+                      <m:t>𝑈𝑛𝑑</m:t>
+                    </m:r>
+                  </m:oMath>
+                </a14:m>
+                <a:r>
+                  <a:rPr lang="en-US" dirty="0"/>
+                  <a:t> from support representation decoding </a:t>
+                </a:r>
+              </a:p>
+              <a:p>
+                <a:pPr marL="0" indent="0">
+                  <a:buNone/>
+                </a:pPr>
+                <a:r>
+                  <a:rPr lang="en-US" dirty="0"/>
+                  <a:t>   (2) take </a:t>
+                </a:r>
+                <a14:m>
+                  <m:oMath xmlns:m="http://schemas.openxmlformats.org/officeDocument/2006/math">
+                    <m:r>
+                      <a:rPr lang="en-US" b="0" i="1" smtClean="0">
+                        <a:latin typeface="Cambria Math" panose="02040503050406030204" pitchFamily="18" charset="0"/>
+                      </a:rPr>
+                      <m:t>𝑃𝑜𝑠</m:t>
+                    </m:r>
+                    <m:r>
+                      <a:rPr lang="en-US" b="0" i="1" smtClean="0">
+                        <a:latin typeface="Cambria Math" panose="02040503050406030204" pitchFamily="18" charset="0"/>
+                      </a:rPr>
+                      <m:t>∪</m:t>
+                    </m:r>
+                    <m:r>
+                      <a:rPr lang="en-US" b="0" i="1" smtClean="0">
+                        <a:latin typeface="Cambria Math" panose="02040503050406030204" pitchFamily="18" charset="0"/>
+                      </a:rPr>
+                      <m:t>𝑈𝑛𝑑</m:t>
+                    </m:r>
+                  </m:oMath>
+                </a14:m>
+                <a:r>
+                  <a:rPr lang="en-US" dirty="0"/>
+                  <a:t> as the set containing the ground truth support set, and  verify exhaustively for each possible support set of each possible cardinality</a:t>
+                </a:r>
+              </a:p>
+              <a:p>
+                <a:pPr marL="0" indent="0">
+                  <a:buNone/>
+                </a:pPr>
+                <a:r>
+                  <a:rPr lang="en-US" dirty="0"/>
+                  <a:t>   (3) give estimate </a:t>
+                </a:r>
+                <a14:m>
+                  <m:oMath xmlns:m="http://schemas.openxmlformats.org/officeDocument/2006/math">
+                    <m:r>
+                      <a:rPr lang="en-US" b="0" i="1" smtClean="0">
+                        <a:latin typeface="Cambria Math" panose="02040503050406030204" pitchFamily="18" charset="0"/>
+                      </a:rPr>
+                      <m:t>𝑉𝑙</m:t>
+                    </m:r>
+                  </m:oMath>
+                </a14:m>
+                <a:r>
+                  <a:rPr lang="en-US" dirty="0"/>
+                  <a:t> of individual samples</a:t>
+                </a:r>
+              </a:p>
+              <a:p>
+                <a:pPr marL="0" indent="0">
+                  <a:buNone/>
+                </a:pPr>
+                <a:r>
+                  <a:rPr lang="en-US" dirty="0"/>
+                  <a:t>   (4) returns the following three index sets</a:t>
+                </a:r>
+              </a:p>
+              <a:p>
+                <a:pPr marL="0" indent="0">
+                  <a:buNone/>
+                </a:pPr>
+                <a:r>
+                  <a:rPr lang="en-US" dirty="0"/>
+                  <a:t>         </a:t>
+                </a:r>
+                <a14:m>
+                  <m:oMath xmlns:m="http://schemas.openxmlformats.org/officeDocument/2006/math">
+                    <m:r>
+                      <a:rPr lang="en-US" b="0" i="1" smtClean="0">
+                        <a:latin typeface="Cambria Math" panose="02040503050406030204" pitchFamily="18" charset="0"/>
+                      </a:rPr>
+                      <m:t>𝑁𝑒𝑔</m:t>
+                    </m:r>
+                    <m:r>
+                      <a:rPr lang="en-US" b="0" i="1" smtClean="0">
+                        <a:latin typeface="Cambria Math" panose="02040503050406030204" pitchFamily="18" charset="0"/>
+                      </a:rPr>
+                      <m:t>′</m:t>
+                    </m:r>
+                  </m:oMath>
+                </a14:m>
+                <a:r>
+                  <a:rPr lang="en-US" dirty="0"/>
+                  <a:t>: set of indices of samples which must be negative, i.e., </a:t>
+                </a:r>
+                <a14:m>
+                  <m:oMath xmlns:m="http://schemas.openxmlformats.org/officeDocument/2006/math">
+                    <m:sSup>
+                      <m:sSupPr>
+                        <m:ctrlPr>
+                          <a:rPr lang="en-US" b="0" i="1" smtClean="0">
+                            <a:latin typeface="Cambria Math" panose="02040503050406030204" pitchFamily="18" charset="0"/>
+                          </a:rPr>
+                        </m:ctrlPr>
+                      </m:sSupPr>
+                      <m:e>
+                        <m:r>
+                          <a:rPr lang="en-US" b="0" i="1" smtClean="0">
+                            <a:latin typeface="Cambria Math" panose="02040503050406030204" pitchFamily="18" charset="0"/>
+                          </a:rPr>
+                          <m:t>𝑁𝑒𝑔</m:t>
+                        </m:r>
+                      </m:e>
+                      <m:sup>
+                        <m:r>
+                          <a:rPr lang="en-US" b="0" i="1" smtClean="0">
+                            <a:latin typeface="Cambria Math" panose="02040503050406030204" pitchFamily="18" charset="0"/>
+                          </a:rPr>
+                          <m:t>′</m:t>
+                        </m:r>
+                      </m:sup>
+                    </m:sSup>
+                    <m:r>
+                      <a:rPr lang="en-US" b="0" i="1" smtClean="0">
+                        <a:latin typeface="Cambria Math" panose="02040503050406030204" pitchFamily="18" charset="0"/>
+                      </a:rPr>
+                      <m:t>=</m:t>
+                    </m:r>
+                    <m:r>
+                      <a:rPr lang="en-US" b="0" i="1" smtClean="0">
+                        <a:latin typeface="Cambria Math" panose="02040503050406030204" pitchFamily="18" charset="0"/>
+                      </a:rPr>
+                      <m:t>𝑁𝑒𝑔</m:t>
+                    </m:r>
+                  </m:oMath>
+                </a14:m>
+                <a:r>
+                  <a:rPr lang="en-US" dirty="0"/>
+                  <a:t> </a:t>
+                </a:r>
+              </a:p>
+              <a:p>
+                <a:pPr marL="0" indent="0">
+                  <a:buNone/>
+                </a:pPr>
+                <a:r>
+                  <a:rPr lang="en-US" dirty="0"/>
+                  <a:t>         </a:t>
+                </a:r>
+                <a14:m>
+                  <m:oMath xmlns:m="http://schemas.openxmlformats.org/officeDocument/2006/math">
+                    <m:r>
+                      <a:rPr lang="en-US" b="0" i="1" smtClean="0">
+                        <a:latin typeface="Cambria Math" panose="02040503050406030204" pitchFamily="18" charset="0"/>
+                      </a:rPr>
+                      <m:t>𝑃𝑜𝑠</m:t>
+                    </m:r>
+                    <m:r>
+                      <a:rPr lang="en-US" b="0" i="1" smtClean="0">
+                        <a:latin typeface="Cambria Math" panose="02040503050406030204" pitchFamily="18" charset="0"/>
+                      </a:rPr>
+                      <m:t>′</m:t>
+                    </m:r>
+                  </m:oMath>
+                </a14:m>
+                <a:r>
+                  <a:rPr lang="en-US" dirty="0"/>
+                  <a:t>: set of indices of samples which must be positive, i.e., </a:t>
+                </a:r>
+                <a14:m>
+                  <m:oMath xmlns:m="http://schemas.openxmlformats.org/officeDocument/2006/math">
+                    <m:sSup>
+                      <m:sSupPr>
+                        <m:ctrlPr>
+                          <a:rPr lang="en-US" b="0" i="1" smtClean="0">
+                            <a:latin typeface="Cambria Math" panose="02040503050406030204" pitchFamily="18" charset="0"/>
+                          </a:rPr>
+                        </m:ctrlPr>
+                      </m:sSupPr>
+                      <m:e>
+                        <m:r>
+                          <a:rPr lang="en-US" b="0" i="1" smtClean="0">
+                            <a:latin typeface="Cambria Math" panose="02040503050406030204" pitchFamily="18" charset="0"/>
+                          </a:rPr>
+                          <m:t>𝑃𝑜𝑠</m:t>
+                        </m:r>
+                      </m:e>
+                      <m:sup>
+                        <m:r>
+                          <a:rPr lang="en-US" b="0" i="1" smtClean="0">
+                            <a:latin typeface="Cambria Math" panose="02040503050406030204" pitchFamily="18" charset="0"/>
+                          </a:rPr>
+                          <m:t>′</m:t>
+                        </m:r>
+                      </m:sup>
+                    </m:sSup>
+                    <m:r>
+                      <a:rPr lang="en-US" b="0" i="1" smtClean="0">
+                        <a:latin typeface="Cambria Math" panose="02040503050406030204" pitchFamily="18" charset="0"/>
+                      </a:rPr>
+                      <m:t>=</m:t>
+                    </m:r>
+                    <m:d>
+                      <m:dPr>
+                        <m:begChr m:val="{"/>
+                        <m:endChr m:val="}"/>
+                        <m:ctrlPr>
+                          <a:rPr lang="en-US" b="0" i="1" smtClean="0">
+                            <a:latin typeface="Cambria Math" panose="02040503050406030204" pitchFamily="18" charset="0"/>
+                          </a:rPr>
+                        </m:ctrlPr>
+                      </m:dPr>
+                      <m:e>
+                        <m:r>
+                          <a:rPr lang="en-US" b="0" i="1" smtClean="0">
+                            <a:latin typeface="Cambria Math" panose="02040503050406030204" pitchFamily="18" charset="0"/>
+                          </a:rPr>
+                          <m:t>𝑖</m:t>
+                        </m:r>
+                        <m:r>
+                          <a:rPr lang="en-US" b="0" i="1" smtClean="0">
+                            <a:latin typeface="Cambria Math" panose="02040503050406030204" pitchFamily="18" charset="0"/>
+                          </a:rPr>
+                          <m:t>∈</m:t>
+                        </m:r>
+                        <m:r>
+                          <a:rPr lang="en-US" b="0" i="1" smtClean="0">
+                            <a:latin typeface="Cambria Math" panose="02040503050406030204" pitchFamily="18" charset="0"/>
+                          </a:rPr>
+                          <m:t>𝑃𝑜𝑠</m:t>
+                        </m:r>
+                        <m:r>
+                          <a:rPr lang="en-US" b="0" i="1" smtClean="0">
+                            <a:latin typeface="Cambria Math" panose="02040503050406030204" pitchFamily="18" charset="0"/>
+                          </a:rPr>
+                          <m:t>∪</m:t>
+                        </m:r>
+                        <m:r>
+                          <a:rPr lang="en-US" b="0" i="1" smtClean="0">
+                            <a:latin typeface="Cambria Math" panose="02040503050406030204" pitchFamily="18" charset="0"/>
+                          </a:rPr>
+                          <m:t>𝑈𝑛𝑑</m:t>
+                        </m:r>
+                        <m:r>
+                          <a:rPr lang="en-US" b="0" i="1" smtClean="0">
+                            <a:latin typeface="Cambria Math" panose="02040503050406030204" pitchFamily="18" charset="0"/>
+                          </a:rPr>
+                          <m:t>:</m:t>
+                        </m:r>
+                        <m:sSub>
+                          <m:sSubPr>
+                            <m:ctrlPr>
+                              <a:rPr lang="en-US" b="0" i="1" smtClean="0">
+                                <a:latin typeface="Cambria Math" panose="02040503050406030204" pitchFamily="18" charset="0"/>
+                              </a:rPr>
+                            </m:ctrlPr>
+                          </m:sSubPr>
+                          <m:e>
+                            <m:d>
+                              <m:dPr>
+                                <m:begChr m:val="["/>
+                                <m:endChr m:val="]"/>
+                                <m:ctrlPr>
+                                  <a:rPr lang="en-US" b="0" i="1" smtClean="0">
+                                    <a:latin typeface="Cambria Math" panose="02040503050406030204" pitchFamily="18" charset="0"/>
+                                  </a:rPr>
+                                </m:ctrlPr>
+                              </m:dPr>
+                              <m:e>
+                                <m:r>
+                                  <a:rPr lang="en-US" b="0" i="1" smtClean="0">
+                                    <a:latin typeface="Cambria Math" panose="02040503050406030204" pitchFamily="18" charset="0"/>
+                                  </a:rPr>
+                                  <m:t>𝑉𝑙</m:t>
+                                </m:r>
+                              </m:e>
+                            </m:d>
+                          </m:e>
+                          <m:sub>
+                            <m:r>
+                              <a:rPr lang="en-US" b="0" i="1" smtClean="0">
+                                <a:latin typeface="Cambria Math" panose="02040503050406030204" pitchFamily="18" charset="0"/>
+                              </a:rPr>
+                              <m:t>𝑖</m:t>
+                            </m:r>
+                          </m:sub>
+                        </m:sSub>
+                        <m:r>
+                          <a:rPr lang="en-US" b="0" i="1" smtClean="0">
+                            <a:latin typeface="Cambria Math" panose="02040503050406030204" pitchFamily="18" charset="0"/>
+                          </a:rPr>
+                          <m:t>&gt;</m:t>
+                        </m:r>
+                        <m:r>
+                          <a:rPr lang="en-US" b="0" i="1" smtClean="0">
+                            <a:latin typeface="Cambria Math" panose="02040503050406030204" pitchFamily="18" charset="0"/>
+                          </a:rPr>
+                          <m:t>𝜏</m:t>
+                        </m:r>
+                      </m:e>
+                    </m:d>
+                  </m:oMath>
+                </a14:m>
+                <a:endParaRPr lang="en-US" b="0" dirty="0"/>
+              </a:p>
+              <a:p>
+                <a:pPr marL="0" indent="0">
+                  <a:buNone/>
+                </a:pPr>
+                <a:r>
+                  <a:rPr lang="en-US" dirty="0"/>
+                  <a:t>         </a:t>
+                </a:r>
+                <a14:m>
+                  <m:oMath xmlns:m="http://schemas.openxmlformats.org/officeDocument/2006/math">
+                    <m:r>
+                      <a:rPr lang="en-US" b="0" i="1" smtClean="0">
+                        <a:latin typeface="Cambria Math" panose="02040503050406030204" pitchFamily="18" charset="0"/>
+                      </a:rPr>
+                      <m:t>𝑈𝑛𝑑</m:t>
+                    </m:r>
+                    <m:r>
+                      <a:rPr lang="en-US" b="0" i="1" smtClean="0">
+                        <a:latin typeface="Cambria Math" panose="02040503050406030204" pitchFamily="18" charset="0"/>
+                      </a:rPr>
+                      <m:t>′</m:t>
+                    </m:r>
+                  </m:oMath>
+                </a14:m>
+                <a:r>
+                  <a:rPr lang="en-US" dirty="0"/>
+                  <a:t>: set of indices of samples whose status is undetermined, i.e., </a:t>
+                </a:r>
+                <a14:m>
+                  <m:oMath xmlns:m="http://schemas.openxmlformats.org/officeDocument/2006/math">
+                    <m:sSup>
+                      <m:sSupPr>
+                        <m:ctrlPr>
+                          <a:rPr lang="en-US" b="0" i="1" smtClean="0">
+                            <a:latin typeface="Cambria Math" panose="02040503050406030204" pitchFamily="18" charset="0"/>
+                          </a:rPr>
+                        </m:ctrlPr>
+                      </m:sSupPr>
+                      <m:e>
+                        <m:r>
+                          <a:rPr lang="en-US" b="0" i="1" smtClean="0">
+                            <a:latin typeface="Cambria Math" panose="02040503050406030204" pitchFamily="18" charset="0"/>
+                          </a:rPr>
+                          <m:t>𝑈𝑛𝑑</m:t>
+                        </m:r>
+                      </m:e>
+                      <m:sup>
+                        <m:r>
+                          <a:rPr lang="en-US" b="0" i="1" smtClean="0">
+                            <a:latin typeface="Cambria Math" panose="02040503050406030204" pitchFamily="18" charset="0"/>
+                          </a:rPr>
+                          <m:t>′</m:t>
+                        </m:r>
+                      </m:sup>
+                    </m:sSup>
+                    <m:r>
+                      <a:rPr lang="en-US" b="0" i="1" smtClean="0">
+                        <a:latin typeface="Cambria Math" panose="02040503050406030204" pitchFamily="18" charset="0"/>
+                      </a:rPr>
+                      <m:t>=</m:t>
+                    </m:r>
+                    <m:d>
+                      <m:dPr>
+                        <m:begChr m:val="["/>
+                        <m:endChr m:val="]"/>
+                        <m:ctrlPr>
+                          <a:rPr lang="en-US" b="0" i="1" smtClean="0">
+                            <a:latin typeface="Cambria Math" panose="02040503050406030204" pitchFamily="18" charset="0"/>
+                          </a:rPr>
+                        </m:ctrlPr>
+                      </m:dPr>
+                      <m:e>
+                        <m:r>
+                          <a:rPr lang="en-US" b="0" i="1" smtClean="0">
+                            <a:latin typeface="Cambria Math" panose="02040503050406030204" pitchFamily="18" charset="0"/>
+                          </a:rPr>
+                          <m:t>𝑁</m:t>
+                        </m:r>
+                      </m:e>
+                    </m:d>
+                    <m:r>
+                      <a:rPr lang="en-US" b="0" i="1" smtClean="0">
+                        <a:latin typeface="Cambria Math" panose="02040503050406030204" pitchFamily="18" charset="0"/>
+                      </a:rPr>
+                      <m:t>\</m:t>
+                    </m:r>
+                    <m:r>
+                      <m:rPr>
+                        <m:lit/>
+                      </m:rPr>
+                      <a:rPr lang="en-US" b="0" i="1" smtClean="0">
+                        <a:latin typeface="Cambria Math" panose="02040503050406030204" pitchFamily="18" charset="0"/>
+                      </a:rPr>
+                      <m:t>(</m:t>
+                    </m:r>
+                    <m:sSup>
+                      <m:sSupPr>
+                        <m:ctrlPr>
+                          <a:rPr lang="en-US" b="0" i="1" smtClean="0">
+                            <a:latin typeface="Cambria Math" panose="02040503050406030204" pitchFamily="18" charset="0"/>
+                          </a:rPr>
+                        </m:ctrlPr>
+                      </m:sSupPr>
+                      <m:e>
+                        <m:r>
+                          <a:rPr lang="en-US" b="0" i="1" smtClean="0">
+                            <a:latin typeface="Cambria Math" panose="02040503050406030204" pitchFamily="18" charset="0"/>
+                          </a:rPr>
+                          <m:t>𝑃𝑜𝑠</m:t>
+                        </m:r>
+                      </m:e>
+                      <m:sup>
+                        <m:r>
+                          <a:rPr lang="en-US" b="0" i="1" smtClean="0">
+                            <a:latin typeface="Cambria Math" panose="02040503050406030204" pitchFamily="18" charset="0"/>
+                          </a:rPr>
+                          <m:t>′</m:t>
+                        </m:r>
+                      </m:sup>
+                    </m:sSup>
+                    <m:r>
+                      <a:rPr lang="en-US" b="0" i="1" smtClean="0">
+                        <a:latin typeface="Cambria Math" panose="02040503050406030204" pitchFamily="18" charset="0"/>
+                      </a:rPr>
+                      <m:t>∪</m:t>
+                    </m:r>
+                    <m:r>
+                      <a:rPr lang="en-US" b="0" i="1" smtClean="0">
+                        <a:latin typeface="Cambria Math" panose="02040503050406030204" pitchFamily="18" charset="0"/>
+                      </a:rPr>
+                      <m:t>𝑁𝑒𝑔</m:t>
+                    </m:r>
+                    <m:r>
+                      <a:rPr lang="en-US" b="0" i="1" smtClean="0">
+                        <a:latin typeface="Cambria Math" panose="02040503050406030204" pitchFamily="18" charset="0"/>
+                      </a:rPr>
+                      <m:t>′)</m:t>
+                    </m:r>
+                  </m:oMath>
+                </a14:m>
+                <a:r>
+                  <a:rPr lang="en-US" dirty="0"/>
+                  <a:t> </a:t>
+                </a:r>
+              </a:p>
+              <a:p>
+                <a:pPr marL="0" indent="0">
+                  <a:buNone/>
+                </a:pPr>
+                <a:endParaRPr lang="en-US" dirty="0"/>
+              </a:p>
+            </p:txBody>
+          </p:sp>
+        </mc:Choice>
+        <mc:Fallback>
+          <p:sp>
+            <p:nvSpPr>
+              <p:cNvPr id="3" name="Content Placeholder 2">
+                <a:extLst>
+                  <a:ext uri="{FF2B5EF4-FFF2-40B4-BE49-F238E27FC236}">
+                    <a16:creationId xmlns:a16="http://schemas.microsoft.com/office/drawing/2014/main" id="{CDFFB0D0-4C02-421F-B3AE-B5920AA71043}"/>
+                  </a:ext>
+                </a:extLst>
+              </p:cNvPr>
+              <p:cNvSpPr>
+                <a:spLocks noGrp="1" noRot="1" noChangeAspect="1" noMove="1" noResize="1" noEditPoints="1" noAdjustHandles="1" noChangeArrowheads="1" noChangeShapeType="1" noTextEdit="1"/>
+              </p:cNvSpPr>
+              <p:nvPr>
+                <p:ph idx="1"/>
+              </p:nvPr>
+            </p:nvSpPr>
+            <p:spPr>
+              <a:blipFill>
+                <a:blip r:embed="rId2"/>
+                <a:stretch>
+                  <a:fillRect l="-928" t="-3221" r="-1101" b="-2521"/>
+                </a:stretch>
+              </a:blipFill>
+            </p:spPr>
+            <p:txBody>
+              <a:bodyPr/>
+              <a:lstStyle/>
+              <a:p>
+                <a:r>
+                  <a:rPr lang="en-US">
+                    <a:noFill/>
+                  </a:rPr>
+                  <a:t> </a:t>
+                </a:r>
+              </a:p>
+            </p:txBody>
+          </p:sp>
+        </mc:Fallback>
+      </mc:AlternateContent>
+    </p:spTree>
+    <p:extLst>
+      <p:ext uri="{BB962C8B-B14F-4D97-AF65-F5344CB8AC3E}">
+        <p14:creationId xmlns:p14="http://schemas.microsoft.com/office/powerpoint/2010/main" val="2671079396"/>
+      </p:ext>
+    </p:extLst>
+  </p:cSld>
+  <p:clrMapOvr>
+    <a:masterClrMapping/>
+  </p:clrMapOvr>
+</p:sld>
+</file>
+
+<file path=ppt/slides/slide18.xml><?xml version="1.0" encoding="utf-8"?>
+<p:sld xmlns:a="http://schemas.openxmlformats.org/drawingml/2006/main" xmlns:r="http://schemas.openxmlformats.org/officeDocument/2006/relationships" xmlns:p="http://schemas.openxmlformats.org/presentationml/2006/main">
+  <p:cSld>
+    <p:spTree>
+      <p:nvGrpSpPr>
+        <p:cNvPr id="1" name=""/>
+        <p:cNvGrpSpPr/>
+        <p:nvPr/>
+      </p:nvGrpSpPr>
+      <p:grpSpPr>
+        <a:xfrm>
+          <a:off x="0" y="0"/>
+          <a:ext cx="0" cy="0"/>
+          <a:chOff x="0" y="0"/>
+          <a:chExt cx="0" cy="0"/>
+        </a:xfrm>
+      </p:grpSpPr>
+      <p:sp>
+        <p:nvSpPr>
+          <p:cNvPr id="2" name="Title 1">
+            <a:extLst>
+              <a:ext uri="{FF2B5EF4-FFF2-40B4-BE49-F238E27FC236}">
+                <a16:creationId xmlns:a16="http://schemas.microsoft.com/office/drawing/2014/main" id="{690E3348-8C8E-4BB6-B297-A1347BE5BA14}"/>
+              </a:ext>
+            </a:extLst>
+          </p:cNvPr>
+          <p:cNvSpPr>
+            <a:spLocks noGrp="1"/>
+          </p:cNvSpPr>
+          <p:nvPr>
+            <p:ph type="title"/>
+          </p:nvPr>
+        </p:nvSpPr>
+        <p:spPr/>
+        <p:txBody>
+          <a:bodyPr/>
+          <a:lstStyle/>
+          <a:p>
+            <a:r>
+              <a:rPr lang="en-US" dirty="0"/>
+              <a:t>Decoding modules</a:t>
+            </a:r>
+          </a:p>
+        </p:txBody>
+      </p:sp>
+      <p:pic>
+        <p:nvPicPr>
+          <p:cNvPr id="4" name="Content Placeholder 3">
+            <a:extLst>
+              <a:ext uri="{FF2B5EF4-FFF2-40B4-BE49-F238E27FC236}">
+                <a16:creationId xmlns:a16="http://schemas.microsoft.com/office/drawing/2014/main" id="{4FF9923A-8141-4D0E-87BF-84BA45D7047C}"/>
+              </a:ext>
+            </a:extLst>
+          </p:cNvPr>
+          <p:cNvPicPr>
+            <a:picLocks noGrp="1" noChangeAspect="1"/>
+          </p:cNvPicPr>
+          <p:nvPr>
+            <p:ph idx="1"/>
+          </p:nvPr>
+        </p:nvPicPr>
+        <p:blipFill>
+          <a:blip r:embed="rId2"/>
+          <a:stretch>
+            <a:fillRect/>
+          </a:stretch>
+        </p:blipFill>
+        <p:spPr>
+          <a:xfrm>
+            <a:off x="2633662" y="2045494"/>
+            <a:ext cx="6924675" cy="3733800"/>
+          </a:xfrm>
+          <a:prstGeom prst="rect">
+            <a:avLst/>
+          </a:prstGeom>
+        </p:spPr>
+      </p:pic>
+    </p:spTree>
+    <p:extLst>
+      <p:ext uri="{BB962C8B-B14F-4D97-AF65-F5344CB8AC3E}">
+        <p14:creationId xmlns:p14="http://schemas.microsoft.com/office/powerpoint/2010/main" val="3815625607"/>
+      </p:ext>
+    </p:extLst>
+  </p:cSld>
+  <p:clrMapOvr>
+    <a:masterClrMapping/>
+  </p:clrMapOvr>
+</p:sld>
+</file>
+
+<file path=ppt/slides/slide19.xml><?xml version="1.0" encoding="utf-8"?>
+<p:sld xmlns:a="http://schemas.openxmlformats.org/drawingml/2006/main" xmlns:r="http://schemas.openxmlformats.org/officeDocument/2006/relationships" xmlns:p="http://schemas.openxmlformats.org/presentationml/2006/main">
+  <p:cSld>
+    <p:spTree>
+      <p:nvGrpSpPr>
+        <p:cNvPr id="1" name=""/>
+        <p:cNvGrpSpPr/>
+        <p:nvPr/>
+      </p:nvGrpSpPr>
+      <p:grpSpPr>
+        <a:xfrm>
+          <a:off x="0" y="0"/>
+          <a:ext cx="0" cy="0"/>
+          <a:chOff x="0" y="0"/>
+          <a:chExt cx="0" cy="0"/>
+        </a:xfrm>
+      </p:grpSpPr>
+      <p:sp>
+        <p:nvSpPr>
+          <p:cNvPr id="2" name="Title 1">
+            <a:extLst>
+              <a:ext uri="{FF2B5EF4-FFF2-40B4-BE49-F238E27FC236}">
+                <a16:creationId xmlns:a16="http://schemas.microsoft.com/office/drawing/2014/main" id="{1B72D3A1-D1D2-4273-BD44-4D98F42A9F5E}"/>
+              </a:ext>
+            </a:extLst>
+          </p:cNvPr>
+          <p:cNvSpPr>
+            <a:spLocks noGrp="1"/>
+          </p:cNvSpPr>
+          <p:nvPr>
+            <p:ph type="title"/>
+          </p:nvPr>
+        </p:nvSpPr>
+        <p:spPr/>
+        <p:txBody>
+          <a:bodyPr/>
+          <a:lstStyle/>
+          <a:p>
+            <a:r>
+              <a:rPr lang="en-US" dirty="0"/>
+              <a:t>Parameters setup</a:t>
+            </a:r>
+          </a:p>
+        </p:txBody>
+      </p:sp>
+      <p:sp>
+        <p:nvSpPr>
+          <p:cNvPr id="3" name="Content Placeholder 2">
+            <a:extLst>
+              <a:ext uri="{FF2B5EF4-FFF2-40B4-BE49-F238E27FC236}">
+                <a16:creationId xmlns:a16="http://schemas.microsoft.com/office/drawing/2014/main" id="{F2E5057D-5794-44AF-BE21-3202D611DCFA}"/>
+              </a:ext>
+            </a:extLst>
+          </p:cNvPr>
+          <p:cNvSpPr>
+            <a:spLocks noGrp="1"/>
+          </p:cNvSpPr>
+          <p:nvPr>
+            <p:ph idx="1"/>
+          </p:nvPr>
+        </p:nvSpPr>
+        <p:spPr/>
+        <p:txBody>
+          <a:bodyPr/>
+          <a:lstStyle/>
+          <a:p>
+            <a:r>
+              <a:rPr lang="en-US" dirty="0"/>
+              <a:t>Parameters associated with system</a:t>
+            </a:r>
+          </a:p>
+          <a:p>
+            <a:pPr>
+              <a:buFontTx/>
+              <a:buChar char="-"/>
+            </a:pPr>
             <a:r>
               <a:rPr lang="en-US" dirty="0" err="1"/>
-              <a:t>Params.virusID</a:t>
-            </a:r>
-            <a:r>
-              <a:rPr lang="en-US" dirty="0"/>
-              <a:t> = ‘MHV-1]</a:t>
-            </a:r>
-          </a:p>
-          <a:p>
-            <a:r>
-              <a:rPr lang="en-US" dirty="0"/>
-              <a:t>Choose mixing matrix size: </a:t>
-            </a:r>
-            <a:r>
-              <a:rPr lang="en-US" dirty="0" err="1"/>
-              <a:t>Params.MatSize</a:t>
-            </a:r>
-            <a:r>
-              <a:rPr lang="en-US" dirty="0"/>
-              <a:t> = [3,7]</a:t>
-            </a:r>
-          </a:p>
-          <a:p>
-            <a:r>
-              <a:rPr lang="en-US" dirty="0"/>
-              <a:t>Choose trail experiment index: </a:t>
-            </a:r>
-            <a:r>
-              <a:rPr lang="en-US" dirty="0" err="1"/>
-              <a:t>Params.trialInd</a:t>
-            </a:r>
-            <a:r>
-              <a:rPr lang="en-US" dirty="0"/>
-              <a:t> = 1</a:t>
-            </a:r>
-          </a:p>
-          <a:p>
-            <a:r>
-              <a:rPr lang="en-US" dirty="0"/>
-              <a:t>Choose number of adaptive request: </a:t>
-            </a:r>
-            <a:r>
-              <a:rPr lang="en-US" dirty="0" err="1"/>
-              <a:t>Params.stageNum</a:t>
-            </a:r>
-            <a:r>
-              <a:rPr lang="en-US" dirty="0"/>
-              <a:t>=2</a:t>
-            </a:r>
-          </a:p>
-          <a:p>
-            <a:endParaRPr lang="en-US" dirty="0"/>
+              <a:t>Params.ctValType</a:t>
+            </a:r>
+            <a:r>
+              <a:rPr lang="en-US" dirty="0"/>
+              <a:t>: specify which group of pooling results to use for decoding. Set to be “primary” if only the pooling results from the main group are used, or “secondary” if only the pooling results from the duplicate group are used, or ‘all’ if the pooling results from both the main group and duplicate group are used. Empirically, there is no big difference  between using pooling results from one group or both the two groups. Default value “all”</a:t>
+            </a:r>
           </a:p>
           <a:p>
             <a:pPr marL="0" indent="0">
@@ -4332,35 +7396,22 @@
             </a:pPr>
             <a:r>
               <a:rPr lang="en-US" dirty="0"/>
-              <a:t>Adjustable variable</a:t>
-            </a:r>
-          </a:p>
-          <a:p>
-            <a:r>
-              <a:rPr lang="en-US" dirty="0"/>
-              <a:t>Choose optimization solver: </a:t>
-            </a:r>
-            <a:r>
-              <a:rPr lang="en-US" dirty="0" err="1"/>
-              <a:t>Params.solver</a:t>
-            </a:r>
-            <a:r>
-              <a:rPr lang="en-US" dirty="0"/>
-              <a:t> = ‘EXHAUSTIVE’, or ‘OBO_MM’, or ‘MISMATCHRATIO_SUCC’</a:t>
-            </a:r>
-          </a:p>
-          <a:p>
-            <a:r>
-              <a:rPr lang="en-US" dirty="0"/>
-              <a:t>Run the program</a:t>
-            </a:r>
+              <a:t>-</a:t>
+            </a:r>
+          </a:p>
+          <a:p>
+            <a:pPr>
+              <a:buFontTx/>
+              <a:buChar char="-"/>
+            </a:pPr>
+            <a:endParaRPr lang="en-US" dirty="0"/>
           </a:p>
         </p:txBody>
       </p:sp>
     </p:spTree>
     <p:extLst>
       <p:ext uri="{BB962C8B-B14F-4D97-AF65-F5344CB8AC3E}">
-        <p14:creationId xmlns:p14="http://schemas.microsoft.com/office/powerpoint/2010/main" val="398195165"/>
+        <p14:creationId xmlns:p14="http://schemas.microsoft.com/office/powerpoint/2010/main" val="3889362642"/>
       </p:ext>
     </p:extLst>
   </p:cSld>
@@ -4453,6 +7504,953 @@
 </p:sld>
 </file>
 
+<file path=ppt/slides/slide20.xml><?xml version="1.0" encoding="utf-8"?>
+<p:sld xmlns:a="http://schemas.openxmlformats.org/drawingml/2006/main" xmlns:r="http://schemas.openxmlformats.org/officeDocument/2006/relationships" xmlns:p="http://schemas.openxmlformats.org/presentationml/2006/main">
+  <p:cSld>
+    <p:spTree>
+      <p:nvGrpSpPr>
+        <p:cNvPr id="1" name=""/>
+        <p:cNvGrpSpPr/>
+        <p:nvPr/>
+      </p:nvGrpSpPr>
+      <p:grpSpPr>
+        <a:xfrm>
+          <a:off x="0" y="0"/>
+          <a:ext cx="0" cy="0"/>
+          <a:chOff x="0" y="0"/>
+          <a:chExt cx="0" cy="0"/>
+        </a:xfrm>
+      </p:grpSpPr>
+      <p:sp>
+        <p:nvSpPr>
+          <p:cNvPr id="2" name="Title 1">
+            <a:extLst>
+              <a:ext uri="{FF2B5EF4-FFF2-40B4-BE49-F238E27FC236}">
+                <a16:creationId xmlns:a16="http://schemas.microsoft.com/office/drawing/2014/main" id="{2E17C260-3386-4E0B-851E-6F1F881ADBB2}"/>
+              </a:ext>
+            </a:extLst>
+          </p:cNvPr>
+          <p:cNvSpPr>
+            <a:spLocks noGrp="1"/>
+          </p:cNvSpPr>
+          <p:nvPr>
+            <p:ph type="title"/>
+          </p:nvPr>
+        </p:nvSpPr>
+        <p:spPr/>
+        <p:txBody>
+          <a:bodyPr/>
+          <a:lstStyle/>
+          <a:p>
+            <a:r>
+              <a:rPr lang="en-US" dirty="0"/>
+              <a:t>Parameters setup</a:t>
+            </a:r>
+          </a:p>
+        </p:txBody>
+      </p:sp>
+      <p:sp>
+        <p:nvSpPr>
+          <p:cNvPr id="3" name="Content Placeholder 2">
+            <a:extLst>
+              <a:ext uri="{FF2B5EF4-FFF2-40B4-BE49-F238E27FC236}">
+                <a16:creationId xmlns:a16="http://schemas.microsoft.com/office/drawing/2014/main" id="{D43F67EC-9139-4DC7-B681-2F1B573158EA}"/>
+              </a:ext>
+            </a:extLst>
+          </p:cNvPr>
+          <p:cNvSpPr>
+            <a:spLocks noGrp="1"/>
+          </p:cNvSpPr>
+          <p:nvPr>
+            <p:ph idx="1"/>
+          </p:nvPr>
+        </p:nvSpPr>
+        <p:spPr/>
+        <p:txBody>
+          <a:bodyPr/>
+          <a:lstStyle/>
+          <a:p>
+            <a:r>
+              <a:rPr lang="en-US" dirty="0"/>
+              <a:t>Parameters associated with group testing</a:t>
+            </a:r>
+          </a:p>
+          <a:p>
+            <a:pPr>
+              <a:buFontTx/>
+              <a:buChar char="-"/>
+            </a:pPr>
+            <a:r>
+              <a:rPr lang="en-US" dirty="0" err="1"/>
+              <a:t>Params.posNumPrior</a:t>
+            </a:r>
+            <a:r>
+              <a:rPr lang="en-US" dirty="0"/>
+              <a:t>: number of positives as prior knowledge. If it’s already known that there is only one positive, set it to be 1. Otherwise, set it to be 0. Default value 0.</a:t>
+            </a:r>
+          </a:p>
+          <a:p>
+            <a:pPr>
+              <a:buFontTx/>
+              <a:buChar char="-"/>
+            </a:pPr>
+            <a:endParaRPr lang="en-US" dirty="0"/>
+          </a:p>
+        </p:txBody>
+      </p:sp>
+    </p:spTree>
+    <p:extLst>
+      <p:ext uri="{BB962C8B-B14F-4D97-AF65-F5344CB8AC3E}">
+        <p14:creationId xmlns:p14="http://schemas.microsoft.com/office/powerpoint/2010/main" val="789406950"/>
+      </p:ext>
+    </p:extLst>
+  </p:cSld>
+  <p:clrMapOvr>
+    <a:masterClrMapping/>
+  </p:clrMapOvr>
+</p:sld>
+</file>
+
+<file path=ppt/slides/slide21.xml><?xml version="1.0" encoding="utf-8"?>
+<p:sld xmlns:a="http://schemas.openxmlformats.org/drawingml/2006/main" xmlns:r="http://schemas.openxmlformats.org/officeDocument/2006/relationships" xmlns:p="http://schemas.openxmlformats.org/presentationml/2006/main">
+  <p:cSld>
+    <p:spTree>
+      <p:nvGrpSpPr>
+        <p:cNvPr id="1" name=""/>
+        <p:cNvGrpSpPr/>
+        <p:nvPr/>
+      </p:nvGrpSpPr>
+      <p:grpSpPr>
+        <a:xfrm>
+          <a:off x="0" y="0"/>
+          <a:ext cx="0" cy="0"/>
+          <a:chOff x="0" y="0"/>
+          <a:chExt cx="0" cy="0"/>
+        </a:xfrm>
+      </p:grpSpPr>
+      <p:sp>
+        <p:nvSpPr>
+          <p:cNvPr id="2" name="Title 1">
+            <a:extLst>
+              <a:ext uri="{FF2B5EF4-FFF2-40B4-BE49-F238E27FC236}">
+                <a16:creationId xmlns:a16="http://schemas.microsoft.com/office/drawing/2014/main" id="{BB3F3000-D7B7-4124-A59E-E013DC668360}"/>
+              </a:ext>
+            </a:extLst>
+          </p:cNvPr>
+          <p:cNvSpPr>
+            <a:spLocks noGrp="1"/>
+          </p:cNvSpPr>
+          <p:nvPr>
+            <p:ph type="title"/>
+          </p:nvPr>
+        </p:nvSpPr>
+        <p:spPr/>
+        <p:txBody>
+          <a:bodyPr/>
+          <a:lstStyle/>
+          <a:p>
+            <a:r>
+              <a:rPr lang="en-US" dirty="0"/>
+              <a:t>Parameters setup</a:t>
+            </a:r>
+          </a:p>
+        </p:txBody>
+      </p:sp>
+      <p:sp>
+        <p:nvSpPr>
+          <p:cNvPr id="3" name="Content Placeholder 2">
+            <a:extLst>
+              <a:ext uri="{FF2B5EF4-FFF2-40B4-BE49-F238E27FC236}">
+                <a16:creationId xmlns:a16="http://schemas.microsoft.com/office/drawing/2014/main" id="{93BD894C-0A06-46BD-9B57-F5DD09EAA6C4}"/>
+              </a:ext>
+            </a:extLst>
+          </p:cNvPr>
+          <p:cNvSpPr>
+            <a:spLocks noGrp="1"/>
+          </p:cNvSpPr>
+          <p:nvPr>
+            <p:ph idx="1"/>
+          </p:nvPr>
+        </p:nvSpPr>
+        <p:spPr/>
+        <p:txBody>
+          <a:bodyPr/>
+          <a:lstStyle/>
+          <a:p>
+            <a:r>
+              <a:rPr lang="en-US" dirty="0"/>
+              <a:t>Parameters associated with OBO_MM</a:t>
+            </a:r>
+          </a:p>
+          <a:p>
+            <a:pPr marL="0" indent="0">
+              <a:buNone/>
+            </a:pPr>
+            <a:r>
+              <a:rPr lang="en-US" dirty="0"/>
+              <a:t>- </a:t>
+            </a:r>
+            <a:r>
+              <a:rPr lang="en-US" dirty="0" err="1"/>
+              <a:t>Params.vloadMin</a:t>
+            </a:r>
+            <a:r>
+              <a:rPr lang="en-US" dirty="0"/>
+              <a:t>: a virus load threshold for specifying status of individual samples. If the upper bound estimate is smaller than this threshold, then the sample is claimed to be negative. If the lower bound estimate is larger than this threshold, then the sample is claimed to be positive. Default value 1e-6.</a:t>
+            </a:r>
+          </a:p>
+          <a:p>
+            <a:pPr marL="0" indent="0">
+              <a:buNone/>
+            </a:pPr>
+            <a:endParaRPr lang="en-US" dirty="0"/>
+          </a:p>
+          <a:p>
+            <a:pPr marL="0" indent="0">
+              <a:buNone/>
+            </a:pPr>
+            <a:endParaRPr lang="en-US" dirty="0"/>
+          </a:p>
+        </p:txBody>
+      </p:sp>
+    </p:spTree>
+    <p:extLst>
+      <p:ext uri="{BB962C8B-B14F-4D97-AF65-F5344CB8AC3E}">
+        <p14:creationId xmlns:p14="http://schemas.microsoft.com/office/powerpoint/2010/main" val="3683198296"/>
+      </p:ext>
+    </p:extLst>
+  </p:cSld>
+  <p:clrMapOvr>
+    <a:masterClrMapping/>
+  </p:clrMapOvr>
+</p:sld>
+</file>
+
+<file path=ppt/slides/slide22.xml><?xml version="1.0" encoding="utf-8"?>
+<p:sld xmlns:a="http://schemas.openxmlformats.org/drawingml/2006/main" xmlns:r="http://schemas.openxmlformats.org/officeDocument/2006/relationships" xmlns:p="http://schemas.openxmlformats.org/presentationml/2006/main">
+  <p:cSld>
+    <p:spTree>
+      <p:nvGrpSpPr>
+        <p:cNvPr id="1" name=""/>
+        <p:cNvGrpSpPr/>
+        <p:nvPr/>
+      </p:nvGrpSpPr>
+      <p:grpSpPr>
+        <a:xfrm>
+          <a:off x="0" y="0"/>
+          <a:ext cx="0" cy="0"/>
+          <a:chOff x="0" y="0"/>
+          <a:chExt cx="0" cy="0"/>
+        </a:xfrm>
+      </p:grpSpPr>
+      <p:sp>
+        <p:nvSpPr>
+          <p:cNvPr id="2" name="Title 1">
+            <a:extLst>
+              <a:ext uri="{FF2B5EF4-FFF2-40B4-BE49-F238E27FC236}">
+                <a16:creationId xmlns:a16="http://schemas.microsoft.com/office/drawing/2014/main" id="{90B5F312-1149-4C98-9F9E-9964E40476A1}"/>
+              </a:ext>
+            </a:extLst>
+          </p:cNvPr>
+          <p:cNvSpPr>
+            <a:spLocks noGrp="1"/>
+          </p:cNvSpPr>
+          <p:nvPr>
+            <p:ph type="title"/>
+          </p:nvPr>
+        </p:nvSpPr>
+        <p:spPr/>
+        <p:txBody>
+          <a:bodyPr/>
+          <a:lstStyle/>
+          <a:p>
+            <a:r>
+              <a:rPr lang="en-US" dirty="0"/>
+              <a:t>Parameters setup</a:t>
+            </a:r>
+          </a:p>
+        </p:txBody>
+      </p:sp>
+      <p:sp>
+        <p:nvSpPr>
+          <p:cNvPr id="3" name="Content Placeholder 2">
+            <a:extLst>
+              <a:ext uri="{FF2B5EF4-FFF2-40B4-BE49-F238E27FC236}">
+                <a16:creationId xmlns:a16="http://schemas.microsoft.com/office/drawing/2014/main" id="{91D4CE97-EE28-4F03-9936-CCA619463494}"/>
+              </a:ext>
+            </a:extLst>
+          </p:cNvPr>
+          <p:cNvSpPr>
+            <a:spLocks noGrp="1"/>
+          </p:cNvSpPr>
+          <p:nvPr>
+            <p:ph idx="1"/>
+          </p:nvPr>
+        </p:nvSpPr>
+        <p:spPr/>
+        <p:txBody>
+          <a:bodyPr/>
+          <a:lstStyle/>
+          <a:p>
+            <a:r>
+              <a:rPr lang="en-US" dirty="0"/>
+              <a:t>Parameters associated with EXHAUSTIVE</a:t>
+            </a:r>
+          </a:p>
+          <a:p>
+            <a:pPr marL="0" indent="0">
+              <a:buNone/>
+            </a:pPr>
+            <a:r>
+              <a:rPr lang="en-US" dirty="0"/>
+              <a:t>- </a:t>
+            </a:r>
+            <a:r>
+              <a:rPr lang="en-US" dirty="0" err="1"/>
+              <a:t>Params.vloadMin</a:t>
+            </a:r>
+            <a:r>
+              <a:rPr lang="en-US" dirty="0"/>
+              <a:t>: a virus load threshold for specifying status of individual samples. If the estimate is larger than this threshold, then the sample is claimed to be positive. Default value 1e-6.</a:t>
+            </a:r>
+          </a:p>
+          <a:p>
+            <a:pPr>
+              <a:buFontTx/>
+              <a:buChar char="-"/>
+            </a:pPr>
+            <a:r>
+              <a:rPr lang="en-US" dirty="0" err="1"/>
+              <a:t>Params.exhaustiveMode</a:t>
+            </a:r>
+            <a:r>
+              <a:rPr lang="en-US" dirty="0"/>
+              <a:t>:</a:t>
+            </a:r>
+          </a:p>
+          <a:p>
+            <a:pPr>
+              <a:buFontTx/>
+              <a:buChar char="-"/>
+            </a:pPr>
+            <a:r>
+              <a:rPr lang="en-US" dirty="0" err="1"/>
+              <a:t>Params.earlyTolCtVal</a:t>
+            </a:r>
+            <a:r>
+              <a:rPr lang="en-US" dirty="0"/>
+              <a:t>:</a:t>
+            </a:r>
+          </a:p>
+          <a:p>
+            <a:pPr>
+              <a:buFontTx/>
+              <a:buChar char="-"/>
+            </a:pPr>
+            <a:r>
+              <a:rPr lang="en-US" dirty="0" err="1"/>
+              <a:t>Params.exhaustiveMaxIterSucc</a:t>
+            </a:r>
+            <a:endParaRPr lang="en-US" dirty="0"/>
+          </a:p>
+          <a:p>
+            <a:pPr>
+              <a:buFontTx/>
+              <a:buChar char="-"/>
+            </a:pPr>
+            <a:endParaRPr lang="en-US" dirty="0"/>
+          </a:p>
+        </p:txBody>
+      </p:sp>
+    </p:spTree>
+    <p:extLst>
+      <p:ext uri="{BB962C8B-B14F-4D97-AF65-F5344CB8AC3E}">
+        <p14:creationId xmlns:p14="http://schemas.microsoft.com/office/powerpoint/2010/main" val="1902895476"/>
+      </p:ext>
+    </p:extLst>
+  </p:cSld>
+  <p:clrMapOvr>
+    <a:masterClrMapping/>
+  </p:clrMapOvr>
+</p:sld>
+</file>
+
+<file path=ppt/slides/slide23.xml><?xml version="1.0" encoding="utf-8"?>
+<p:sld xmlns:a="http://schemas.openxmlformats.org/drawingml/2006/main" xmlns:r="http://schemas.openxmlformats.org/officeDocument/2006/relationships" xmlns:p="http://schemas.openxmlformats.org/presentationml/2006/main">
+  <p:cSld>
+    <p:spTree>
+      <p:nvGrpSpPr>
+        <p:cNvPr id="1" name=""/>
+        <p:cNvGrpSpPr/>
+        <p:nvPr/>
+      </p:nvGrpSpPr>
+      <p:grpSpPr>
+        <a:xfrm>
+          <a:off x="0" y="0"/>
+          <a:ext cx="0" cy="0"/>
+          <a:chOff x="0" y="0"/>
+          <a:chExt cx="0" cy="0"/>
+        </a:xfrm>
+      </p:grpSpPr>
+      <p:sp>
+        <p:nvSpPr>
+          <p:cNvPr id="2" name="Title 1">
+            <a:extLst>
+              <a:ext uri="{FF2B5EF4-FFF2-40B4-BE49-F238E27FC236}">
+                <a16:creationId xmlns:a16="http://schemas.microsoft.com/office/drawing/2014/main" id="{8F883331-AD89-4C0D-B5FC-7EF260FDCDE1}"/>
+              </a:ext>
+            </a:extLst>
+          </p:cNvPr>
+          <p:cNvSpPr>
+            <a:spLocks noGrp="1"/>
+          </p:cNvSpPr>
+          <p:nvPr>
+            <p:ph type="title"/>
+          </p:nvPr>
+        </p:nvSpPr>
+        <p:spPr/>
+        <p:txBody>
+          <a:bodyPr/>
+          <a:lstStyle/>
+          <a:p>
+            <a:r>
+              <a:rPr lang="en-US" dirty="0"/>
+              <a:t>Parameters setup</a:t>
+            </a:r>
+          </a:p>
+        </p:txBody>
+      </p:sp>
+      <p:sp>
+        <p:nvSpPr>
+          <p:cNvPr id="3" name="Content Placeholder 2">
+            <a:extLst>
+              <a:ext uri="{FF2B5EF4-FFF2-40B4-BE49-F238E27FC236}">
+                <a16:creationId xmlns:a16="http://schemas.microsoft.com/office/drawing/2014/main" id="{9F7D0329-2D71-45C4-9824-B4D60D1C4EC8}"/>
+              </a:ext>
+            </a:extLst>
+          </p:cNvPr>
+          <p:cNvSpPr>
+            <a:spLocks noGrp="1"/>
+          </p:cNvSpPr>
+          <p:nvPr>
+            <p:ph idx="1"/>
+          </p:nvPr>
+        </p:nvSpPr>
+        <p:spPr/>
+        <p:txBody>
+          <a:bodyPr/>
+          <a:lstStyle/>
+          <a:p>
+            <a:r>
+              <a:rPr lang="en-US" dirty="0"/>
+              <a:t>Parameters associated with MISMATCHRATIO_SUCC</a:t>
+            </a:r>
+          </a:p>
+          <a:p>
+            <a:pPr marL="0" indent="0">
+              <a:buNone/>
+            </a:pPr>
+            <a:r>
+              <a:rPr lang="en-US" dirty="0"/>
+              <a:t>- </a:t>
+            </a:r>
+            <a:r>
+              <a:rPr lang="en-US" dirty="0" err="1"/>
+              <a:t>Params.vloadMin</a:t>
+            </a:r>
+            <a:r>
+              <a:rPr lang="en-US" dirty="0"/>
+              <a:t>: a virus load threshold for specifying status of individual samples. If the estimate is larger than this threshold, then the sample is claimed to be positive. Default value 1e-6.</a:t>
+            </a:r>
+          </a:p>
+          <a:p>
+            <a:pPr>
+              <a:buFontTx/>
+              <a:buChar char="-"/>
+            </a:pPr>
+            <a:r>
+              <a:rPr lang="en-US" dirty="0" err="1"/>
+              <a:t>Params.MaxIterSucc</a:t>
+            </a:r>
+            <a:r>
+              <a:rPr lang="en-US" dirty="0"/>
+              <a:t>: maximal number of iterations for performing successive mismatch minimization. </a:t>
+            </a:r>
+          </a:p>
+          <a:p>
+            <a:pPr>
+              <a:buFontTx/>
+              <a:buChar char="-"/>
+            </a:pPr>
+            <a:r>
+              <a:rPr lang="en-US" dirty="0" err="1"/>
+              <a:t>Params.mismatchratio_norm</a:t>
+            </a:r>
+            <a:r>
+              <a:rPr lang="en-US" dirty="0"/>
+              <a:t>: type of norm for evaluating the mismatch ratio. Set to be “L1” if evaluating using L1 norm, or “L2” if evaluating using L2 norm. Default value “L2”. </a:t>
+            </a:r>
+          </a:p>
+          <a:p>
+            <a:pPr>
+              <a:buFontTx/>
+              <a:buChar char="-"/>
+            </a:pPr>
+            <a:endParaRPr lang="en-US" dirty="0"/>
+          </a:p>
+        </p:txBody>
+      </p:sp>
+    </p:spTree>
+    <p:extLst>
+      <p:ext uri="{BB962C8B-B14F-4D97-AF65-F5344CB8AC3E}">
+        <p14:creationId xmlns:p14="http://schemas.microsoft.com/office/powerpoint/2010/main" val="4100235686"/>
+      </p:ext>
+    </p:extLst>
+  </p:cSld>
+  <p:clrMapOvr>
+    <a:masterClrMapping/>
+  </p:clrMapOvr>
+</p:sld>
+</file>
+
+<file path=ppt/slides/slide24.xml><?xml version="1.0" encoding="utf-8"?>
+<p:sld xmlns:a="http://schemas.openxmlformats.org/drawingml/2006/main" xmlns:r="http://schemas.openxmlformats.org/officeDocument/2006/relationships" xmlns:p="http://schemas.openxmlformats.org/presentationml/2006/main">
+  <p:cSld>
+    <p:spTree>
+      <p:nvGrpSpPr>
+        <p:cNvPr id="1" name=""/>
+        <p:cNvGrpSpPr/>
+        <p:nvPr/>
+      </p:nvGrpSpPr>
+      <p:grpSpPr>
+        <a:xfrm>
+          <a:off x="0" y="0"/>
+          <a:ext cx="0" cy="0"/>
+          <a:chOff x="0" y="0"/>
+          <a:chExt cx="0" cy="0"/>
+        </a:xfrm>
+      </p:grpSpPr>
+      <p:sp>
+        <p:nvSpPr>
+          <p:cNvPr id="2" name="Title 1">
+            <a:extLst>
+              <a:ext uri="{FF2B5EF4-FFF2-40B4-BE49-F238E27FC236}">
+                <a16:creationId xmlns:a16="http://schemas.microsoft.com/office/drawing/2014/main" id="{0563E1D1-3FE5-49BB-970A-FD40C4648D45}"/>
+              </a:ext>
+            </a:extLst>
+          </p:cNvPr>
+          <p:cNvSpPr>
+            <a:spLocks noGrp="1"/>
+          </p:cNvSpPr>
+          <p:nvPr>
+            <p:ph type="title"/>
+          </p:nvPr>
+        </p:nvSpPr>
+        <p:spPr/>
+        <p:txBody>
+          <a:bodyPr/>
+          <a:lstStyle/>
+          <a:p>
+            <a:r>
+              <a:rPr lang="en-US" dirty="0"/>
+              <a:t>Decoding module</a:t>
+            </a:r>
+          </a:p>
+        </p:txBody>
+      </p:sp>
+      <p:sp>
+        <p:nvSpPr>
+          <p:cNvPr id="3" name="Content Placeholder 2">
+            <a:extLst>
+              <a:ext uri="{FF2B5EF4-FFF2-40B4-BE49-F238E27FC236}">
+                <a16:creationId xmlns:a16="http://schemas.microsoft.com/office/drawing/2014/main" id="{A511EF38-186B-4F57-87F1-8C9CF4D0519F}"/>
+              </a:ext>
+            </a:extLst>
+          </p:cNvPr>
+          <p:cNvSpPr>
+            <a:spLocks noGrp="1"/>
+          </p:cNvSpPr>
+          <p:nvPr>
+            <p:ph idx="1"/>
+          </p:nvPr>
+        </p:nvSpPr>
+        <p:spPr/>
+        <p:txBody>
+          <a:bodyPr/>
+          <a:lstStyle/>
+          <a:p>
+            <a:r>
+              <a:rPr lang="en-US" dirty="0"/>
+              <a:t>Optimizers </a:t>
+            </a:r>
+          </a:p>
+        </p:txBody>
+      </p:sp>
+    </p:spTree>
+    <p:extLst>
+      <p:ext uri="{BB962C8B-B14F-4D97-AF65-F5344CB8AC3E}">
+        <p14:creationId xmlns:p14="http://schemas.microsoft.com/office/powerpoint/2010/main" val="2617573021"/>
+      </p:ext>
+    </p:extLst>
+  </p:cSld>
+  <p:clrMapOvr>
+    <a:masterClrMapping/>
+  </p:clrMapOvr>
+</p:sld>
+</file>
+
+<file path=ppt/slides/slide25.xml><?xml version="1.0" encoding="utf-8"?>
+<p:sld xmlns:a="http://schemas.openxmlformats.org/drawingml/2006/main" xmlns:r="http://schemas.openxmlformats.org/officeDocument/2006/relationships" xmlns:p="http://schemas.openxmlformats.org/presentationml/2006/main">
+  <p:cSld>
+    <p:spTree>
+      <p:nvGrpSpPr>
+        <p:cNvPr id="1" name=""/>
+        <p:cNvGrpSpPr/>
+        <p:nvPr/>
+      </p:nvGrpSpPr>
+      <p:grpSpPr>
+        <a:xfrm>
+          <a:off x="0" y="0"/>
+          <a:ext cx="0" cy="0"/>
+          <a:chOff x="0" y="0"/>
+          <a:chExt cx="0" cy="0"/>
+        </a:xfrm>
+      </p:grpSpPr>
+      <p:sp>
+        <p:nvSpPr>
+          <p:cNvPr id="2" name="Title 1">
+            <a:extLst>
+              <a:ext uri="{FF2B5EF4-FFF2-40B4-BE49-F238E27FC236}">
+                <a16:creationId xmlns:a16="http://schemas.microsoft.com/office/drawing/2014/main" id="{84C60BDA-C2DB-422D-A2F2-8CC8F98F437F}"/>
+              </a:ext>
+            </a:extLst>
+          </p:cNvPr>
+          <p:cNvSpPr>
+            <a:spLocks noGrp="1"/>
+          </p:cNvSpPr>
+          <p:nvPr>
+            <p:ph type="title"/>
+          </p:nvPr>
+        </p:nvSpPr>
+        <p:spPr/>
+        <p:txBody>
+          <a:bodyPr/>
+          <a:lstStyle/>
+          <a:p>
+            <a:r>
+              <a:rPr lang="en-US" dirty="0"/>
+              <a:t>Data components for exporting</a:t>
+            </a:r>
+          </a:p>
+        </p:txBody>
+      </p:sp>
+      <p:sp>
+        <p:nvSpPr>
+          <p:cNvPr id="3" name="Content Placeholder 2">
+            <a:extLst>
+              <a:ext uri="{FF2B5EF4-FFF2-40B4-BE49-F238E27FC236}">
+                <a16:creationId xmlns:a16="http://schemas.microsoft.com/office/drawing/2014/main" id="{D0C3DAC5-E197-44BE-8C43-A8C0FE537360}"/>
+              </a:ext>
+            </a:extLst>
+          </p:cNvPr>
+          <p:cNvSpPr>
+            <a:spLocks noGrp="1"/>
+          </p:cNvSpPr>
+          <p:nvPr>
+            <p:ph idx="1"/>
+          </p:nvPr>
+        </p:nvSpPr>
+        <p:spPr/>
+        <p:txBody>
+          <a:bodyPr/>
+          <a:lstStyle/>
+          <a:p>
+            <a:r>
+              <a:rPr lang="en-US" dirty="0"/>
+              <a:t>Qualitative data or sample status</a:t>
+            </a:r>
+          </a:p>
+          <a:p>
+            <a:endParaRPr lang="en-US" dirty="0"/>
+          </a:p>
+          <a:p>
+            <a:r>
+              <a:rPr lang="en-US" dirty="0"/>
+              <a:t>Quantitative data or sample virus load</a:t>
+            </a:r>
+          </a:p>
+        </p:txBody>
+      </p:sp>
+    </p:spTree>
+    <p:extLst>
+      <p:ext uri="{BB962C8B-B14F-4D97-AF65-F5344CB8AC3E}">
+        <p14:creationId xmlns:p14="http://schemas.microsoft.com/office/powerpoint/2010/main" val="1528692084"/>
+      </p:ext>
+    </p:extLst>
+  </p:cSld>
+  <p:clrMapOvr>
+    <a:masterClrMapping/>
+  </p:clrMapOvr>
+</p:sld>
+</file>
+
+<file path=ppt/slides/slide26.xml><?xml version="1.0" encoding="utf-8"?>
+<p:sld xmlns:a="http://schemas.openxmlformats.org/drawingml/2006/main" xmlns:r="http://schemas.openxmlformats.org/officeDocument/2006/relationships" xmlns:p="http://schemas.openxmlformats.org/presentationml/2006/main">
+  <p:cSld>
+    <p:spTree>
+      <p:nvGrpSpPr>
+        <p:cNvPr id="1" name=""/>
+        <p:cNvGrpSpPr/>
+        <p:nvPr/>
+      </p:nvGrpSpPr>
+      <p:grpSpPr>
+        <a:xfrm>
+          <a:off x="0" y="0"/>
+          <a:ext cx="0" cy="0"/>
+          <a:chOff x="0" y="0"/>
+          <a:chExt cx="0" cy="0"/>
+        </a:xfrm>
+      </p:grpSpPr>
+      <p:sp>
+        <p:nvSpPr>
+          <p:cNvPr id="2" name="Title 1">
+            <a:extLst>
+              <a:ext uri="{FF2B5EF4-FFF2-40B4-BE49-F238E27FC236}">
+                <a16:creationId xmlns:a16="http://schemas.microsoft.com/office/drawing/2014/main" id="{43E8FFE8-261E-46FA-A844-EB7203BDE840}"/>
+              </a:ext>
+            </a:extLst>
+          </p:cNvPr>
+          <p:cNvSpPr>
+            <a:spLocks noGrp="1"/>
+          </p:cNvSpPr>
+          <p:nvPr>
+            <p:ph type="title"/>
+          </p:nvPr>
+        </p:nvSpPr>
+        <p:spPr/>
+        <p:txBody>
+          <a:bodyPr/>
+          <a:lstStyle/>
+          <a:p>
+            <a:r>
+              <a:rPr lang="en-US" dirty="0"/>
+              <a:t>Getting started</a:t>
+            </a:r>
+          </a:p>
+        </p:txBody>
+      </p:sp>
+      <p:sp>
+        <p:nvSpPr>
+          <p:cNvPr id="3" name="Content Placeholder 2">
+            <a:extLst>
+              <a:ext uri="{FF2B5EF4-FFF2-40B4-BE49-F238E27FC236}">
+                <a16:creationId xmlns:a16="http://schemas.microsoft.com/office/drawing/2014/main" id="{2A1D20CA-D564-4DAE-BA26-5297EA2B871F}"/>
+              </a:ext>
+            </a:extLst>
+          </p:cNvPr>
+          <p:cNvSpPr>
+            <a:spLocks noGrp="1"/>
+          </p:cNvSpPr>
+          <p:nvPr>
+            <p:ph idx="1"/>
+          </p:nvPr>
+        </p:nvSpPr>
+        <p:spPr/>
+        <p:txBody>
+          <a:bodyPr/>
+          <a:lstStyle/>
+          <a:p>
+            <a:r>
+              <a:rPr lang="en-US" dirty="0" err="1"/>
+              <a:t>Main_dec.m</a:t>
+            </a:r>
+            <a:endParaRPr lang="en-US" dirty="0"/>
+          </a:p>
+        </p:txBody>
+      </p:sp>
+    </p:spTree>
+    <p:extLst>
+      <p:ext uri="{BB962C8B-B14F-4D97-AF65-F5344CB8AC3E}">
+        <p14:creationId xmlns:p14="http://schemas.microsoft.com/office/powerpoint/2010/main" val="1644539672"/>
+      </p:ext>
+    </p:extLst>
+  </p:cSld>
+  <p:clrMapOvr>
+    <a:masterClrMapping/>
+  </p:clrMapOvr>
+</p:sld>
+</file>
+
+<file path=ppt/slides/slide27.xml><?xml version="1.0" encoding="utf-8"?>
+<p:sld xmlns:a="http://schemas.openxmlformats.org/drawingml/2006/main" xmlns:r="http://schemas.openxmlformats.org/officeDocument/2006/relationships" xmlns:p="http://schemas.openxmlformats.org/presentationml/2006/main">
+  <p:cSld>
+    <p:spTree>
+      <p:nvGrpSpPr>
+        <p:cNvPr id="1" name=""/>
+        <p:cNvGrpSpPr/>
+        <p:nvPr/>
+      </p:nvGrpSpPr>
+      <p:grpSpPr>
+        <a:xfrm>
+          <a:off x="0" y="0"/>
+          <a:ext cx="0" cy="0"/>
+          <a:chOff x="0" y="0"/>
+          <a:chExt cx="0" cy="0"/>
+        </a:xfrm>
+      </p:grpSpPr>
+      <p:sp>
+        <p:nvSpPr>
+          <p:cNvPr id="2" name="Title 1">
+            <a:extLst>
+              <a:ext uri="{FF2B5EF4-FFF2-40B4-BE49-F238E27FC236}">
+                <a16:creationId xmlns:a16="http://schemas.microsoft.com/office/drawing/2014/main" id="{BDE4527E-6A3F-42FC-A69E-AD1407BFB929}"/>
+              </a:ext>
+            </a:extLst>
+          </p:cNvPr>
+          <p:cNvSpPr>
+            <a:spLocks noGrp="1"/>
+          </p:cNvSpPr>
+          <p:nvPr>
+            <p:ph type="title"/>
+          </p:nvPr>
+        </p:nvSpPr>
+        <p:spPr/>
+        <p:txBody>
+          <a:bodyPr/>
+          <a:lstStyle/>
+          <a:p>
+            <a:r>
+              <a:rPr lang="en-US" dirty="0"/>
+              <a:t>Getting started – testing different solvers</a:t>
+            </a:r>
+          </a:p>
+        </p:txBody>
+      </p:sp>
+      <p:sp>
+        <p:nvSpPr>
+          <p:cNvPr id="3" name="Content Placeholder 2">
+            <a:extLst>
+              <a:ext uri="{FF2B5EF4-FFF2-40B4-BE49-F238E27FC236}">
+                <a16:creationId xmlns:a16="http://schemas.microsoft.com/office/drawing/2014/main" id="{B2C5E1BB-A632-42A8-A117-1EDE84452497}"/>
+              </a:ext>
+            </a:extLst>
+          </p:cNvPr>
+          <p:cNvSpPr>
+            <a:spLocks noGrp="1"/>
+          </p:cNvSpPr>
+          <p:nvPr>
+            <p:ph idx="1"/>
+          </p:nvPr>
+        </p:nvSpPr>
+        <p:spPr/>
+        <p:txBody>
+          <a:bodyPr>
+            <a:normAutofit lnSpcReduction="10000"/>
+          </a:bodyPr>
+          <a:lstStyle/>
+          <a:p>
+            <a:r>
+              <a:rPr lang="en-US" dirty="0"/>
+              <a:t>Choose virus type: </a:t>
+            </a:r>
+            <a:r>
+              <a:rPr lang="en-US" dirty="0" err="1"/>
+              <a:t>Params.virusID</a:t>
+            </a:r>
+            <a:r>
+              <a:rPr lang="en-US" dirty="0"/>
+              <a:t> = ‘MHV-1]</a:t>
+            </a:r>
+          </a:p>
+          <a:p>
+            <a:r>
+              <a:rPr lang="en-US" dirty="0"/>
+              <a:t>Choose mixing matrix size: </a:t>
+            </a:r>
+            <a:r>
+              <a:rPr lang="en-US" dirty="0" err="1"/>
+              <a:t>Params.MatSize</a:t>
+            </a:r>
+            <a:r>
+              <a:rPr lang="en-US" dirty="0"/>
+              <a:t> = [3,7]</a:t>
+            </a:r>
+          </a:p>
+          <a:p>
+            <a:r>
+              <a:rPr lang="en-US" dirty="0"/>
+              <a:t>Choose trail experiment index: </a:t>
+            </a:r>
+            <a:r>
+              <a:rPr lang="en-US" dirty="0" err="1"/>
+              <a:t>Params.trialInd</a:t>
+            </a:r>
+            <a:r>
+              <a:rPr lang="en-US" dirty="0"/>
+              <a:t> = 1</a:t>
+            </a:r>
+          </a:p>
+          <a:p>
+            <a:r>
+              <a:rPr lang="en-US" dirty="0"/>
+              <a:t>Choose number of adaptive request: </a:t>
+            </a:r>
+            <a:r>
+              <a:rPr lang="en-US" dirty="0" err="1"/>
+              <a:t>Params.stageNum</a:t>
+            </a:r>
+            <a:r>
+              <a:rPr lang="en-US" dirty="0"/>
+              <a:t>=2</a:t>
+            </a:r>
+          </a:p>
+          <a:p>
+            <a:endParaRPr lang="en-US" dirty="0"/>
+          </a:p>
+          <a:p>
+            <a:pPr marL="0" indent="0">
+              <a:buNone/>
+            </a:pPr>
+            <a:r>
+              <a:rPr lang="en-US" dirty="0"/>
+              <a:t>Adjustable variable</a:t>
+            </a:r>
+          </a:p>
+          <a:p>
+            <a:r>
+              <a:rPr lang="en-US" dirty="0"/>
+              <a:t>Choose optimization solver: </a:t>
+            </a:r>
+            <a:r>
+              <a:rPr lang="en-US" dirty="0" err="1"/>
+              <a:t>Params.solver</a:t>
+            </a:r>
+            <a:r>
+              <a:rPr lang="en-US" dirty="0"/>
+              <a:t> = ‘EXHAUSTIVE’, or ‘OBO_MM’, or ‘MISMATCHRATIO_SUCC’</a:t>
+            </a:r>
+          </a:p>
+          <a:p>
+            <a:r>
+              <a:rPr lang="en-US" dirty="0"/>
+              <a:t>Run the program</a:t>
+            </a:r>
+          </a:p>
+        </p:txBody>
+      </p:sp>
+    </p:spTree>
+    <p:extLst>
+      <p:ext uri="{BB962C8B-B14F-4D97-AF65-F5344CB8AC3E}">
+        <p14:creationId xmlns:p14="http://schemas.microsoft.com/office/powerpoint/2010/main" val="398195165"/>
+      </p:ext>
+    </p:extLst>
+  </p:cSld>
+  <p:clrMapOvr>
+    <a:masterClrMapping/>
+  </p:clrMapOvr>
+</p:sld>
+</file>
+
 <file path=ppt/slides/slide3.xml><?xml version="1.0" encoding="utf-8"?>
 <p:sld xmlns:a="http://schemas.openxmlformats.org/drawingml/2006/main" xmlns:r="http://schemas.openxmlformats.org/officeDocument/2006/relationships" xmlns:p="http://schemas.openxmlformats.org/presentationml/2006/main">
   <p:cSld>
@@ -4537,6 +8535,106 @@
 </file>
 
 <file path=ppt/slides/slide4.xml><?xml version="1.0" encoding="utf-8"?>
+<p:sld xmlns:a="http://schemas.openxmlformats.org/drawingml/2006/main" xmlns:r="http://schemas.openxmlformats.org/officeDocument/2006/relationships" xmlns:p="http://schemas.openxmlformats.org/presentationml/2006/main">
+  <p:cSld>
+    <p:spTree>
+      <p:nvGrpSpPr>
+        <p:cNvPr id="1" name=""/>
+        <p:cNvGrpSpPr/>
+        <p:nvPr/>
+      </p:nvGrpSpPr>
+      <p:grpSpPr>
+        <a:xfrm>
+          <a:off x="0" y="0"/>
+          <a:ext cx="0" cy="0"/>
+          <a:chOff x="0" y="0"/>
+          <a:chExt cx="0" cy="0"/>
+        </a:xfrm>
+      </p:grpSpPr>
+      <p:sp>
+        <p:nvSpPr>
+          <p:cNvPr id="2" name="Title 1">
+            <a:extLst>
+              <a:ext uri="{FF2B5EF4-FFF2-40B4-BE49-F238E27FC236}">
+                <a16:creationId xmlns:a16="http://schemas.microsoft.com/office/drawing/2014/main" id="{A488A08C-39AC-4881-8738-808D644E1D35}"/>
+              </a:ext>
+            </a:extLst>
+          </p:cNvPr>
+          <p:cNvSpPr>
+            <a:spLocks noGrp="1"/>
+          </p:cNvSpPr>
+          <p:nvPr>
+            <p:ph type="title"/>
+          </p:nvPr>
+        </p:nvSpPr>
+        <p:spPr/>
+        <p:txBody>
+          <a:bodyPr/>
+          <a:lstStyle/>
+          <a:p>
+            <a:r>
+              <a:rPr lang="en-US" dirty="0"/>
+              <a:t>Data preprocessing</a:t>
+            </a:r>
+          </a:p>
+        </p:txBody>
+      </p:sp>
+      <p:sp>
+        <p:nvSpPr>
+          <p:cNvPr id="3" name="Content Placeholder 2">
+            <a:extLst>
+              <a:ext uri="{FF2B5EF4-FFF2-40B4-BE49-F238E27FC236}">
+                <a16:creationId xmlns:a16="http://schemas.microsoft.com/office/drawing/2014/main" id="{21E069A8-D412-457D-BB8E-E1CFD7DC6A4B}"/>
+              </a:ext>
+            </a:extLst>
+          </p:cNvPr>
+          <p:cNvSpPr>
+            <a:spLocks noGrp="1"/>
+          </p:cNvSpPr>
+          <p:nvPr>
+            <p:ph idx="1"/>
+          </p:nvPr>
+        </p:nvSpPr>
+        <p:spPr/>
+        <p:txBody>
+          <a:bodyPr/>
+          <a:lstStyle/>
+          <a:p>
+            <a:r>
+              <a:rPr lang="en-US" dirty="0"/>
+              <a:t>Set the </a:t>
+            </a:r>
+            <a:r>
+              <a:rPr lang="en-US" dirty="0" err="1"/>
+              <a:t>ct</a:t>
+            </a:r>
+            <a:r>
+              <a:rPr lang="en-US" dirty="0"/>
+              <a:t> value for negative pools as 50</a:t>
+            </a:r>
+          </a:p>
+          <a:p>
+            <a:r>
+              <a:rPr lang="en-US" dirty="0"/>
+              <a:t>Set the pooling status such as “negative” and “positive” as 0 and 1 respectively</a:t>
+            </a:r>
+          </a:p>
+        </p:txBody>
+      </p:sp>
+    </p:spTree>
+    <p:extLst>
+      <p:ext uri="{BB962C8B-B14F-4D97-AF65-F5344CB8AC3E}">
+        <p14:creationId xmlns:p14="http://schemas.microsoft.com/office/powerpoint/2010/main" val="2218857504"/>
+      </p:ext>
+    </p:extLst>
+  </p:cSld>
+  <p:clrMapOvr>
+    <a:masterClrMapping/>
+  </p:clrMapOvr>
+</p:sld>
+</file>
+
+<file path=ppt/slides/slide5.xml><?xml version="1.0" encoding="utf-8"?>
 <p:sld xmlns:a="http://schemas.openxmlformats.org/drawingml/2006/main" xmlns:r="http://schemas.openxmlformats.org/officeDocument/2006/relationships" xmlns:p="http://schemas.openxmlformats.org/presentationml/2006/main">
   <p:cSld>
     <p:spTree>
@@ -4963,101 +9061,6 @@
 </p:sld>
 </file>
 
-<file path=ppt/slides/slide5.xml><?xml version="1.0" encoding="utf-8"?>
-<p:sld xmlns:a="http://schemas.openxmlformats.org/drawingml/2006/main" xmlns:r="http://schemas.openxmlformats.org/officeDocument/2006/relationships" xmlns:p="http://schemas.openxmlformats.org/presentationml/2006/main">
-  <p:cSld>
-    <p:spTree>
-      <p:nvGrpSpPr>
-        <p:cNvPr id="1" name=""/>
-        <p:cNvGrpSpPr/>
-        <p:nvPr/>
-      </p:nvGrpSpPr>
-      <p:grpSpPr>
-        <a:xfrm>
-          <a:off x="0" y="0"/>
-          <a:ext cx="0" cy="0"/>
-          <a:chOff x="0" y="0"/>
-          <a:chExt cx="0" cy="0"/>
-        </a:xfrm>
-      </p:grpSpPr>
-      <p:sp>
-        <p:nvSpPr>
-          <p:cNvPr id="2" name="Title 1">
-            <a:extLst>
-              <a:ext uri="{FF2B5EF4-FFF2-40B4-BE49-F238E27FC236}">
-                <a16:creationId xmlns:a16="http://schemas.microsoft.com/office/drawing/2014/main" id="{6220B603-D171-4E7A-88CA-3BBF79360ADA}"/>
-              </a:ext>
-            </a:extLst>
-          </p:cNvPr>
-          <p:cNvSpPr>
-            <a:spLocks noGrp="1"/>
-          </p:cNvSpPr>
-          <p:nvPr>
-            <p:ph type="title"/>
-          </p:nvPr>
-        </p:nvSpPr>
-        <p:spPr/>
-        <p:txBody>
-          <a:bodyPr/>
-          <a:lstStyle/>
-          <a:p>
-            <a:r>
-              <a:rPr lang="en-US" dirty="0"/>
-              <a:t>Data components for importing</a:t>
-            </a:r>
-          </a:p>
-        </p:txBody>
-      </p:sp>
-      <p:sp>
-        <p:nvSpPr>
-          <p:cNvPr id="3" name="Content Placeholder 2">
-            <a:extLst>
-              <a:ext uri="{FF2B5EF4-FFF2-40B4-BE49-F238E27FC236}">
-                <a16:creationId xmlns:a16="http://schemas.microsoft.com/office/drawing/2014/main" id="{31ED9DDA-C51C-480B-8AC0-6E0AA7A37E8E}"/>
-              </a:ext>
-            </a:extLst>
-          </p:cNvPr>
-          <p:cNvSpPr>
-            <a:spLocks noGrp="1"/>
-          </p:cNvSpPr>
-          <p:nvPr>
-            <p:ph idx="1"/>
-          </p:nvPr>
-        </p:nvSpPr>
-        <p:spPr/>
-        <p:txBody>
-          <a:bodyPr/>
-          <a:lstStyle/>
-          <a:p>
-            <a:r>
-              <a:rPr lang="en-US" dirty="0"/>
-              <a:t>Pooling test data</a:t>
-            </a:r>
-          </a:p>
-          <a:p>
-            <a:endParaRPr lang="en-US" dirty="0"/>
-          </a:p>
-          <a:p>
-            <a:r>
-              <a:rPr lang="en-US" dirty="0"/>
-              <a:t>Standard curve data</a:t>
-            </a:r>
-          </a:p>
-        </p:txBody>
-      </p:sp>
-    </p:spTree>
-    <p:extLst>
-      <p:ext uri="{BB962C8B-B14F-4D97-AF65-F5344CB8AC3E}">
-        <p14:creationId xmlns:p14="http://schemas.microsoft.com/office/powerpoint/2010/main" val="3714965446"/>
-      </p:ext>
-    </p:extLst>
-  </p:cSld>
-  <p:clrMapOvr>
-    <a:masterClrMapping/>
-  </p:clrMapOvr>
-</p:sld>
-</file>
-
 <file path=ppt/slides/slide6.xml><?xml version="1.0" encoding="utf-8"?>
 <p:sld xmlns:a="http://schemas.openxmlformats.org/drawingml/2006/main" xmlns:r="http://schemas.openxmlformats.org/officeDocument/2006/relationships" xmlns:p="http://schemas.openxmlformats.org/presentationml/2006/main">
   <p:cSld>
@@ -5080,7 +9083,7 @@
           <p:cNvPr id="2" name="Title 1">
             <a:extLst>
               <a:ext uri="{FF2B5EF4-FFF2-40B4-BE49-F238E27FC236}">
-                <a16:creationId xmlns:a16="http://schemas.microsoft.com/office/drawing/2014/main" id="{35177D0C-A25B-4ED6-AB20-FB5396564F5F}"/>
+                <a16:creationId xmlns:a16="http://schemas.microsoft.com/office/drawing/2014/main" id="{F7B58795-4D51-4669-9231-848B622571CB}"/>
               </a:ext>
             </a:extLst>
           </p:cNvPr>
@@ -5096,10 +9099,7 @@
           <a:bodyPr/>
           <a:lstStyle/>
           <a:p>
-            <a:r>
-              <a:rPr lang="en-US" dirty="0"/>
-              <a:t>Data components for importing</a:t>
-            </a:r>
+            <a:endParaRPr lang="en-US"/>
           </a:p>
         </p:txBody>
       </p:sp>
@@ -5108,7 +9108,7 @@
           <p:cNvPr id="3" name="Content Placeholder 2">
             <a:extLst>
               <a:ext uri="{FF2B5EF4-FFF2-40B4-BE49-F238E27FC236}">
-                <a16:creationId xmlns:a16="http://schemas.microsoft.com/office/drawing/2014/main" id="{C4622965-9A3D-4D37-AB4E-941FCDC66BF0}"/>
+                <a16:creationId xmlns:a16="http://schemas.microsoft.com/office/drawing/2014/main" id="{F96FB62A-392F-42C5-9683-FFF1C4670B9E}"/>
               </a:ext>
             </a:extLst>
           </p:cNvPr>
@@ -5121,110 +9121,17 @@
         </p:nvSpPr>
         <p:spPr/>
         <p:txBody>
-          <a:bodyPr>
-            <a:normAutofit fontScale="85000" lnSpcReduction="20000"/>
-          </a:bodyPr>
-          <a:lstStyle/>
-          <a:p>
-            <a:r>
-              <a:rPr lang="en-US" dirty="0"/>
-              <a:t>Pooling test data</a:t>
-            </a:r>
-          </a:p>
-          <a:p>
-            <a:pPr>
-              <a:buFontTx/>
-              <a:buChar char="-"/>
-            </a:pPr>
-            <a:r>
-              <a:rPr lang="en-US" dirty="0"/>
-              <a:t>Naming: virusID_Trial-trialIndex_Stage-stageIndex_Encoded_KWALDSTEIN_TimeStamp.xlsx</a:t>
-            </a:r>
-          </a:p>
-          <a:p>
-            <a:pPr>
-              <a:buFontTx/>
-              <a:buChar char="-"/>
-            </a:pPr>
-            <a:r>
-              <a:rPr lang="en-US" dirty="0"/>
-              <a:t>Each trial corresponds to an experiment</a:t>
-            </a:r>
-          </a:p>
-          <a:p>
-            <a:pPr>
-              <a:buFontTx/>
-              <a:buChar char="-"/>
-            </a:pPr>
-            <a:r>
-              <a:rPr lang="en-US" dirty="0"/>
-              <a:t>Each stage corresponds to a request</a:t>
-            </a:r>
-          </a:p>
-          <a:p>
-            <a:pPr>
-              <a:buFontTx/>
-              <a:buChar char="-"/>
-            </a:pPr>
-            <a:r>
-              <a:rPr lang="en-US" dirty="0"/>
-              <a:t>For requests made in the same trial (or experiment), the time stamps are the same</a:t>
-            </a:r>
-          </a:p>
-          <a:p>
-            <a:pPr marL="0" indent="0">
-              <a:buNone/>
-            </a:pPr>
-            <a:r>
-              <a:rPr lang="en-US" dirty="0"/>
-              <a:t>Ex: MHV-1_Trial-1_Stage-1_Encoded_KWALDSTEIN_202010042110.xlsx</a:t>
-            </a:r>
-          </a:p>
-          <a:p>
-            <a:pPr marL="0" indent="0">
-              <a:buNone/>
-            </a:pPr>
-            <a:r>
-              <a:rPr lang="en-US" dirty="0"/>
-              <a:t>Ex: MHV-1_Trial-1_Stage-2_Encoded_KWALDSTEIN_202010042110.xlsx</a:t>
-            </a:r>
-          </a:p>
-          <a:p>
-            <a:pPr marL="0" indent="0">
-              <a:buNone/>
-            </a:pPr>
-            <a:r>
-              <a:rPr lang="en-US" dirty="0"/>
-              <a:t>Ex: MHV-1_Trial-1_Stage-3_Encoded_KWALDSTEIN_202010042110.xlsx</a:t>
-            </a:r>
-          </a:p>
-          <a:p>
-            <a:pPr marL="0" indent="0">
-              <a:buNone/>
-            </a:pPr>
-            <a:r>
-              <a:rPr lang="en-US" dirty="0"/>
-              <a:t>Ex: COVID-19_Trial-1_Stage-1_Encoded_KWALDSTEIN_202010281100.xlsx</a:t>
-            </a:r>
-          </a:p>
-          <a:p>
-            <a:pPr marL="0" indent="0">
-              <a:buNone/>
-            </a:pPr>
-            <a:r>
-              <a:rPr lang="en-US" dirty="0"/>
-              <a:t>Ex: COVID-19_Trial-1_Stage-2_Encoded_KWALDSTEIN_202010281100.xlsx</a:t>
-            </a:r>
-          </a:p>
-          <a:p>
-            <a:endParaRPr lang="en-US" dirty="0"/>
+          <a:bodyPr/>
+          <a:lstStyle/>
+          <a:p>
+            <a:endParaRPr lang="en-US"/>
           </a:p>
         </p:txBody>
       </p:sp>
     </p:spTree>
     <p:extLst>
       <p:ext uri="{BB962C8B-B14F-4D97-AF65-F5344CB8AC3E}">
-        <p14:creationId xmlns:p14="http://schemas.microsoft.com/office/powerpoint/2010/main" val="3193818353"/>
+        <p14:creationId xmlns:p14="http://schemas.microsoft.com/office/powerpoint/2010/main" val="845837698"/>
       </p:ext>
     </p:extLst>
   </p:cSld>
@@ -5256,7 +9163,7 @@
           <p:cNvPr id="2" name="Title 1">
             <a:extLst>
               <a:ext uri="{FF2B5EF4-FFF2-40B4-BE49-F238E27FC236}">
-                <a16:creationId xmlns:a16="http://schemas.microsoft.com/office/drawing/2014/main" id="{D904A5BA-DEA9-4823-9E3E-52BBD9524B22}"/>
+                <a16:creationId xmlns:a16="http://schemas.microsoft.com/office/drawing/2014/main" id="{6220B603-D171-4E7A-88CA-3BBF79360ADA}"/>
               </a:ext>
             </a:extLst>
           </p:cNvPr>
@@ -5284,7 +9191,7 @@
           <p:cNvPr id="3" name="Content Placeholder 2">
             <a:extLst>
               <a:ext uri="{FF2B5EF4-FFF2-40B4-BE49-F238E27FC236}">
-                <a16:creationId xmlns:a16="http://schemas.microsoft.com/office/drawing/2014/main" id="{2BD91B59-007F-4715-B52B-C3BC332EAD66}"/>
+                <a16:creationId xmlns:a16="http://schemas.microsoft.com/office/drawing/2014/main" id="{31ED9DDA-C51C-480B-8AC0-6E0AA7A37E8E}"/>
               </a:ext>
             </a:extLst>
           </p:cNvPr>
@@ -5297,113 +9204,29 @@
         </p:nvSpPr>
         <p:spPr/>
         <p:txBody>
-          <a:bodyPr>
-            <a:normAutofit fontScale="85000" lnSpcReduction="20000"/>
-          </a:bodyPr>
-          <a:lstStyle/>
-          <a:p>
-            <a:r>
-              <a:rPr lang="en-US" dirty="0"/>
-              <a:t>Standard data</a:t>
-            </a:r>
-          </a:p>
-          <a:p>
-            <a:pPr>
-              <a:buFontTx/>
-              <a:buChar char="-"/>
-            </a:pPr>
-            <a:r>
-              <a:rPr lang="en-US" dirty="0"/>
-              <a:t>Naming: virusID_Trial-trialIndex_Stage-stageIndex_StdCurve_KWALDSTEIN_TimeStamp.xlsx</a:t>
-            </a:r>
-          </a:p>
-          <a:p>
-            <a:pPr>
-              <a:buFontTx/>
-              <a:buChar char="-"/>
-            </a:pPr>
-            <a:r>
-              <a:rPr lang="en-US" dirty="0"/>
-              <a:t>Each trial corresponds to an experiment</a:t>
-            </a:r>
-          </a:p>
-          <a:p>
-            <a:pPr>
-              <a:buFontTx/>
-              <a:buChar char="-"/>
-            </a:pPr>
-            <a:r>
-              <a:rPr lang="en-US" dirty="0"/>
-              <a:t>Each stage corresponds to a request</a:t>
-            </a:r>
-          </a:p>
-          <a:p>
-            <a:pPr>
-              <a:buFontTx/>
-              <a:buChar char="-"/>
-            </a:pPr>
-            <a:r>
-              <a:rPr lang="en-US" dirty="0"/>
-              <a:t>For requests made in the same trial (or experiment), the time stamps are the same</a:t>
-            </a:r>
-          </a:p>
-          <a:p>
-            <a:pPr marL="0" indent="0">
-              <a:buNone/>
-            </a:pPr>
-            <a:r>
-              <a:rPr lang="en-US" dirty="0"/>
-              <a:t>Ex: MHV-1_Trial-1_Stage-1_StdCurve_KWALDSTEIN_202010042110.xlsx</a:t>
-            </a:r>
-          </a:p>
-          <a:p>
-            <a:pPr marL="0" indent="0">
-              <a:buNone/>
-            </a:pPr>
-            <a:r>
-              <a:rPr lang="en-US" dirty="0"/>
-              <a:t>Ex: MHV-1_Trial-1_Stage-2_StdCurve _KWALDSTEIN_202010042110.xlsx</a:t>
-            </a:r>
-          </a:p>
-          <a:p>
-            <a:pPr marL="0" indent="0">
-              <a:buNone/>
-            </a:pPr>
-            <a:r>
-              <a:rPr lang="en-US" dirty="0"/>
-              <a:t>Ex: MHV-1_Trial-1_Stage-3_StdCurve _KWALDSTEIN_202010042110.xlsx</a:t>
-            </a:r>
-          </a:p>
-          <a:p>
-            <a:pPr marL="0" indent="0">
-              <a:buNone/>
-            </a:pPr>
-            <a:r>
-              <a:rPr lang="en-US" dirty="0"/>
-              <a:t>Ex: COVID-19_Trial-1_Stage-1_StdCurve _KWALDSTEIN_202010281100.xlsx</a:t>
-            </a:r>
-          </a:p>
-          <a:p>
-            <a:pPr marL="0" indent="0">
-              <a:buNone/>
-            </a:pPr>
-            <a:r>
-              <a:rPr lang="en-US" dirty="0"/>
-              <a:t>Ex: COVID-19_Trial-1_Stage-2_StdCurve _KWALDSTEIN_202010281100.xlsx</a:t>
+          <a:bodyPr/>
+          <a:lstStyle/>
+          <a:p>
+            <a:r>
+              <a:rPr lang="en-US" dirty="0"/>
+              <a:t>Pooling test data</a:t>
             </a:r>
           </a:p>
           <a:p>
             <a:endParaRPr lang="en-US" dirty="0"/>
           </a:p>
           <a:p>
-            <a:endParaRPr lang="en-US" dirty="0"/>
+            <a:r>
+              <a:rPr lang="en-US" dirty="0"/>
+              <a:t>Standard curve data</a:t>
+            </a:r>
           </a:p>
         </p:txBody>
       </p:sp>
     </p:spTree>
     <p:extLst>
       <p:ext uri="{BB962C8B-B14F-4D97-AF65-F5344CB8AC3E}">
-        <p14:creationId xmlns:p14="http://schemas.microsoft.com/office/powerpoint/2010/main" val="2003395014"/>
+        <p14:creationId xmlns:p14="http://schemas.microsoft.com/office/powerpoint/2010/main" val="3714965446"/>
       </p:ext>
     </p:extLst>
   </p:cSld>
@@ -5435,7 +9258,7 @@
           <p:cNvPr id="2" name="Title 1">
             <a:extLst>
               <a:ext uri="{FF2B5EF4-FFF2-40B4-BE49-F238E27FC236}">
-                <a16:creationId xmlns:a16="http://schemas.microsoft.com/office/drawing/2014/main" id="{0563E1D1-3FE5-49BB-970A-FD40C4648D45}"/>
+                <a16:creationId xmlns:a16="http://schemas.microsoft.com/office/drawing/2014/main" id="{35177D0C-A25B-4ED6-AB20-FB5396564F5F}"/>
               </a:ext>
             </a:extLst>
           </p:cNvPr>
@@ -5453,7 +9276,7 @@
           <a:p>
             <a:r>
               <a:rPr lang="en-US" dirty="0"/>
-              <a:t>Decoding module</a:t>
+              <a:t>Data components for importing</a:t>
             </a:r>
           </a:p>
         </p:txBody>
@@ -5463,7 +9286,7 @@
           <p:cNvPr id="3" name="Content Placeholder 2">
             <a:extLst>
               <a:ext uri="{FF2B5EF4-FFF2-40B4-BE49-F238E27FC236}">
-                <a16:creationId xmlns:a16="http://schemas.microsoft.com/office/drawing/2014/main" id="{A511EF38-186B-4F57-87F1-8C9CF4D0519F}"/>
+                <a16:creationId xmlns:a16="http://schemas.microsoft.com/office/drawing/2014/main" id="{C4622965-9A3D-4D37-AB4E-941FCDC66BF0}"/>
               </a:ext>
             </a:extLst>
           </p:cNvPr>
@@ -5476,20 +9299,110 @@
         </p:nvSpPr>
         <p:spPr/>
         <p:txBody>
-          <a:bodyPr/>
-          <a:lstStyle/>
-          <a:p>
-            <a:r>
-              <a:rPr lang="en-US" dirty="0"/>
-              <a:t>Optimizers </a:t>
-            </a:r>
+          <a:bodyPr>
+            <a:normAutofit fontScale="85000" lnSpcReduction="20000"/>
+          </a:bodyPr>
+          <a:lstStyle/>
+          <a:p>
+            <a:r>
+              <a:rPr lang="en-US" dirty="0"/>
+              <a:t>Pooling test data</a:t>
+            </a:r>
+          </a:p>
+          <a:p>
+            <a:pPr>
+              <a:buFontTx/>
+              <a:buChar char="-"/>
+            </a:pPr>
+            <a:r>
+              <a:rPr lang="en-US" dirty="0"/>
+              <a:t>Naming: virusID_Trial-trialIndex_Stage-stageIndex_Encoded_KWALDSTEIN_TimeStamp.xlsx</a:t>
+            </a:r>
+          </a:p>
+          <a:p>
+            <a:pPr>
+              <a:buFontTx/>
+              <a:buChar char="-"/>
+            </a:pPr>
+            <a:r>
+              <a:rPr lang="en-US" dirty="0"/>
+              <a:t>Each trial corresponds to an experiment</a:t>
+            </a:r>
+          </a:p>
+          <a:p>
+            <a:pPr>
+              <a:buFontTx/>
+              <a:buChar char="-"/>
+            </a:pPr>
+            <a:r>
+              <a:rPr lang="en-US" dirty="0"/>
+              <a:t>Each stage corresponds to a request</a:t>
+            </a:r>
+          </a:p>
+          <a:p>
+            <a:pPr>
+              <a:buFontTx/>
+              <a:buChar char="-"/>
+            </a:pPr>
+            <a:r>
+              <a:rPr lang="en-US" dirty="0"/>
+              <a:t>For requests made in the same trial (or experiment), the time stamps are the same</a:t>
+            </a:r>
+          </a:p>
+          <a:p>
+            <a:pPr marL="0" indent="0">
+              <a:buNone/>
+            </a:pPr>
+            <a:r>
+              <a:rPr lang="en-US" dirty="0"/>
+              <a:t>Ex: MHV-1_Trial-1_Stage-1_Encoded_KWALDSTEIN_202010042110.xlsx</a:t>
+            </a:r>
+          </a:p>
+          <a:p>
+            <a:pPr marL="0" indent="0">
+              <a:buNone/>
+            </a:pPr>
+            <a:r>
+              <a:rPr lang="en-US" dirty="0"/>
+              <a:t>Ex: MHV-1_Trial-1_Stage-2_Encoded_KWALDSTEIN_202010042110.xlsx</a:t>
+            </a:r>
+          </a:p>
+          <a:p>
+            <a:pPr marL="0" indent="0">
+              <a:buNone/>
+            </a:pPr>
+            <a:r>
+              <a:rPr lang="en-US" dirty="0"/>
+              <a:t>Ex: MHV-1_Trial-1_Stage-3_Encoded_KWALDSTEIN_202010042110.xlsx</a:t>
+            </a:r>
+          </a:p>
+          <a:p>
+            <a:pPr marL="0" indent="0">
+              <a:buNone/>
+            </a:pPr>
+            <a:r>
+              <a:rPr lang="en-US" dirty="0"/>
+              <a:t>Ex: COVID-19_Trial-1_Stage-1_Encoded_KWALDSTEIN_202010281100.xlsx</a:t>
+            </a:r>
+          </a:p>
+          <a:p>
+            <a:pPr marL="0" indent="0">
+              <a:buNone/>
+            </a:pPr>
+            <a:r>
+              <a:rPr lang="en-US" dirty="0"/>
+              <a:t>Ex: COVID-19_Trial-1_Stage-2_Encoded_KWALDSTEIN_202010281100.xlsx</a:t>
+            </a:r>
+          </a:p>
+          <a:p>
+            <a:endParaRPr lang="en-US" dirty="0"/>
           </a:p>
         </p:txBody>
       </p:sp>
     </p:spTree>
     <p:extLst>
       <p:ext uri="{BB962C8B-B14F-4D97-AF65-F5344CB8AC3E}">
-        <p14:creationId xmlns:p14="http://schemas.microsoft.com/office/powerpoint/2010/main" val="2617573021"/>
+        <p14:creationId xmlns:p14="http://schemas.microsoft.com/office/powerpoint/2010/main" val="3193818353"/>
       </p:ext>
     </p:extLst>
   </p:cSld>
@@ -5521,7 +9434,7 @@
           <p:cNvPr id="2" name="Title 1">
             <a:extLst>
               <a:ext uri="{FF2B5EF4-FFF2-40B4-BE49-F238E27FC236}">
-                <a16:creationId xmlns:a16="http://schemas.microsoft.com/office/drawing/2014/main" id="{84C60BDA-C2DB-422D-A2F2-8CC8F98F437F}"/>
+                <a16:creationId xmlns:a16="http://schemas.microsoft.com/office/drawing/2014/main" id="{D904A5BA-DEA9-4823-9E3E-52BBD9524B22}"/>
               </a:ext>
             </a:extLst>
           </p:cNvPr>
@@ -5539,7 +9452,7 @@
           <a:p>
             <a:r>
               <a:rPr lang="en-US" dirty="0"/>
-              <a:t>Data components for exporting</a:t>
+              <a:t>Data components for importing</a:t>
             </a:r>
           </a:p>
         </p:txBody>
@@ -5549,7 +9462,7 @@
           <p:cNvPr id="3" name="Content Placeholder 2">
             <a:extLst>
               <a:ext uri="{FF2B5EF4-FFF2-40B4-BE49-F238E27FC236}">
-                <a16:creationId xmlns:a16="http://schemas.microsoft.com/office/drawing/2014/main" id="{D0C3DAC5-E197-44BE-8C43-A8C0FE537360}"/>
+                <a16:creationId xmlns:a16="http://schemas.microsoft.com/office/drawing/2014/main" id="{2BD91B59-007F-4715-B52B-C3BC332EAD66}"/>
               </a:ext>
             </a:extLst>
           </p:cNvPr>
@@ -5562,29 +9475,113 @@
         </p:nvSpPr>
         <p:spPr/>
         <p:txBody>
-          <a:bodyPr/>
-          <a:lstStyle/>
-          <a:p>
-            <a:r>
-              <a:rPr lang="en-US" dirty="0"/>
-              <a:t>Qualitative data or sample status</a:t>
+          <a:bodyPr>
+            <a:normAutofit fontScale="85000" lnSpcReduction="20000"/>
+          </a:bodyPr>
+          <a:lstStyle/>
+          <a:p>
+            <a:r>
+              <a:rPr lang="en-US" dirty="0"/>
+              <a:t>Standard data</a:t>
+            </a:r>
+          </a:p>
+          <a:p>
+            <a:pPr>
+              <a:buFontTx/>
+              <a:buChar char="-"/>
+            </a:pPr>
+            <a:r>
+              <a:rPr lang="en-US" dirty="0"/>
+              <a:t>Naming: virusID_Trial-trialIndex_Stage-stageIndex_StdCurve_KWALDSTEIN_TimeStamp.xlsx</a:t>
+            </a:r>
+          </a:p>
+          <a:p>
+            <a:pPr>
+              <a:buFontTx/>
+              <a:buChar char="-"/>
+            </a:pPr>
+            <a:r>
+              <a:rPr lang="en-US" dirty="0"/>
+              <a:t>Each trial corresponds to an experiment</a:t>
+            </a:r>
+          </a:p>
+          <a:p>
+            <a:pPr>
+              <a:buFontTx/>
+              <a:buChar char="-"/>
+            </a:pPr>
+            <a:r>
+              <a:rPr lang="en-US" dirty="0"/>
+              <a:t>Each stage corresponds to a request</a:t>
+            </a:r>
+          </a:p>
+          <a:p>
+            <a:pPr>
+              <a:buFontTx/>
+              <a:buChar char="-"/>
+            </a:pPr>
+            <a:r>
+              <a:rPr lang="en-US" dirty="0"/>
+              <a:t>For requests made in the same trial (or experiment), the time stamps are the same</a:t>
+            </a:r>
+          </a:p>
+          <a:p>
+            <a:pPr marL="0" indent="0">
+              <a:buNone/>
+            </a:pPr>
+            <a:r>
+              <a:rPr lang="en-US" dirty="0"/>
+              <a:t>Ex: MHV-1_Trial-1_Stage-1_StdCurve_KWALDSTEIN_202010042110.xlsx</a:t>
+            </a:r>
+          </a:p>
+          <a:p>
+            <a:pPr marL="0" indent="0">
+              <a:buNone/>
+            </a:pPr>
+            <a:r>
+              <a:rPr lang="en-US" dirty="0"/>
+              <a:t>Ex: MHV-1_Trial-1_Stage-2_StdCurve _KWALDSTEIN_202010042110.xlsx</a:t>
+            </a:r>
+          </a:p>
+          <a:p>
+            <a:pPr marL="0" indent="0">
+              <a:buNone/>
+            </a:pPr>
+            <a:r>
+              <a:rPr lang="en-US" dirty="0"/>
+              <a:t>Ex: MHV-1_Trial-1_Stage-3_StdCurve _KWALDSTEIN_202010042110.xlsx</a:t>
+            </a:r>
+          </a:p>
+          <a:p>
+            <a:pPr marL="0" indent="0">
+              <a:buNone/>
+            </a:pPr>
+            <a:r>
+              <a:rPr lang="en-US" dirty="0"/>
+              <a:t>Ex: COVID-19_Trial-1_Stage-1_StdCurve _KWALDSTEIN_202010281100.xlsx</a:t>
+            </a:r>
+          </a:p>
+          <a:p>
+            <a:pPr marL="0" indent="0">
+              <a:buNone/>
+            </a:pPr>
+            <a:r>
+              <a:rPr lang="en-US" dirty="0"/>
+              <a:t>Ex: COVID-19_Trial-1_Stage-2_StdCurve _KWALDSTEIN_202010281100.xlsx</a:t>
             </a:r>
           </a:p>
           <a:p>
             <a:endParaRPr lang="en-US" dirty="0"/>
           </a:p>
           <a:p>
-            <a:r>
-              <a:rPr lang="en-US" dirty="0"/>
-              <a:t>Quantitative data or sample virus load</a:t>
-            </a:r>
+            <a:endParaRPr lang="en-US" dirty="0"/>
           </a:p>
         </p:txBody>
       </p:sp>
     </p:spTree>
     <p:extLst>
       <p:ext uri="{BB962C8B-B14F-4D97-AF65-F5344CB8AC3E}">
-        <p14:creationId xmlns:p14="http://schemas.microsoft.com/office/powerpoint/2010/main" val="1528692084"/>
+        <p14:creationId xmlns:p14="http://schemas.microsoft.com/office/powerpoint/2010/main" val="2003395014"/>
       </p:ext>
     </p:extLst>
   </p:cSld>
@@ -5887,4 +9884,299 @@
     </a:ext>
   </a:extLst>
 </a:theme>
+</file>
+
+<file path=ppt/theme/theme2.xml><?xml version="1.0" encoding="utf-8"?>
+<a:theme xmlns:a="http://schemas.openxmlformats.org/drawingml/2006/main" name="Office Theme">
+  <a:themeElements>
+    <a:clrScheme name="Office">
+      <a:dk1>
+        <a:sysClr val="windowText" lastClr="000000"/>
+      </a:dk1>
+      <a:lt1>
+        <a:sysClr val="window" lastClr="FFFFFF"/>
+      </a:lt1>
+      <a:dk2>
+        <a:srgbClr val="44546A"/>
+      </a:dk2>
+      <a:lt2>
+        <a:srgbClr val="E7E6E6"/>
+      </a:lt2>
+      <a:accent1>
+        <a:srgbClr val="4472C4"/>
+      </a:accent1>
+      <a:accent2>
+        <a:srgbClr val="ED7D31"/>
+      </a:accent2>
+      <a:accent3>
+        <a:srgbClr val="A5A5A5"/>
+      </a:accent3>
+      <a:accent4>
+        <a:srgbClr val="FFC000"/>
+      </a:accent4>
+      <a:accent5>
+        <a:srgbClr val="5B9BD5"/>
+      </a:accent5>
+      <a:accent6>
+        <a:srgbClr val="70AD47"/>
+      </a:accent6>
+      <a:hlink>
+        <a:srgbClr val="0563C1"/>
+      </a:hlink>
+      <a:folHlink>
+        <a:srgbClr val="954F72"/>
+      </a:folHlink>
+    </a:clrScheme>
+    <a:fontScheme name="Office">
+      <a:majorFont>
+        <a:latin typeface="Calibri Light" panose="020F0302020204030204"/>
+        <a:ea typeface=""/>
+        <a:cs typeface=""/>
+        <a:font script="Jpan" typeface="游ゴシック Light"/>
+        <a:font script="Hang" typeface="맑은 고딕"/>
+        <a:font script="Hans" typeface="等线 Light"/>
+        <a:font script="Hant" typeface="新細明體"/>
+        <a:font script="Arab" typeface="Times New Roman"/>
+        <a:font script="Hebr" typeface="Times New Roman"/>
+        <a:font script="Thai" typeface="Angsana New"/>
+        <a:font script="Ethi" typeface="Nyala"/>
+        <a:font script="Beng" typeface="Vrinda"/>
+        <a:font script="Gujr" typeface="Shruti"/>
+        <a:font script="Khmr" typeface="MoolBoran"/>
+        <a:font script="Knda" typeface="Tunga"/>
+        <a:font script="Guru" typeface="Raavi"/>
+        <a:font script="Cans" typeface="Euphemia"/>
+        <a:font script="Cher" typeface="Plantagenet Cherokee"/>
+        <a:font script="Yiii" typeface="Microsoft Yi Baiti"/>
+        <a:font script="Tibt" typeface="Microsoft Himalaya"/>
+        <a:font script="Thaa" typeface="MV Boli"/>
+        <a:font script="Deva" typeface="Mangal"/>
+        <a:font script="Telu" typeface="Gautami"/>
+        <a:font script="Taml" typeface="Latha"/>
+        <a:font script="Syrc" typeface="Estrangelo Edessa"/>
+        <a:font script="Orya" typeface="Kalinga"/>
+        <a:font script="Mlym" typeface="Kartika"/>
+        <a:font script="Laoo" typeface="DokChampa"/>
+        <a:font script="Sinh" typeface="Iskoola Pota"/>
+        <a:font script="Mong" typeface="Mongolian Baiti"/>
+        <a:font script="Viet" typeface="Times New Roman"/>
+        <a:font script="Uigh" typeface="Microsoft Uighur"/>
+        <a:font script="Geor" typeface="Sylfaen"/>
+        <a:font script="Armn" typeface="Arial"/>
+        <a:font script="Bugi" typeface="Leelawadee UI"/>
+        <a:font script="Bopo" typeface="Microsoft JhengHei"/>
+        <a:font script="Java" typeface="Javanese Text"/>
+        <a:font script="Lisu" typeface="Segoe UI"/>
+        <a:font script="Mymr" typeface="Myanmar Text"/>
+        <a:font script="Nkoo" typeface="Ebrima"/>
+        <a:font script="Olck" typeface="Nirmala UI"/>
+        <a:font script="Osma" typeface="Ebrima"/>
+        <a:font script="Phag" typeface="Phagspa"/>
+        <a:font script="Syrn" typeface="Estrangelo Edessa"/>
+        <a:font script="Syrj" typeface="Estrangelo Edessa"/>
+        <a:font script="Syre" typeface="Estrangelo Edessa"/>
+        <a:font script="Sora" typeface="Nirmala UI"/>
+        <a:font script="Tale" typeface="Microsoft Tai Le"/>
+        <a:font script="Talu" typeface="Microsoft New Tai Lue"/>
+        <a:font script="Tfng" typeface="Ebrima"/>
+      </a:majorFont>
+      <a:minorFont>
+        <a:latin typeface="Calibri" panose="020F0502020204030204"/>
+        <a:ea typeface=""/>
+        <a:cs typeface=""/>
+        <a:font script="Jpan" typeface="游ゴシック"/>
+        <a:font script="Hang" typeface="맑은 고딕"/>
+        <a:font script="Hans" typeface="等线"/>
+        <a:font script="Hant" typeface="新細明體"/>
+        <a:font script="Arab" typeface="Arial"/>
+        <a:font script="Hebr" typeface="Arial"/>
+        <a:font script="Thai" typeface="Cordia New"/>
+        <a:font script="Ethi" typeface="Nyala"/>
+        <a:font script="Beng" typeface="Vrinda"/>
+        <a:font script="Gujr" typeface="Shruti"/>
+        <a:font script="Khmr" typeface="DaunPenh"/>
+        <a:font script="Knda" typeface="Tunga"/>
+        <a:font script="Guru" typeface="Raavi"/>
+        <a:font script="Cans" typeface="Euphemia"/>
+        <a:font script="Cher" typeface="Plantagenet Cherokee"/>
+        <a:font script="Yiii" typeface="Microsoft Yi Baiti"/>
+        <a:font script="Tibt" typeface="Microsoft Himalaya"/>
+        <a:font script="Thaa" typeface="MV Boli"/>
+        <a:font script="Deva" typeface="Mangal"/>
+        <a:font script="Telu" typeface="Gautami"/>
+        <a:font script="Taml" typeface="Latha"/>
+        <a:font script="Syrc" typeface="Estrangelo Edessa"/>
+        <a:font script="Orya" typeface="Kalinga"/>
+        <a:font script="Mlym" typeface="Kartika"/>
+        <a:font script="Laoo" typeface="DokChampa"/>
+        <a:font script="Sinh" typeface="Iskoola Pota"/>
+        <a:font script="Mong" typeface="Mongolian Baiti"/>
+        <a:font script="Viet" typeface="Arial"/>
+        <a:font script="Uigh" typeface="Microsoft Uighur"/>
+        <a:font script="Geor" typeface="Sylfaen"/>
+        <a:font script="Armn" typeface="Arial"/>
+        <a:font script="Bugi" typeface="Leelawadee UI"/>
+        <a:font script="Bopo" typeface="Microsoft JhengHei"/>
+        <a:font script="Java" typeface="Javanese Text"/>
+        <a:font script="Lisu" typeface="Segoe UI"/>
+        <a:font script="Mymr" typeface="Myanmar Text"/>
+        <a:font script="Nkoo" typeface="Ebrima"/>
+        <a:font script="Olck" typeface="Nirmala UI"/>
+        <a:font script="Osma" typeface="Ebrima"/>
+        <a:font script="Phag" typeface="Phagspa"/>
+        <a:font script="Syrn" typeface="Estrangelo Edessa"/>
+        <a:font script="Syrj" typeface="Estrangelo Edessa"/>
+        <a:font script="Syre" typeface="Estrangelo Edessa"/>
+        <a:font script="Sora" typeface="Nirmala UI"/>
+        <a:font script="Tale" typeface="Microsoft Tai Le"/>
+        <a:font script="Talu" typeface="Microsoft New Tai Lue"/>
+        <a:font script="Tfng" typeface="Ebrima"/>
+      </a:minorFont>
+    </a:fontScheme>
+    <a:fmtScheme name="Office">
+      <a:fillStyleLst>
+        <a:solidFill>
+          <a:schemeClr val="phClr"/>
+        </a:solidFill>
+        <a:gradFill rotWithShape="1">
+          <a:gsLst>
+            <a:gs pos="0">
+              <a:schemeClr val="phClr">
+                <a:lumMod val="110000"/>
+                <a:satMod val="105000"/>
+                <a:tint val="67000"/>
+              </a:schemeClr>
+            </a:gs>
+            <a:gs pos="50000">
+              <a:schemeClr val="phClr">
+                <a:lumMod val="105000"/>
+                <a:satMod val="103000"/>
+                <a:tint val="73000"/>
+              </a:schemeClr>
+            </a:gs>
+            <a:gs pos="100000">
+              <a:schemeClr val="phClr">
+                <a:lumMod val="105000"/>
+                <a:satMod val="109000"/>
+                <a:tint val="81000"/>
+              </a:schemeClr>
+            </a:gs>
+          </a:gsLst>
+          <a:lin ang="5400000" scaled="0"/>
+        </a:gradFill>
+        <a:gradFill rotWithShape="1">
+          <a:gsLst>
+            <a:gs pos="0">
+              <a:schemeClr val="phClr">
+                <a:satMod val="103000"/>
+                <a:lumMod val="102000"/>
+                <a:tint val="94000"/>
+              </a:schemeClr>
+            </a:gs>
+            <a:gs pos="50000">
+              <a:schemeClr val="phClr">
+                <a:satMod val="110000"/>
+                <a:lumMod val="100000"/>
+                <a:shade val="100000"/>
+              </a:schemeClr>
+            </a:gs>
+            <a:gs pos="100000">
+              <a:schemeClr val="phClr">
+                <a:lumMod val="99000"/>
+                <a:satMod val="120000"/>
+                <a:shade val="78000"/>
+              </a:schemeClr>
+            </a:gs>
+          </a:gsLst>
+          <a:lin ang="5400000" scaled="0"/>
+        </a:gradFill>
+      </a:fillStyleLst>
+      <a:lnStyleLst>
+        <a:ln w="6350" cap="flat" cmpd="sng" algn="ctr">
+          <a:solidFill>
+            <a:schemeClr val="phClr"/>
+          </a:solidFill>
+          <a:prstDash val="solid"/>
+          <a:miter lim="800000"/>
+        </a:ln>
+        <a:ln w="12700" cap="flat" cmpd="sng" algn="ctr">
+          <a:solidFill>
+            <a:schemeClr val="phClr"/>
+          </a:solidFill>
+          <a:prstDash val="solid"/>
+          <a:miter lim="800000"/>
+        </a:ln>
+        <a:ln w="19050" cap="flat" cmpd="sng" algn="ctr">
+          <a:solidFill>
+            <a:schemeClr val="phClr"/>
+          </a:solidFill>
+          <a:prstDash val="solid"/>
+          <a:miter lim="800000"/>
+        </a:ln>
+      </a:lnStyleLst>
+      <a:effectStyleLst>
+        <a:effectStyle>
+          <a:effectLst/>
+        </a:effectStyle>
+        <a:effectStyle>
+          <a:effectLst/>
+        </a:effectStyle>
+        <a:effectStyle>
+          <a:effectLst>
+            <a:outerShdw blurRad="57150" dist="19050" dir="5400000" algn="ctr" rotWithShape="0">
+              <a:srgbClr val="000000">
+                <a:alpha val="63000"/>
+              </a:srgbClr>
+            </a:outerShdw>
+          </a:effectLst>
+        </a:effectStyle>
+      </a:effectStyleLst>
+      <a:bgFillStyleLst>
+        <a:solidFill>
+          <a:schemeClr val="phClr"/>
+        </a:solidFill>
+        <a:solidFill>
+          <a:schemeClr val="phClr">
+            <a:tint val="95000"/>
+            <a:satMod val="170000"/>
+          </a:schemeClr>
+        </a:solidFill>
+        <a:gradFill rotWithShape="1">
+          <a:gsLst>
+            <a:gs pos="0">
+              <a:schemeClr val="phClr">
+                <a:tint val="93000"/>
+                <a:satMod val="150000"/>
+                <a:shade val="98000"/>
+                <a:lumMod val="102000"/>
+              </a:schemeClr>
+            </a:gs>
+            <a:gs pos="50000">
+              <a:schemeClr val="phClr">
+                <a:tint val="98000"/>
+                <a:satMod val="130000"/>
+                <a:shade val="90000"/>
+                <a:lumMod val="103000"/>
+              </a:schemeClr>
+            </a:gs>
+            <a:gs pos="100000">
+              <a:schemeClr val="phClr">
+                <a:shade val="63000"/>
+                <a:satMod val="120000"/>
+              </a:schemeClr>
+            </a:gs>
+          </a:gsLst>
+          <a:lin ang="5400000" scaled="0"/>
+        </a:gradFill>
+      </a:bgFillStyleLst>
+    </a:fmtScheme>
+  </a:themeElements>
+  <a:objectDefaults/>
+  <a:extraClrSchemeLst/>
+  <a:extLst>
+    <a:ext uri="{05A4C25C-085E-4340-85A3-A5531E510DB2}">
+      <thm15:themeFamily xmlns:thm15="http://schemas.microsoft.com/office/thememl/2012/main" name="Office Theme" id="{62F939B6-93AF-4DB8-9C6B-D6C7DFDC589F}" vid="{4A3C46E8-61CC-4603-A589-7422A47A8E4A}"/>
+    </a:ext>
+  </a:extLst>
+</a:theme>
 </file>